--- a/Kodarskolan.pptx
+++ b/Kodarskolan.pptx
@@ -5,7 +5,7 @@
     <p:sldMasterId id="2147483648" r:id="rId1"/>
   </p:sldMasterIdLst>
   <p:notesMasterIdLst>
-    <p:notesMasterId r:id="rId42"/>
+    <p:notesMasterId r:id="rId50"/>
   </p:notesMasterIdLst>
   <p:sldIdLst>
     <p:sldId id="257" r:id="rId2"/>
@@ -16,38 +16,46 @@
     <p:sldId id="261" r:id="rId7"/>
     <p:sldId id="262" r:id="rId8"/>
     <p:sldId id="263" r:id="rId9"/>
-    <p:sldId id="264" r:id="rId10"/>
-    <p:sldId id="265" r:id="rId11"/>
-    <p:sldId id="266" r:id="rId12"/>
-    <p:sldId id="267" r:id="rId13"/>
-    <p:sldId id="268" r:id="rId14"/>
-    <p:sldId id="269" r:id="rId15"/>
-    <p:sldId id="270" r:id="rId16"/>
-    <p:sldId id="271" r:id="rId17"/>
-    <p:sldId id="272" r:id="rId18"/>
-    <p:sldId id="296" r:id="rId19"/>
-    <p:sldId id="273" r:id="rId20"/>
-    <p:sldId id="274" r:id="rId21"/>
-    <p:sldId id="279" r:id="rId22"/>
-    <p:sldId id="275" r:id="rId23"/>
-    <p:sldId id="280" r:id="rId24"/>
-    <p:sldId id="276" r:id="rId25"/>
-    <p:sldId id="281" r:id="rId26"/>
-    <p:sldId id="277" r:id="rId27"/>
-    <p:sldId id="282" r:id="rId28"/>
-    <p:sldId id="278" r:id="rId29"/>
-    <p:sldId id="283" r:id="rId30"/>
-    <p:sldId id="284" r:id="rId31"/>
-    <p:sldId id="285" r:id="rId32"/>
-    <p:sldId id="286" r:id="rId33"/>
-    <p:sldId id="287" r:id="rId34"/>
-    <p:sldId id="288" r:id="rId35"/>
-    <p:sldId id="289" r:id="rId36"/>
-    <p:sldId id="290" r:id="rId37"/>
-    <p:sldId id="291" r:id="rId38"/>
-    <p:sldId id="293" r:id="rId39"/>
-    <p:sldId id="292" r:id="rId40"/>
-    <p:sldId id="294" r:id="rId41"/>
+    <p:sldId id="297" r:id="rId10"/>
+    <p:sldId id="264" r:id="rId11"/>
+    <p:sldId id="298" r:id="rId12"/>
+    <p:sldId id="266" r:id="rId13"/>
+    <p:sldId id="267" r:id="rId14"/>
+    <p:sldId id="268" r:id="rId15"/>
+    <p:sldId id="269" r:id="rId16"/>
+    <p:sldId id="270" r:id="rId17"/>
+    <p:sldId id="271" r:id="rId18"/>
+    <p:sldId id="272" r:id="rId19"/>
+    <p:sldId id="296" r:id="rId20"/>
+    <p:sldId id="273" r:id="rId21"/>
+    <p:sldId id="274" r:id="rId22"/>
+    <p:sldId id="299" r:id="rId23"/>
+    <p:sldId id="300" r:id="rId24"/>
+    <p:sldId id="301" r:id="rId25"/>
+    <p:sldId id="302" r:id="rId26"/>
+    <p:sldId id="279" r:id="rId27"/>
+    <p:sldId id="275" r:id="rId28"/>
+    <p:sldId id="280" r:id="rId29"/>
+    <p:sldId id="276" r:id="rId30"/>
+    <p:sldId id="281" r:id="rId31"/>
+    <p:sldId id="277" r:id="rId32"/>
+    <p:sldId id="282" r:id="rId33"/>
+    <p:sldId id="278" r:id="rId34"/>
+    <p:sldId id="283" r:id="rId35"/>
+    <p:sldId id="284" r:id="rId36"/>
+    <p:sldId id="303" r:id="rId37"/>
+    <p:sldId id="304" r:id="rId38"/>
+    <p:sldId id="285" r:id="rId39"/>
+    <p:sldId id="286" r:id="rId40"/>
+    <p:sldId id="289" r:id="rId41"/>
+    <p:sldId id="290" r:id="rId42"/>
+    <p:sldId id="291" r:id="rId43"/>
+    <p:sldId id="305" r:id="rId44"/>
+    <p:sldId id="306" r:id="rId45"/>
+    <p:sldId id="293" r:id="rId46"/>
+    <p:sldId id="307" r:id="rId47"/>
+    <p:sldId id="292" r:id="rId48"/>
+    <p:sldId id="294" r:id="rId49"/>
   </p:sldIdLst>
   <p:sldSz cx="12192000" cy="6858000"/>
   <p:notesSz cx="6858000" cy="9144000"/>
@@ -146,6 +154,11 @@
       </a:defRPr>
     </a:lvl9pPr>
   </p:defaultTextStyle>
+  <p:extLst>
+    <p:ext uri="{EFAFB233-063F-42B5-8137-9DF3F51BA10A}">
+      <p15:sldGuideLst xmlns:p15="http://schemas.microsoft.com/office/powerpoint/2012/main"/>
+    </p:ext>
+  </p:extLst>
 </p:presentation>
 </file>
 
@@ -230,7 +243,7 @@
           </a:lstStyle>
           <a:p>
             <a:fld id="{26204437-A49D-2F46-BE1D-E6F561837AED}" type="datetimeFigureOut">
-              <a:t>10/5/16</a:t>
+              <a:t>10/10/16</a:t>
             </a:fld>
             <a:endParaRPr lang="en-US"/>
           </a:p>
@@ -561,6 +574,90 @@
           <a:lstStyle/>
           <a:p>
             <a:fld id="{57FB676D-568A-DC4C-9E06-3B7B564BD2DC}" type="slidenum">
+              <a:rPr lang="uk-UA"/>
+              <a:t>1</a:t>
+            </a:fld>
+            <a:endParaRPr lang="uk-UA"/>
+          </a:p>
+        </p:txBody>
+      </p:sp>
+    </p:spTree>
+    <p:extLst>
+      <p:ext uri="{BB962C8B-B14F-4D97-AF65-F5344CB8AC3E}">
+        <p14:creationId xmlns:p14="http://schemas.microsoft.com/office/powerpoint/2010/main" val="693022334"/>
+      </p:ext>
+    </p:extLst>
+  </p:cSld>
+  <p:clrMapOvr>
+    <a:masterClrMapping/>
+  </p:clrMapOvr>
+</p:notes>
+</file>
+
+<file path=ppt/notesSlides/notesSlide2.xml><?xml version="1.0" encoding="utf-8"?>
+<p:notes xmlns:a="http://schemas.openxmlformats.org/drawingml/2006/main" xmlns:r="http://schemas.openxmlformats.org/officeDocument/2006/relationships" xmlns:p="http://schemas.openxmlformats.org/presentationml/2006/main">
+  <p:cSld>
+    <p:spTree>
+      <p:nvGrpSpPr>
+        <p:cNvPr id="1" name=""/>
+        <p:cNvGrpSpPr/>
+        <p:nvPr/>
+      </p:nvGrpSpPr>
+      <p:grpSpPr>
+        <a:xfrm>
+          <a:off x="0" y="0"/>
+          <a:ext cx="0" cy="0"/>
+          <a:chOff x="0" y="0"/>
+          <a:chExt cx="0" cy="0"/>
+        </a:xfrm>
+      </p:grpSpPr>
+      <p:sp>
+        <p:nvSpPr>
+          <p:cNvPr id="2" name="Slide Image Placeholder 1"/>
+          <p:cNvSpPr>
+            <a:spLocks noGrp="1" noRot="1" noChangeAspect="1"/>
+          </p:cNvSpPr>
+          <p:nvPr>
+            <p:ph type="sldImg"/>
+          </p:nvPr>
+        </p:nvSpPr>
+        <p:spPr/>
+      </p:sp>
+      <p:sp>
+        <p:nvSpPr>
+          <p:cNvPr id="3" name="Notes Placeholder 2"/>
+          <p:cNvSpPr>
+            <a:spLocks noGrp="1"/>
+          </p:cNvSpPr>
+          <p:nvPr>
+            <p:ph type="body" idx="1"/>
+          </p:nvPr>
+        </p:nvSpPr>
+        <p:spPr/>
+        <p:txBody>
+          <a:bodyPr/>
+          <a:lstStyle/>
+          <a:p>
+            <a:endParaRPr lang="en-US"/>
+          </a:p>
+        </p:txBody>
+      </p:sp>
+      <p:sp>
+        <p:nvSpPr>
+          <p:cNvPr id="4" name="Slide Number Placeholder 3"/>
+          <p:cNvSpPr>
+            <a:spLocks noGrp="1"/>
+          </p:cNvSpPr>
+          <p:nvPr>
+            <p:ph type="sldNum" sz="quarter" idx="10"/>
+          </p:nvPr>
+        </p:nvSpPr>
+        <p:spPr/>
+        <p:txBody>
+          <a:bodyPr/>
+          <a:lstStyle/>
+          <a:p>
+            <a:fld id="{57FB676D-568A-DC4C-9E06-3B7B564BD2DC}" type="slidenum">
               <a:t>2</a:t>
             </a:fld>
             <a:endParaRPr lang="en-US"/>
@@ -710,7 +807,7 @@
           <a:lstStyle/>
           <a:p>
             <a:fld id="{513F9AA6-7EEC-9945-9A5F-9B930943B3C5}" type="datetimeFigureOut">
-              <a:t>10/3/16</a:t>
+              <a:t>10/10/16</a:t>
             </a:fld>
             <a:endParaRPr lang="en-US"/>
           </a:p>
@@ -878,7 +975,7 @@
           <a:lstStyle/>
           <a:p>
             <a:fld id="{513F9AA6-7EEC-9945-9A5F-9B930943B3C5}" type="datetimeFigureOut">
-              <a:t>10/3/16</a:t>
+              <a:t>10/10/16</a:t>
             </a:fld>
             <a:endParaRPr lang="en-US"/>
           </a:p>
@@ -1056,7 +1153,7 @@
           <a:lstStyle/>
           <a:p>
             <a:fld id="{513F9AA6-7EEC-9945-9A5F-9B930943B3C5}" type="datetimeFigureOut">
-              <a:t>10/3/16</a:t>
+              <a:t>10/10/16</a:t>
             </a:fld>
             <a:endParaRPr lang="en-US"/>
           </a:p>
@@ -1224,7 +1321,7 @@
           <a:lstStyle/>
           <a:p>
             <a:fld id="{513F9AA6-7EEC-9945-9A5F-9B930943B3C5}" type="datetimeFigureOut">
-              <a:t>10/3/16</a:t>
+              <a:t>10/10/16</a:t>
             </a:fld>
             <a:endParaRPr lang="en-US"/>
           </a:p>
@@ -1468,7 +1565,7 @@
           <a:lstStyle/>
           <a:p>
             <a:fld id="{513F9AA6-7EEC-9945-9A5F-9B930943B3C5}" type="datetimeFigureOut">
-              <a:t>10/3/16</a:t>
+              <a:t>10/10/16</a:t>
             </a:fld>
             <a:endParaRPr lang="en-US"/>
           </a:p>
@@ -1698,7 +1795,7 @@
           <a:lstStyle/>
           <a:p>
             <a:fld id="{513F9AA6-7EEC-9945-9A5F-9B930943B3C5}" type="datetimeFigureOut">
-              <a:t>10/3/16</a:t>
+              <a:t>10/10/16</a:t>
             </a:fld>
             <a:endParaRPr lang="en-US"/>
           </a:p>
@@ -2063,7 +2160,7 @@
           <a:lstStyle/>
           <a:p>
             <a:fld id="{513F9AA6-7EEC-9945-9A5F-9B930943B3C5}" type="datetimeFigureOut">
-              <a:t>10/3/16</a:t>
+              <a:t>10/10/16</a:t>
             </a:fld>
             <a:endParaRPr lang="en-US"/>
           </a:p>
@@ -2179,7 +2276,7 @@
           <a:lstStyle/>
           <a:p>
             <a:fld id="{513F9AA6-7EEC-9945-9A5F-9B930943B3C5}" type="datetimeFigureOut">
-              <a:t>10/3/16</a:t>
+              <a:t>10/10/16</a:t>
             </a:fld>
             <a:endParaRPr lang="en-US"/>
           </a:p>
@@ -2272,7 +2369,7 @@
           <a:lstStyle/>
           <a:p>
             <a:fld id="{513F9AA6-7EEC-9945-9A5F-9B930943B3C5}" type="datetimeFigureOut">
-              <a:t>10/3/16</a:t>
+              <a:t>10/10/16</a:t>
             </a:fld>
             <a:endParaRPr lang="en-US"/>
           </a:p>
@@ -2547,7 +2644,7 @@
           <a:lstStyle/>
           <a:p>
             <a:fld id="{513F9AA6-7EEC-9945-9A5F-9B930943B3C5}" type="datetimeFigureOut">
-              <a:t>10/3/16</a:t>
+              <a:t>10/10/16</a:t>
             </a:fld>
             <a:endParaRPr lang="en-US"/>
           </a:p>
@@ -2798,7 +2895,7 @@
           <a:lstStyle/>
           <a:p>
             <a:fld id="{513F9AA6-7EEC-9945-9A5F-9B930943B3C5}" type="datetimeFigureOut">
-              <a:t>10/3/16</a:t>
+              <a:t>10/10/16</a:t>
             </a:fld>
             <a:endParaRPr lang="en-US"/>
           </a:p>
@@ -3009,7 +3106,7 @@
           </a:lstStyle>
           <a:p>
             <a:fld id="{513F9AA6-7EEC-9945-9A5F-9B930943B3C5}" type="datetimeFigureOut">
-              <a:t>10/3/16</a:t>
+              <a:t>10/10/16</a:t>
             </a:fld>
             <a:endParaRPr lang="en-US"/>
           </a:p>
@@ -3502,10 +3599,7 @@
           <a:bodyPr/>
           <a:lstStyle/>
           <a:p>
-            <a:r>
-              <a:rPr lang="en-US"/>
-              <a:t>Evil</a:t>
-            </a:r>
+            <a:endParaRPr lang="en-US"/>
           </a:p>
         </p:txBody>
       </p:sp>
@@ -3526,58 +3620,50 @@
           </a:bodyPr>
           <a:lstStyle/>
           <a:p>
-            <a:pPr>
-              <a:lnSpc>
-                <a:spcPct val="150000"/>
-              </a:lnSpc>
-            </a:pPr>
-            <a:r>
-              <a:rPr lang="sv-SE" sz="2000" dirty="0" smtClean="0"/>
-              <a:t>Optimera inte i förväg</a:t>
-            </a:r>
-          </a:p>
-          <a:p>
-            <a:pPr>
-              <a:lnSpc>
-                <a:spcPct val="150000"/>
-              </a:lnSpc>
-            </a:pPr>
-            <a:r>
-              <a:rPr lang="sv-SE" sz="2000" dirty="0" smtClean="0"/>
-              <a:t>Det är oftast slöseri </a:t>
-            </a:r>
-            <a:r>
-              <a:rPr lang="sv-SE" sz="2000" smtClean="0"/>
-              <a:t>med tid</a:t>
-            </a:r>
-          </a:p>
-          <a:p>
-            <a:pPr>
-              <a:lnSpc>
-                <a:spcPct val="150000"/>
-              </a:lnSpc>
-            </a:pPr>
-            <a:r>
-              <a:rPr lang="sv-SE" sz="2000" smtClean="0"/>
-              <a:t>I längden kostar det bara mer tid att underhålla oläslig-men-superoptimerad kod än att bara ha koden tydlig</a:t>
-            </a:r>
-          </a:p>
-          <a:p>
-            <a:pPr marL="571500" indent="-342900">
-              <a:lnSpc>
-                <a:spcPct val="150000"/>
-              </a:lnSpc>
-            </a:pPr>
-            <a:endParaRPr lang="en-US" sz="1800" dirty="0">
+            <a:pPr indent="0">
+              <a:lnSpc>
+                <a:spcPct val="150000"/>
+              </a:lnSpc>
+              <a:buNone/>
+            </a:pPr>
+            <a:endParaRPr lang="en-US" i="1" dirty="0">
               <a:sym typeface="Wingdings"/>
             </a:endParaRPr>
+          </a:p>
+          <a:p>
+            <a:pPr indent="0" algn="ctr">
+              <a:lnSpc>
+                <a:spcPct val="150000"/>
+              </a:lnSpc>
+              <a:buNone/>
+            </a:pPr>
+            <a:r>
+              <a:rPr lang="en-US" i="1" dirty="0">
+                <a:sym typeface="Wingdings"/>
+              </a:rPr>
+              <a:t>Premature optimization is the root of all evil</a:t>
+            </a:r>
+          </a:p>
+          <a:p>
+            <a:pPr indent="0" algn="ctr">
+              <a:lnSpc>
+                <a:spcPct val="150000"/>
+              </a:lnSpc>
+              <a:buNone/>
+            </a:pPr>
+            <a:r>
+              <a:rPr lang="en-US" dirty="0">
+                <a:sym typeface="Wingdings"/>
+              </a:rPr>
+              <a:t>- Donald Knuth</a:t>
+            </a:r>
           </a:p>
         </p:txBody>
       </p:sp>
     </p:spTree>
     <p:extLst>
       <p:ext uri="{BB962C8B-B14F-4D97-AF65-F5344CB8AC3E}">
-        <p14:creationId xmlns:p14="http://schemas.microsoft.com/office/powerpoint/2010/main" val="508296602"/>
+        <p14:creationId xmlns:p14="http://schemas.microsoft.com/office/powerpoint/2010/main" val="874509810"/>
       </p:ext>
     </p:extLst>
   </p:cSld>
@@ -3619,7 +3705,10 @@
           <a:bodyPr/>
           <a:lstStyle/>
           <a:p>
-            <a:endParaRPr lang="en-US"/>
+            <a:r>
+              <a:rPr lang="en-US"/>
+              <a:t>Evil</a:t>
+            </a:r>
           </a:p>
         </p:txBody>
       </p:sp>
@@ -3640,35 +3729,49 @@
           </a:bodyPr>
           <a:lstStyle/>
           <a:p>
-            <a:pPr indent="0" algn="ctr">
-              <a:lnSpc>
-                <a:spcPct val="150000"/>
-              </a:lnSpc>
-              <a:buNone/>
-            </a:pPr>
-            <a:endParaRPr lang="en-US" sz="2400" dirty="0"/>
-          </a:p>
-          <a:p>
-            <a:pPr indent="0" algn="ctr">
-              <a:lnSpc>
-                <a:spcPct val="150000"/>
-              </a:lnSpc>
-              <a:buNone/>
-            </a:pPr>
-            <a:endParaRPr lang="en-US" sz="2400" dirty="0"/>
-          </a:p>
-          <a:p>
-            <a:pPr indent="0" algn="ctr">
-              <a:lnSpc>
-                <a:spcPct val="150000"/>
-              </a:lnSpc>
-              <a:buNone/>
-            </a:pPr>
-            <a:r>
-              <a:rPr lang="en-US" sz="4000" dirty="0"/>
-              <a:t>Övning 2</a:t>
-            </a:r>
-            <a:endParaRPr lang="en-US" sz="3200" dirty="0">
+            <a:pPr>
+              <a:lnSpc>
+                <a:spcPct val="150000"/>
+              </a:lnSpc>
+            </a:pPr>
+            <a:r>
+              <a:rPr lang="sv-SE" sz="2000" dirty="0" smtClean="0"/>
+              <a:t>Optimera inte i förväg</a:t>
+            </a:r>
+          </a:p>
+          <a:p>
+            <a:pPr>
+              <a:lnSpc>
+                <a:spcPct val="150000"/>
+              </a:lnSpc>
+            </a:pPr>
+            <a:r>
+              <a:rPr lang="sv-SE" sz="2000" dirty="0" smtClean="0"/>
+              <a:t>Det är oftast slöseri </a:t>
+            </a:r>
+            <a:r>
+              <a:rPr lang="sv-SE" sz="2000" smtClean="0"/>
+              <a:t>med tid</a:t>
+            </a:r>
+          </a:p>
+          <a:p>
+            <a:pPr>
+              <a:lnSpc>
+                <a:spcPct val="150000"/>
+              </a:lnSpc>
+            </a:pPr>
+            <a:r>
+              <a:rPr lang="sv-SE" sz="2000" smtClean="0"/>
+              <a:t>I längden kostar det bara mer tid att underhålla oläslig-men-superoptimerad kod än att bara ha koden tydlig</a:t>
+            </a:r>
+          </a:p>
+          <a:p>
+            <a:pPr marL="571500" indent="-342900">
+              <a:lnSpc>
+                <a:spcPct val="150000"/>
+              </a:lnSpc>
+            </a:pPr>
+            <a:endParaRPr lang="en-US" sz="1800" dirty="0">
               <a:sym typeface="Wingdings"/>
             </a:endParaRPr>
           </a:p>
@@ -3677,7 +3780,7 @@
     </p:spTree>
     <p:extLst>
       <p:ext uri="{BB962C8B-B14F-4D97-AF65-F5344CB8AC3E}">
-        <p14:creationId xmlns:p14="http://schemas.microsoft.com/office/powerpoint/2010/main" val="251042048"/>
+        <p14:creationId xmlns:p14="http://schemas.microsoft.com/office/powerpoint/2010/main" val="1474596681"/>
       </p:ext>
     </p:extLst>
   </p:cSld>
@@ -3719,10 +3822,7 @@
           <a:bodyPr/>
           <a:lstStyle/>
           <a:p>
-            <a:r>
-              <a:rPr lang="en-US"/>
-              <a:t>Test</a:t>
-            </a:r>
+            <a:endParaRPr lang="en-US"/>
           </a:p>
         </p:txBody>
       </p:sp>
@@ -3743,46 +3843,44 @@
           </a:bodyPr>
           <a:lstStyle/>
           <a:p>
-            <a:pPr marL="571500" indent="-342900">
-              <a:lnSpc>
-                <a:spcPct val="150000"/>
-              </a:lnSpc>
-            </a:pPr>
-            <a:r>
-              <a:rPr lang="en-US" sz="2400" dirty="0"/>
-              <a:t>Saker att tänka på:</a:t>
-            </a:r>
-          </a:p>
-          <a:p>
-            <a:pPr indent="0">
-              <a:lnSpc>
-                <a:spcPct val="150000"/>
-              </a:lnSpc>
-              <a:buNone/>
-            </a:pPr>
-            <a:r>
-              <a:rPr lang="en-US" sz="2400" dirty="0"/>
-              <a:t>	Vad är ett test egentligen?</a:t>
-            </a:r>
-          </a:p>
-          <a:p>
-            <a:pPr indent="0">
-              <a:lnSpc>
-                <a:spcPct val="150000"/>
-              </a:lnSpc>
-              <a:buNone/>
-            </a:pPr>
-            <a:r>
-              <a:rPr lang="en-US" sz="2400" dirty="0"/>
-              <a:t>	Hur genererar man testdata bäst?</a:t>
-            </a:r>
+            <a:pPr indent="0" algn="ctr">
+              <a:lnSpc>
+                <a:spcPct val="150000"/>
+              </a:lnSpc>
+              <a:buNone/>
+            </a:pPr>
+            <a:endParaRPr lang="en-US" sz="2400" dirty="0"/>
+          </a:p>
+          <a:p>
+            <a:pPr indent="0" algn="ctr">
+              <a:lnSpc>
+                <a:spcPct val="150000"/>
+              </a:lnSpc>
+              <a:buNone/>
+            </a:pPr>
+            <a:endParaRPr lang="en-US" sz="2400" dirty="0"/>
+          </a:p>
+          <a:p>
+            <a:pPr indent="0" algn="ctr">
+              <a:lnSpc>
+                <a:spcPct val="150000"/>
+              </a:lnSpc>
+              <a:buNone/>
+            </a:pPr>
+            <a:r>
+              <a:rPr lang="en-US" sz="4000" dirty="0"/>
+              <a:t>Övning 2</a:t>
+            </a:r>
+            <a:endParaRPr lang="en-US" sz="3200" dirty="0">
+              <a:sym typeface="Wingdings"/>
+            </a:endParaRPr>
           </a:p>
         </p:txBody>
       </p:sp>
     </p:spTree>
     <p:extLst>
       <p:ext uri="{BB962C8B-B14F-4D97-AF65-F5344CB8AC3E}">
-        <p14:creationId xmlns:p14="http://schemas.microsoft.com/office/powerpoint/2010/main" val="1605818028"/>
+        <p14:creationId xmlns:p14="http://schemas.microsoft.com/office/powerpoint/2010/main" val="251042048"/>
       </p:ext>
     </p:extLst>
   </p:cSld>
@@ -3848,80 +3946,46 @@
           </a:bodyPr>
           <a:lstStyle/>
           <a:p>
-            <a:pPr marL="571500" indent="-342900" algn="ctr">
-              <a:lnSpc>
-                <a:spcPct val="150000"/>
-              </a:lnSpc>
-            </a:pPr>
-            <a:endParaRPr lang="sv-SE" sz="2400" dirty="0" err="1" smtClean="0"/>
-          </a:p>
-          <a:p>
-            <a:pPr indent="0" algn="ctr">
-              <a:lnSpc>
-                <a:spcPct val="150000"/>
-              </a:lnSpc>
-              <a:buNone/>
-            </a:pPr>
-            <a:endParaRPr lang="sv-SE" sz="2400" dirty="0" err="1" smtClean="0"/>
-          </a:p>
-          <a:p>
-            <a:pPr indent="0" algn="ctr">
-              <a:lnSpc>
-                <a:spcPct val="150000"/>
-              </a:lnSpc>
-              <a:buNone/>
-            </a:pPr>
-            <a:r>
-              <a:rPr lang="sv-SE" sz="2400" dirty="0" err="1" smtClean="0"/>
-              <a:t>Testkod</a:t>
-            </a:r>
-            <a:r>
-              <a:rPr lang="sv-SE" sz="2400" dirty="0" smtClean="0"/>
-              <a:t> ska vara lika ren som, om inte </a:t>
-            </a:r>
-            <a:r>
-              <a:rPr lang="sv-SE" sz="2400" dirty="0" smtClean="0">
-                <a:solidFill>
-                  <a:srgbClr val="FF0000"/>
-                </a:solidFill>
-              </a:rPr>
-              <a:t>renare än </a:t>
-            </a:r>
-            <a:r>
-              <a:rPr lang="sv-SE" sz="2400" dirty="0" smtClean="0"/>
-              <a:t>produktionskod</a:t>
-            </a:r>
-          </a:p>
-          <a:p>
-            <a:pPr indent="0" algn="ctr">
-              <a:lnSpc>
-                <a:spcPct val="150000"/>
-              </a:lnSpc>
-              <a:buNone/>
-            </a:pPr>
-            <a:r>
-              <a:rPr lang="sv-SE" sz="1800" dirty="0"/>
-              <a:t>Fula, slarviga tester gör det oklart vad det är som testas</a:t>
-            </a:r>
-            <a:endParaRPr lang="sv-SE" sz="1800" dirty="0" smtClean="0"/>
-          </a:p>
-          <a:p>
-            <a:pPr indent="0" algn="ctr">
-              <a:lnSpc>
-                <a:spcPct val="150000"/>
-              </a:lnSpc>
-              <a:buNone/>
-            </a:pPr>
-            <a:endParaRPr lang="en-US" sz="1800" dirty="0">
-              <a:sym typeface="Wingdings"/>
-            </a:endParaRPr>
+            <a:pPr marL="571500" indent="-342900">
+              <a:lnSpc>
+                <a:spcPct val="150000"/>
+              </a:lnSpc>
+            </a:pPr>
+            <a:r>
+              <a:rPr lang="en-US" sz="2400" dirty="0"/>
+              <a:t>Saker att tänka på:</a:t>
+            </a:r>
+          </a:p>
+          <a:p>
+            <a:pPr indent="0">
+              <a:lnSpc>
+                <a:spcPct val="150000"/>
+              </a:lnSpc>
+              <a:buNone/>
+            </a:pPr>
+            <a:r>
+              <a:rPr lang="en-US" sz="2400" dirty="0"/>
+              <a:t>	Vad är ett test egentligen?</a:t>
+            </a:r>
+          </a:p>
+          <a:p>
+            <a:pPr indent="0">
+              <a:lnSpc>
+                <a:spcPct val="150000"/>
+              </a:lnSpc>
+              <a:buNone/>
+            </a:pPr>
+            <a:r>
+              <a:rPr lang="en-US" sz="2400" dirty="0"/>
+              <a:t>	Hur genererar man testdata bäst?</a:t>
+            </a:r>
           </a:p>
         </p:txBody>
       </p:sp>
     </p:spTree>
     <p:extLst>
       <p:ext uri="{BB962C8B-B14F-4D97-AF65-F5344CB8AC3E}">
-        <p14:creationId xmlns:p14="http://schemas.microsoft.com/office/powerpoint/2010/main" val="1556604747"/>
+        <p14:creationId xmlns:p14="http://schemas.microsoft.com/office/powerpoint/2010/main" val="1605818028"/>
       </p:ext>
     </p:extLst>
   </p:cSld>
@@ -3987,19 +4051,52 @@
           </a:bodyPr>
           <a:lstStyle/>
           <a:p>
-            <a:pPr marL="571500" indent="-342900">
-              <a:lnSpc>
-                <a:spcPct val="150000"/>
-              </a:lnSpc>
+            <a:pPr marL="571500" indent="-342900" algn="ctr">
+              <a:lnSpc>
+                <a:spcPct val="150000"/>
+              </a:lnSpc>
+            </a:pPr>
+            <a:endParaRPr lang="sv-SE" sz="2400" dirty="0" err="1" smtClean="0"/>
+          </a:p>
+          <a:p>
+            <a:pPr indent="0" algn="ctr">
+              <a:lnSpc>
+                <a:spcPct val="150000"/>
+              </a:lnSpc>
+              <a:buNone/>
+            </a:pPr>
+            <a:endParaRPr lang="sv-SE" sz="2400" dirty="0" err="1" smtClean="0"/>
+          </a:p>
+          <a:p>
+            <a:pPr indent="0" algn="ctr">
+              <a:lnSpc>
+                <a:spcPct val="150000"/>
+              </a:lnSpc>
+              <a:buNone/>
             </a:pPr>
             <a:r>
               <a:rPr lang="sv-SE" sz="2400" dirty="0" err="1" smtClean="0"/>
-              <a:t>Ett enhetstest är en formell specifikation</a:t>
-            </a:r>
-            <a:endParaRPr lang="sv-SE" sz="2400" dirty="0" smtClean="0"/>
-          </a:p>
-          <a:p>
-            <a:pPr lvl="1" indent="0">
+              <a:t>Testkod</a:t>
+            </a:r>
+            <a:r>
+              <a:rPr lang="sv-SE" sz="2400" dirty="0" smtClean="0"/>
+              <a:t> ska vara lika ren som, om inte </a:t>
+            </a:r>
+            <a:r>
+              <a:rPr lang="sv-SE" sz="2400" dirty="0" smtClean="0">
+                <a:solidFill>
+                  <a:srgbClr val="FF0000"/>
+                </a:solidFill>
+              </a:rPr>
+              <a:t>renare än </a:t>
+            </a:r>
+            <a:r>
+              <a:rPr lang="sv-SE" sz="2400" dirty="0" smtClean="0"/>
+              <a:t>produktionskod</a:t>
+            </a:r>
+          </a:p>
+          <a:p>
+            <a:pPr indent="0" algn="ctr">
               <a:lnSpc>
                 <a:spcPct val="150000"/>
               </a:lnSpc>
@@ -4007,7 +4104,7 @@
             </a:pPr>
             <a:r>
               <a:rPr lang="sv-SE" sz="1800" dirty="0"/>
-              <a:t>Ett test ska verifiera att en kod möter kraven som ställs. Det ska inte ändras efter att en ändring haft sönder testet</a:t>
+              <a:t>Fula, slarviga tester gör det oklart vad det är som testas</a:t>
             </a:r>
             <a:endParaRPr lang="sv-SE" sz="1800" dirty="0" smtClean="0"/>
           </a:p>
@@ -4027,7 +4124,7 @@
     </p:spTree>
     <p:extLst>
       <p:ext uri="{BB962C8B-B14F-4D97-AF65-F5344CB8AC3E}">
-        <p14:creationId xmlns:p14="http://schemas.microsoft.com/office/powerpoint/2010/main" val="1337226412"/>
+        <p14:creationId xmlns:p14="http://schemas.microsoft.com/office/powerpoint/2010/main" val="1556604747"/>
       </p:ext>
     </p:extLst>
   </p:cSld>
@@ -4071,7 +4168,7 @@
           <a:p>
             <a:r>
               <a:rPr lang="en-US"/>
-              <a:t>Test, tips</a:t>
+              <a:t>Test</a:t>
             </a:r>
           </a:p>
         </p:txBody>
@@ -4100,312 +4197,31 @@
             </a:pPr>
             <a:r>
               <a:rPr lang="sv-SE" sz="2400" dirty="0" err="1" smtClean="0"/>
-              <a:t>I testkod är det ok med långa och väldigt beskrivande namn</a:t>
-            </a:r>
-          </a:p>
-          <a:p>
-            <a:pPr marL="571500" indent="-342900">
-              <a:lnSpc>
-                <a:spcPct val="150000"/>
-              </a:lnSpc>
-            </a:pPr>
-            <a:r>
-              <a:rPr lang="sv-SE" sz="2400" dirty="0" err="1"/>
-              <a:t>Jämför:</a:t>
+              <a:t>Ett enhetstest är en formell specifikation</a:t>
             </a:r>
             <a:endParaRPr lang="sv-SE" sz="2400" dirty="0" smtClean="0"/>
           </a:p>
           <a:p>
-            <a:pPr marL="0" indent="0">
-              <a:buNone/>
-            </a:pPr>
-            <a:endParaRPr lang="en-US" sz="1600">
-              <a:solidFill>
-                <a:srgbClr val="000000"/>
-              </a:solidFill>
-              <a:latin typeface="Menlo" charset="0"/>
-            </a:endParaRPr>
-          </a:p>
-          <a:p>
-            <a:pPr marL="0" indent="0">
-              <a:buNone/>
-            </a:pPr>
-            <a:r>
-              <a:rPr lang="en-US" sz="1400" smtClean="0">
-                <a:solidFill>
-                  <a:srgbClr val="000000"/>
-                </a:solidFill>
-                <a:latin typeface="Menlo" charset="0"/>
-              </a:rPr>
-              <a:t>Car </a:t>
-            </a:r>
-            <a:r>
-              <a:rPr lang="en-US" sz="1400" smtClean="0">
-                <a:solidFill>
-                  <a:srgbClr val="6A3E3E"/>
-                </a:solidFill>
-                <a:latin typeface="Menlo" charset="0"/>
-              </a:rPr>
-              <a:t>car</a:t>
-            </a:r>
-            <a:r>
-              <a:rPr lang="en-US" sz="1400" smtClean="0">
-                <a:solidFill>
-                  <a:srgbClr val="000000"/>
-                </a:solidFill>
-                <a:latin typeface="Menlo" charset="0"/>
-              </a:rPr>
-              <a:t> = </a:t>
-            </a:r>
-            <a:r>
-              <a:rPr lang="en-US" sz="1400" smtClean="0">
-                <a:solidFill>
-                  <a:srgbClr val="7F0055"/>
-                </a:solidFill>
-                <a:latin typeface="Menlo" charset="0"/>
-              </a:rPr>
-              <a:t>new</a:t>
-            </a:r>
-            <a:r>
-              <a:rPr lang="en-US" sz="1400" smtClean="0">
-                <a:solidFill>
-                  <a:srgbClr val="000000"/>
-                </a:solidFill>
-                <a:latin typeface="Menlo" charset="0"/>
-              </a:rPr>
-              <a:t> Car(</a:t>
-            </a:r>
-            <a:r>
-              <a:rPr lang="en-US" sz="1400" smtClean="0">
-                <a:solidFill>
-                  <a:srgbClr val="2A00FF"/>
-                </a:solidFill>
-                <a:latin typeface="Menlo" charset="0"/>
-              </a:rPr>
-              <a:t>"Volvo"</a:t>
-            </a:r>
-            <a:r>
-              <a:rPr lang="en-US" sz="1400" smtClean="0">
-                <a:solidFill>
-                  <a:srgbClr val="000000"/>
-                </a:solidFill>
-                <a:latin typeface="Menlo" charset="0"/>
-              </a:rPr>
-              <a:t>, </a:t>
-            </a:r>
-            <a:r>
-              <a:rPr lang="en-US" sz="1400" smtClean="0">
-                <a:solidFill>
-                  <a:srgbClr val="2A00FF"/>
-                </a:solidFill>
-                <a:latin typeface="Menlo" charset="0"/>
-              </a:rPr>
-              <a:t>"V70"</a:t>
-            </a:r>
-            <a:r>
-              <a:rPr lang="en-US" sz="1400" smtClean="0">
-                <a:solidFill>
-                  <a:srgbClr val="000000"/>
-                </a:solidFill>
-                <a:latin typeface="Menlo" charset="0"/>
-              </a:rPr>
-              <a:t>, </a:t>
-            </a:r>
-            <a:r>
-              <a:rPr lang="en-US" sz="1400" smtClean="0">
-                <a:solidFill>
-                  <a:srgbClr val="7F0055"/>
-                </a:solidFill>
-                <a:latin typeface="Menlo" charset="0"/>
-              </a:rPr>
-              <a:t>new</a:t>
-            </a:r>
-            <a:r>
-              <a:rPr lang="en-US" sz="1400" smtClean="0">
-                <a:solidFill>
-                  <a:srgbClr val="000000"/>
-                </a:solidFill>
-                <a:latin typeface="Menlo" charset="0"/>
-              </a:rPr>
-              <a:t> Engine(180), </a:t>
-            </a:r>
-            <a:r>
-              <a:rPr lang="en-US" sz="1400" smtClean="0">
-                <a:solidFill>
-                  <a:srgbClr val="7F0055"/>
-                </a:solidFill>
-                <a:latin typeface="Menlo" charset="0"/>
-              </a:rPr>
-              <a:t>new</a:t>
-            </a:r>
-            <a:r>
-              <a:rPr lang="en-US" sz="1400" smtClean="0">
-                <a:solidFill>
-                  <a:srgbClr val="000000"/>
-                </a:solidFill>
-                <a:latin typeface="Menlo" charset="0"/>
-              </a:rPr>
-              <a:t> Tyres(Type.</a:t>
-            </a:r>
-            <a:r>
-              <a:rPr lang="en-US" sz="1400" i="1" smtClean="0">
-                <a:solidFill>
-                  <a:srgbClr val="0000C0"/>
-                </a:solidFill>
-                <a:latin typeface="Menlo" charset="0"/>
-              </a:rPr>
-              <a:t>SNOW</a:t>
-            </a:r>
-            <a:r>
-              <a:rPr lang="en-US" sz="1400" i="1" smtClean="0">
-                <a:solidFill>
-                  <a:srgbClr val="000000"/>
-                </a:solidFill>
-                <a:latin typeface="Menlo" charset="0"/>
-              </a:rPr>
-              <a:t>));</a:t>
-            </a:r>
-          </a:p>
-          <a:p>
-            <a:pPr marL="0" indent="0">
-              <a:buNone/>
-            </a:pPr>
-            <a:r>
-              <a:rPr lang="en-US" sz="1400" smtClean="0">
-                <a:solidFill>
-                  <a:srgbClr val="000000"/>
-                </a:solidFill>
-                <a:latin typeface="Menlo" charset="0"/>
-              </a:rPr>
-              <a:t>Car </a:t>
-            </a:r>
-            <a:r>
-              <a:rPr lang="en-US" sz="1400" smtClean="0">
-                <a:solidFill>
-                  <a:srgbClr val="6A3E3E"/>
-                </a:solidFill>
-                <a:latin typeface="Menlo" charset="0"/>
-              </a:rPr>
-              <a:t>carWithSnowTyres</a:t>
-            </a:r>
-            <a:r>
-              <a:rPr lang="en-US" sz="1400" smtClean="0">
-                <a:solidFill>
-                  <a:srgbClr val="000000"/>
-                </a:solidFill>
-                <a:latin typeface="Menlo" charset="0"/>
-              </a:rPr>
-              <a:t> = </a:t>
-            </a:r>
-            <a:r>
-              <a:rPr lang="en-US" sz="1400" smtClean="0">
-                <a:solidFill>
-                  <a:srgbClr val="7F0055"/>
-                </a:solidFill>
-                <a:latin typeface="Menlo" charset="0"/>
-              </a:rPr>
-              <a:t>new</a:t>
-            </a:r>
-            <a:r>
-              <a:rPr lang="en-US" sz="1400" smtClean="0">
-                <a:solidFill>
-                  <a:srgbClr val="000000"/>
-                </a:solidFill>
-                <a:latin typeface="Menlo" charset="0"/>
-              </a:rPr>
-              <a:t> Car(</a:t>
-            </a:r>
-            <a:r>
-              <a:rPr lang="en-US" sz="1400" smtClean="0">
-                <a:solidFill>
-                  <a:srgbClr val="2A00FF"/>
-                </a:solidFill>
-                <a:latin typeface="Menlo" charset="0"/>
-              </a:rPr>
-              <a:t>"Volvo"</a:t>
-            </a:r>
-            <a:r>
-              <a:rPr lang="en-US" sz="1400" smtClean="0">
-                <a:solidFill>
-                  <a:srgbClr val="000000"/>
-                </a:solidFill>
-                <a:latin typeface="Menlo" charset="0"/>
-              </a:rPr>
-              <a:t>, </a:t>
-            </a:r>
-            <a:r>
-              <a:rPr lang="en-US" sz="1400" smtClean="0">
-                <a:solidFill>
-                  <a:srgbClr val="2A00FF"/>
-                </a:solidFill>
-                <a:latin typeface="Menlo" charset="0"/>
-              </a:rPr>
-              <a:t>"V70"</a:t>
-            </a:r>
-            <a:r>
-              <a:rPr lang="en-US" sz="1400" smtClean="0">
-                <a:solidFill>
-                  <a:srgbClr val="000000"/>
-                </a:solidFill>
-                <a:latin typeface="Menlo" charset="0"/>
-              </a:rPr>
-              <a:t>, </a:t>
-            </a:r>
-            <a:r>
-              <a:rPr lang="en-US" sz="1400" smtClean="0">
-                <a:solidFill>
-                  <a:srgbClr val="7F0055"/>
-                </a:solidFill>
-                <a:latin typeface="Menlo" charset="0"/>
-              </a:rPr>
-              <a:t>new</a:t>
-            </a:r>
-            <a:r>
-              <a:rPr lang="en-US" sz="1400" smtClean="0">
-                <a:solidFill>
-                  <a:srgbClr val="000000"/>
-                </a:solidFill>
-                <a:latin typeface="Menlo" charset="0"/>
-              </a:rPr>
-              <a:t> Engine(180), </a:t>
-            </a:r>
-            <a:r>
-              <a:rPr lang="en-US" sz="1400" smtClean="0">
-                <a:solidFill>
-                  <a:srgbClr val="7F0055"/>
-                </a:solidFill>
-                <a:latin typeface="Menlo" charset="0"/>
-              </a:rPr>
-              <a:t>new </a:t>
-            </a:r>
-            <a:r>
-              <a:rPr lang="en-US" sz="1400" smtClean="0">
-                <a:solidFill>
-                  <a:srgbClr val="000000"/>
-                </a:solidFill>
-                <a:latin typeface="Menlo" charset="0"/>
-              </a:rPr>
-              <a:t>Tyres(Type.</a:t>
-            </a:r>
-            <a:r>
-              <a:rPr lang="en-US" sz="1400" i="1" smtClean="0">
-                <a:solidFill>
-                  <a:srgbClr val="0000C0"/>
-                </a:solidFill>
-                <a:latin typeface="Menlo" charset="0"/>
-              </a:rPr>
-              <a:t>SNOW</a:t>
-            </a:r>
-            <a:r>
-              <a:rPr lang="en-US" sz="1400" i="1" smtClean="0">
-                <a:solidFill>
-                  <a:srgbClr val="000000"/>
-                </a:solidFill>
-                <a:latin typeface="Menlo" charset="0"/>
-              </a:rPr>
-              <a:t>));</a:t>
-            </a:r>
-            <a:endParaRPr lang="en-US" sz="1400" dirty="0">
+            <a:pPr lvl="1" indent="0">
+              <a:lnSpc>
+                <a:spcPct val="150000"/>
+              </a:lnSpc>
+              <a:buNone/>
+            </a:pPr>
+            <a:r>
+              <a:rPr lang="sv-SE" sz="1800" dirty="0"/>
+              <a:t>Ett test ska verifiera att en kod möter kraven som ställs. Det ska inte ändras efter att en ändring haft sönder testet – Om inte kraven har ändrats!</a:t>
+            </a:r>
+            <a:endParaRPr lang="sv-SE" sz="1800" dirty="0" smtClean="0"/>
+          </a:p>
+          <a:p>
+            <a:pPr indent="0" algn="ctr">
+              <a:lnSpc>
+                <a:spcPct val="150000"/>
+              </a:lnSpc>
+              <a:buNone/>
+            </a:pPr>
+            <a:endParaRPr lang="en-US" sz="1800" dirty="0">
               <a:sym typeface="Wingdings"/>
             </a:endParaRPr>
           </a:p>
@@ -4414,7 +4230,7 @@
     </p:spTree>
     <p:extLst>
       <p:ext uri="{BB962C8B-B14F-4D97-AF65-F5344CB8AC3E}">
-        <p14:creationId xmlns:p14="http://schemas.microsoft.com/office/powerpoint/2010/main" val="1885145217"/>
+        <p14:creationId xmlns:p14="http://schemas.microsoft.com/office/powerpoint/2010/main" val="1337226412"/>
       </p:ext>
     </p:extLst>
   </p:cSld>
@@ -4486,40 +4302,333 @@
               </a:lnSpc>
             </a:pPr>
             <a:r>
-              <a:rPr lang="en-US" sz="2400" dirty="0"/>
-              <a:t>Använd gärna</a:t>
-            </a:r>
-          </a:p>
-          <a:p>
-            <a:pPr indent="0">
-              <a:lnSpc>
-                <a:spcPct val="150000"/>
-              </a:lnSpc>
-              <a:buNone/>
-            </a:pPr>
-            <a:r>
-              <a:rPr lang="en-US" sz="2400" dirty="0"/>
-              <a:t>	Fabriksmetoder</a:t>
-            </a:r>
-          </a:p>
-          <a:p>
-            <a:pPr indent="0">
-              <a:lnSpc>
-                <a:spcPct val="150000"/>
-              </a:lnSpc>
-              <a:buNone/>
-            </a:pPr>
-            <a:r>
-              <a:rPr lang="en-US" sz="2400" dirty="0"/>
-              <a:t>	Builders</a:t>
-            </a:r>
+              <a:rPr lang="sv-SE" sz="2400" dirty="0" err="1" smtClean="0"/>
+              <a:t>I testkod är det ok med långa och väldigt beskrivande namn</a:t>
+            </a:r>
+          </a:p>
+          <a:p>
+            <a:pPr marL="571500" indent="-342900">
+              <a:lnSpc>
+                <a:spcPct val="150000"/>
+              </a:lnSpc>
+            </a:pPr>
+            <a:r>
+              <a:rPr lang="sv-SE" sz="2400" dirty="0" err="1"/>
+              <a:t>Jämför:</a:t>
+            </a:r>
+            <a:endParaRPr lang="sv-SE" sz="2400" dirty="0" smtClean="0"/>
+          </a:p>
+          <a:p>
+            <a:pPr marL="0" indent="0">
+              <a:buNone/>
+            </a:pPr>
+            <a:endParaRPr lang="en-US" sz="1600">
+              <a:solidFill>
+                <a:srgbClr val="000000"/>
+              </a:solidFill>
+              <a:latin typeface="Menlo" charset="0"/>
+            </a:endParaRPr>
+          </a:p>
+          <a:p>
+            <a:pPr marL="0" indent="0">
+              <a:buNone/>
+            </a:pPr>
+            <a:r>
+              <a:rPr lang="en-US" sz="1400" smtClean="0">
+                <a:solidFill>
+                  <a:srgbClr val="000000"/>
+                </a:solidFill>
+                <a:latin typeface="Menlo" charset="0"/>
+              </a:rPr>
+              <a:t>Car </a:t>
+            </a:r>
+            <a:r>
+              <a:rPr lang="en-US" sz="1400" smtClean="0">
+                <a:solidFill>
+                  <a:srgbClr val="6A3E3E"/>
+                </a:solidFill>
+                <a:latin typeface="Menlo" charset="0"/>
+              </a:rPr>
+              <a:t>car</a:t>
+            </a:r>
+            <a:r>
+              <a:rPr lang="en-US" sz="1400" smtClean="0">
+                <a:solidFill>
+                  <a:srgbClr val="000000"/>
+                </a:solidFill>
+                <a:latin typeface="Menlo" charset="0"/>
+              </a:rPr>
+              <a:t> = </a:t>
+            </a:r>
+            <a:r>
+              <a:rPr lang="en-US" sz="1400" smtClean="0">
+                <a:solidFill>
+                  <a:srgbClr val="7F0055"/>
+                </a:solidFill>
+                <a:latin typeface="Menlo" charset="0"/>
+              </a:rPr>
+              <a:t>new</a:t>
+            </a:r>
+            <a:r>
+              <a:rPr lang="en-US" sz="1400" smtClean="0">
+                <a:solidFill>
+                  <a:srgbClr val="000000"/>
+                </a:solidFill>
+                <a:latin typeface="Menlo" charset="0"/>
+              </a:rPr>
+              <a:t> Car(</a:t>
+            </a:r>
+            <a:r>
+              <a:rPr lang="en-US" sz="1400" smtClean="0">
+                <a:solidFill>
+                  <a:srgbClr val="2A00FF"/>
+                </a:solidFill>
+                <a:latin typeface="Menlo" charset="0"/>
+              </a:rPr>
+              <a:t>"Volvo"</a:t>
+            </a:r>
+            <a:r>
+              <a:rPr lang="en-US" sz="1400" smtClean="0">
+                <a:solidFill>
+                  <a:srgbClr val="000000"/>
+                </a:solidFill>
+                <a:latin typeface="Menlo" charset="0"/>
+              </a:rPr>
+              <a:t>, </a:t>
+            </a:r>
+            <a:r>
+              <a:rPr lang="en-US" sz="1400" smtClean="0">
+                <a:solidFill>
+                  <a:srgbClr val="2A00FF"/>
+                </a:solidFill>
+                <a:latin typeface="Menlo" charset="0"/>
+              </a:rPr>
+              <a:t>"V70"</a:t>
+            </a:r>
+            <a:r>
+              <a:rPr lang="en-US" sz="1400" smtClean="0">
+                <a:solidFill>
+                  <a:srgbClr val="000000"/>
+                </a:solidFill>
+                <a:latin typeface="Menlo" charset="0"/>
+              </a:rPr>
+              <a:t>, </a:t>
+            </a:r>
+            <a:r>
+              <a:rPr lang="en-US" sz="1400" smtClean="0">
+                <a:solidFill>
+                  <a:srgbClr val="7F0055"/>
+                </a:solidFill>
+                <a:latin typeface="Menlo" charset="0"/>
+              </a:rPr>
+              <a:t>new</a:t>
+            </a:r>
+            <a:r>
+              <a:rPr lang="en-US" sz="1400" smtClean="0">
+                <a:solidFill>
+                  <a:srgbClr val="000000"/>
+                </a:solidFill>
+                <a:latin typeface="Menlo" charset="0"/>
+              </a:rPr>
+              <a:t> Engine(180), </a:t>
+            </a:r>
+            <a:r>
+              <a:rPr lang="en-US" sz="1400" smtClean="0">
+                <a:solidFill>
+                  <a:srgbClr val="7F0055"/>
+                </a:solidFill>
+                <a:latin typeface="Menlo" charset="0"/>
+              </a:rPr>
+              <a:t>new</a:t>
+            </a:r>
+            <a:r>
+              <a:rPr lang="en-US" sz="1400" smtClean="0">
+                <a:solidFill>
+                  <a:srgbClr val="000000"/>
+                </a:solidFill>
+                <a:latin typeface="Menlo" charset="0"/>
+              </a:rPr>
+              <a:t> Tyres(Type.</a:t>
+            </a:r>
+            <a:r>
+              <a:rPr lang="en-US" sz="1400" i="1" smtClean="0">
+                <a:solidFill>
+                  <a:srgbClr val="0000C0"/>
+                </a:solidFill>
+                <a:latin typeface="Menlo" charset="0"/>
+              </a:rPr>
+              <a:t>SNOW</a:t>
+            </a:r>
+            <a:r>
+              <a:rPr lang="en-US" sz="1400" i="1" smtClean="0">
+                <a:solidFill>
+                  <a:srgbClr val="000000"/>
+                </a:solidFill>
+                <a:latin typeface="Menlo" charset="0"/>
+              </a:rPr>
+              <a:t>));</a:t>
+            </a:r>
+          </a:p>
+          <a:p>
+            <a:pPr marL="0" indent="0">
+              <a:buNone/>
+            </a:pPr>
+            <a:endParaRPr lang="en-US" sz="1400" i="1" smtClean="0">
+              <a:solidFill>
+                <a:srgbClr val="000000"/>
+              </a:solidFill>
+              <a:latin typeface="Menlo" charset="0"/>
+            </a:endParaRPr>
+          </a:p>
+          <a:p>
+            <a:pPr marL="0" indent="0">
+              <a:buNone/>
+            </a:pPr>
+            <a:r>
+              <a:rPr lang="en-US" sz="1400" smtClean="0">
+                <a:solidFill>
+                  <a:srgbClr val="000000"/>
+                </a:solidFill>
+                <a:latin typeface="Menlo" charset="0"/>
+              </a:rPr>
+              <a:t>Car </a:t>
+            </a:r>
+            <a:r>
+              <a:rPr lang="en-US" sz="1400" smtClean="0">
+                <a:solidFill>
+                  <a:srgbClr val="6A3E3E"/>
+                </a:solidFill>
+                <a:latin typeface="Menlo" charset="0"/>
+              </a:rPr>
+              <a:t>carWithSnowTyres</a:t>
+            </a:r>
+            <a:r>
+              <a:rPr lang="en-US" sz="1400" smtClean="0">
+                <a:solidFill>
+                  <a:srgbClr val="000000"/>
+                </a:solidFill>
+                <a:latin typeface="Menlo" charset="0"/>
+              </a:rPr>
+              <a:t> = </a:t>
+            </a:r>
+            <a:r>
+              <a:rPr lang="en-US" sz="1400" smtClean="0">
+                <a:solidFill>
+                  <a:srgbClr val="7F0055"/>
+                </a:solidFill>
+                <a:latin typeface="Menlo" charset="0"/>
+              </a:rPr>
+              <a:t>new</a:t>
+            </a:r>
+            <a:r>
+              <a:rPr lang="en-US" sz="1400" smtClean="0">
+                <a:solidFill>
+                  <a:srgbClr val="000000"/>
+                </a:solidFill>
+                <a:latin typeface="Menlo" charset="0"/>
+              </a:rPr>
+              <a:t> Car(</a:t>
+            </a:r>
+            <a:r>
+              <a:rPr lang="en-US" sz="1400" smtClean="0">
+                <a:solidFill>
+                  <a:srgbClr val="2A00FF"/>
+                </a:solidFill>
+                <a:latin typeface="Menlo" charset="0"/>
+              </a:rPr>
+              <a:t>"Volvo"</a:t>
+            </a:r>
+            <a:r>
+              <a:rPr lang="en-US" sz="1400" smtClean="0">
+                <a:solidFill>
+                  <a:srgbClr val="000000"/>
+                </a:solidFill>
+                <a:latin typeface="Menlo" charset="0"/>
+              </a:rPr>
+              <a:t>, </a:t>
+            </a:r>
+            <a:r>
+              <a:rPr lang="en-US" sz="1400" smtClean="0">
+                <a:solidFill>
+                  <a:srgbClr val="2A00FF"/>
+                </a:solidFill>
+                <a:latin typeface="Menlo" charset="0"/>
+              </a:rPr>
+              <a:t>"V70"</a:t>
+            </a:r>
+            <a:r>
+              <a:rPr lang="en-US" sz="1400" smtClean="0">
+                <a:solidFill>
+                  <a:srgbClr val="000000"/>
+                </a:solidFill>
+                <a:latin typeface="Menlo" charset="0"/>
+              </a:rPr>
+              <a:t>, </a:t>
+            </a:r>
+            <a:r>
+              <a:rPr lang="en-US" sz="1400" smtClean="0">
+                <a:solidFill>
+                  <a:srgbClr val="7F0055"/>
+                </a:solidFill>
+                <a:latin typeface="Menlo" charset="0"/>
+              </a:rPr>
+              <a:t>new</a:t>
+            </a:r>
+            <a:r>
+              <a:rPr lang="en-US" sz="1400" smtClean="0">
+                <a:solidFill>
+                  <a:srgbClr val="000000"/>
+                </a:solidFill>
+                <a:latin typeface="Menlo" charset="0"/>
+              </a:rPr>
+              <a:t> Engine(180), </a:t>
+            </a:r>
+            <a:r>
+              <a:rPr lang="en-US" sz="1400" smtClean="0">
+                <a:solidFill>
+                  <a:srgbClr val="7F0055"/>
+                </a:solidFill>
+                <a:latin typeface="Menlo" charset="0"/>
+              </a:rPr>
+              <a:t>new </a:t>
+            </a:r>
+            <a:r>
+              <a:rPr lang="en-US" sz="1400" smtClean="0">
+                <a:solidFill>
+                  <a:srgbClr val="000000"/>
+                </a:solidFill>
+                <a:latin typeface="Menlo" charset="0"/>
+              </a:rPr>
+              <a:t>Tyres(Type.</a:t>
+            </a:r>
+            <a:r>
+              <a:rPr lang="en-US" sz="1400" i="1" smtClean="0">
+                <a:solidFill>
+                  <a:srgbClr val="0000C0"/>
+                </a:solidFill>
+                <a:latin typeface="Menlo" charset="0"/>
+              </a:rPr>
+              <a:t>SNOW</a:t>
+            </a:r>
+            <a:r>
+              <a:rPr lang="en-US" sz="1400" i="1" smtClean="0">
+                <a:solidFill>
+                  <a:srgbClr val="000000"/>
+                </a:solidFill>
+                <a:latin typeface="Menlo" charset="0"/>
+              </a:rPr>
+              <a:t>));</a:t>
+            </a:r>
+            <a:endParaRPr lang="en-US" sz="1400" dirty="0">
+              <a:sym typeface="Wingdings"/>
+            </a:endParaRPr>
           </a:p>
         </p:txBody>
       </p:sp>
     </p:spTree>
     <p:extLst>
       <p:ext uri="{BB962C8B-B14F-4D97-AF65-F5344CB8AC3E}">
-        <p14:creationId xmlns:p14="http://schemas.microsoft.com/office/powerpoint/2010/main" val="118892694"/>
+        <p14:creationId xmlns:p14="http://schemas.microsoft.com/office/powerpoint/2010/main" val="1885145217"/>
       </p:ext>
     </p:extLst>
   </p:cSld>
@@ -4578,240 +4687,45 @@
             <p:ph idx="1"/>
           </p:nvPr>
         </p:nvSpPr>
-        <p:spPr>
-          <a:xfrm>
-            <a:off x="838200" y="1825625"/>
-            <a:ext cx="10515600" cy="4817222"/>
-          </a:xfrm>
-        </p:spPr>
+        <p:spPr/>
         <p:txBody>
           <a:bodyPr>
             <a:normAutofit/>
           </a:bodyPr>
           <a:lstStyle/>
           <a:p>
-            <a:pPr marL="0" indent="0">
-              <a:lnSpc>
-                <a:spcPct val="150000"/>
-              </a:lnSpc>
-              <a:buNone/>
-            </a:pPr>
-            <a:r>
-              <a:rPr lang="en-US" sz="2400">
-                <a:solidFill>
-                  <a:srgbClr val="000000"/>
-                </a:solidFill>
-              </a:rPr>
-              <a:t>Fabriksmetod</a:t>
-            </a:r>
-            <a:endParaRPr lang="en-US" sz="2000">
-              <a:solidFill>
-                <a:srgbClr val="000000"/>
-              </a:solidFill>
-            </a:endParaRPr>
-          </a:p>
-          <a:p>
-            <a:pPr marL="457200" lvl="1" indent="0">
-              <a:lnSpc>
-                <a:spcPct val="150000"/>
-              </a:lnSpc>
-              <a:buNone/>
-            </a:pPr>
-            <a:r>
-              <a:rPr lang="en-US" sz="1400" smtClean="0">
-                <a:solidFill>
-                  <a:srgbClr val="7F0055"/>
-                </a:solidFill>
-                <a:latin typeface="Menlo" charset="0"/>
-              </a:rPr>
-              <a:t>public</a:t>
-            </a:r>
-            <a:r>
-              <a:rPr lang="en-US" sz="1400" smtClean="0">
-                <a:solidFill>
-                  <a:srgbClr val="000000"/>
-                </a:solidFill>
-                <a:latin typeface="Menlo" charset="0"/>
-              </a:rPr>
-              <a:t> </a:t>
-            </a:r>
-            <a:r>
-              <a:rPr lang="en-US" sz="1400" smtClean="0">
-                <a:solidFill>
-                  <a:srgbClr val="7F0055"/>
-                </a:solidFill>
-                <a:latin typeface="Menlo" charset="0"/>
-              </a:rPr>
-              <a:t>static</a:t>
-            </a:r>
-            <a:r>
-              <a:rPr lang="en-US" sz="1400" smtClean="0">
-                <a:solidFill>
-                  <a:srgbClr val="000000"/>
-                </a:solidFill>
-                <a:latin typeface="Menlo" charset="0"/>
-              </a:rPr>
-              <a:t> Car aCarWithSnowTyres() {</a:t>
-            </a:r>
-          </a:p>
-          <a:p>
-            <a:pPr marL="457200" lvl="1" indent="0">
-              <a:lnSpc>
-                <a:spcPct val="150000"/>
-              </a:lnSpc>
-              <a:buNone/>
-            </a:pPr>
-            <a:r>
-              <a:rPr lang="en-US" sz="1400" smtClean="0">
-                <a:solidFill>
-                  <a:srgbClr val="000000"/>
-                </a:solidFill>
-                <a:latin typeface="Menlo" charset="0"/>
-              </a:rPr>
-              <a:t>        </a:t>
-            </a:r>
-            <a:r>
-              <a:rPr lang="en-US" sz="1400" smtClean="0">
-                <a:solidFill>
-                  <a:srgbClr val="7F0055"/>
-                </a:solidFill>
-                <a:latin typeface="Menlo" charset="0"/>
-              </a:rPr>
-              <a:t>return</a:t>
-            </a:r>
-            <a:r>
-              <a:rPr lang="en-US" sz="1400" smtClean="0">
-                <a:solidFill>
-                  <a:srgbClr val="000000"/>
-                </a:solidFill>
-                <a:latin typeface="Menlo" charset="0"/>
-              </a:rPr>
-              <a:t> </a:t>
-            </a:r>
-            <a:r>
-              <a:rPr lang="en-US" sz="1400" smtClean="0">
-                <a:solidFill>
-                  <a:srgbClr val="7F0055"/>
-                </a:solidFill>
-                <a:latin typeface="Menlo" charset="0"/>
-              </a:rPr>
-              <a:t>new</a:t>
-            </a:r>
-            <a:r>
-              <a:rPr lang="en-US" sz="1400" smtClean="0">
-                <a:solidFill>
-                  <a:srgbClr val="000000"/>
-                </a:solidFill>
-                <a:latin typeface="Menlo" charset="0"/>
-              </a:rPr>
-              <a:t> Car(</a:t>
-            </a:r>
-            <a:r>
-              <a:rPr lang="en-US" sz="1400" smtClean="0">
-                <a:solidFill>
-                  <a:srgbClr val="2A00FF"/>
-                </a:solidFill>
-                <a:latin typeface="Menlo" charset="0"/>
-              </a:rPr>
-              <a:t>"Volvo"</a:t>
-            </a:r>
-            <a:r>
-              <a:rPr lang="en-US" sz="1400" smtClean="0">
-                <a:solidFill>
-                  <a:srgbClr val="000000"/>
-                </a:solidFill>
-                <a:latin typeface="Menlo" charset="0"/>
-              </a:rPr>
-              <a:t>, </a:t>
-            </a:r>
-            <a:r>
-              <a:rPr lang="en-US" sz="1400" smtClean="0">
-                <a:solidFill>
-                  <a:srgbClr val="2A00FF"/>
-                </a:solidFill>
-                <a:latin typeface="Menlo" charset="0"/>
-              </a:rPr>
-              <a:t>"V70"</a:t>
-            </a:r>
-            <a:r>
-              <a:rPr lang="en-US" sz="1400" smtClean="0">
-                <a:solidFill>
-                  <a:srgbClr val="000000"/>
-                </a:solidFill>
-                <a:latin typeface="Menlo" charset="0"/>
-              </a:rPr>
-              <a:t>, </a:t>
-            </a:r>
-            <a:r>
-              <a:rPr lang="en-US" sz="1400" smtClean="0">
-                <a:solidFill>
-                  <a:srgbClr val="7F0055"/>
-                </a:solidFill>
-                <a:latin typeface="Menlo" charset="0"/>
-              </a:rPr>
-              <a:t>new</a:t>
-            </a:r>
-            <a:r>
-              <a:rPr lang="en-US" sz="1400" smtClean="0">
-                <a:solidFill>
-                  <a:srgbClr val="000000"/>
-                </a:solidFill>
-                <a:latin typeface="Menlo" charset="0"/>
-              </a:rPr>
-              <a:t> Engine(180), </a:t>
-            </a:r>
-            <a:r>
-              <a:rPr lang="en-US" sz="1400" smtClean="0">
-                <a:solidFill>
-                  <a:srgbClr val="7F0055"/>
-                </a:solidFill>
-                <a:latin typeface="Menlo" charset="0"/>
-              </a:rPr>
-              <a:t>new</a:t>
-            </a:r>
-            <a:r>
-              <a:rPr lang="en-US" sz="1400" smtClean="0">
-                <a:solidFill>
-                  <a:srgbClr val="000000"/>
-                </a:solidFill>
-                <a:latin typeface="Menlo" charset="0"/>
-              </a:rPr>
-              <a:t> Tyres(Type.</a:t>
-            </a:r>
-            <a:r>
-              <a:rPr lang="en-US" sz="1400" i="1" smtClean="0">
-                <a:solidFill>
-                  <a:srgbClr val="0000C0"/>
-                </a:solidFill>
-                <a:latin typeface="Menlo" charset="0"/>
-              </a:rPr>
-              <a:t>SNOW</a:t>
-            </a:r>
-            <a:r>
-              <a:rPr lang="en-US" sz="1400" i="1" smtClean="0">
-                <a:solidFill>
-                  <a:srgbClr val="000000"/>
-                </a:solidFill>
-                <a:latin typeface="Menlo" charset="0"/>
-              </a:rPr>
-              <a:t>));</a:t>
-            </a:r>
-          </a:p>
-          <a:p>
-            <a:pPr marL="457200" lvl="1" indent="0">
-              <a:lnSpc>
-                <a:spcPct val="150000"/>
-              </a:lnSpc>
-              <a:buNone/>
-            </a:pPr>
-            <a:r>
-              <a:rPr lang="de-DE" sz="1400" smtClean="0">
-                <a:solidFill>
-                  <a:srgbClr val="000000"/>
-                </a:solidFill>
-                <a:latin typeface="Menlo" charset="0"/>
-              </a:rPr>
-              <a:t>    }</a:t>
+            <a:pPr marL="571500" indent="-342900">
+              <a:lnSpc>
+                <a:spcPct val="150000"/>
+              </a:lnSpc>
+            </a:pPr>
+            <a:r>
+              <a:rPr lang="en-US" sz="2400" dirty="0"/>
+              <a:t>Använd gärna</a:t>
+            </a:r>
+          </a:p>
+          <a:p>
+            <a:pPr indent="0">
+              <a:lnSpc>
+                <a:spcPct val="150000"/>
+              </a:lnSpc>
+              <a:buNone/>
+            </a:pPr>
+            <a:r>
+              <a:rPr lang="en-US" sz="2400" dirty="0"/>
+              <a:t>	Fabriksmetoder</a:t>
+            </a:r>
+          </a:p>
+          <a:p>
+            <a:pPr indent="0">
+              <a:lnSpc>
+                <a:spcPct val="150000"/>
+              </a:lnSpc>
+              <a:buNone/>
+            </a:pPr>
+            <a:r>
+              <a:rPr lang="en-US" sz="2400" dirty="0"/>
+              <a:t>	Builders</a:t>
             </a:r>
           </a:p>
         </p:txBody>
@@ -4819,7 +4733,7 @@
     </p:spTree>
     <p:extLst>
       <p:ext uri="{BB962C8B-B14F-4D97-AF65-F5344CB8AC3E}">
-        <p14:creationId xmlns:p14="http://schemas.microsoft.com/office/powerpoint/2010/main" val="1069716348"/>
+        <p14:creationId xmlns:p14="http://schemas.microsoft.com/office/powerpoint/2010/main" val="118892694"/>
       </p:ext>
     </p:extLst>
   </p:cSld>
@@ -5114,205 +5028,12 @@
               <a:t>    }</a:t>
             </a:r>
           </a:p>
-          <a:p>
-            <a:pPr marL="0" indent="0">
-              <a:lnSpc>
-                <a:spcPct val="150000"/>
-              </a:lnSpc>
-              <a:buNone/>
-            </a:pPr>
-            <a:r>
-              <a:rPr lang="en-US" sz="2400" dirty="0"/>
-              <a:t>Builder</a:t>
-            </a:r>
-            <a:endParaRPr lang="en-US" dirty="0"/>
-          </a:p>
-          <a:p>
-            <a:pPr marL="457200" lvl="1" indent="0">
-              <a:buNone/>
-            </a:pPr>
-            <a:r>
-              <a:rPr lang="en-US" sz="1400" smtClean="0">
-                <a:solidFill>
-                  <a:srgbClr val="000000"/>
-                </a:solidFill>
-                <a:latin typeface="Menlo" charset="0"/>
-              </a:rPr>
-              <a:t>CarBuilder </a:t>
-            </a:r>
-            <a:r>
-              <a:rPr lang="en-US" sz="1400" smtClean="0">
-                <a:solidFill>
-                  <a:srgbClr val="6A3E3E"/>
-                </a:solidFill>
-                <a:latin typeface="Menlo" charset="0"/>
-              </a:rPr>
-              <a:t>buildCar</a:t>
-            </a:r>
-            <a:r>
-              <a:rPr lang="en-US" sz="1400" smtClean="0">
-                <a:solidFill>
-                  <a:srgbClr val="000000"/>
-                </a:solidFill>
-                <a:latin typeface="Menlo" charset="0"/>
-              </a:rPr>
-              <a:t> = </a:t>
-            </a:r>
-            <a:r>
-              <a:rPr lang="en-US" sz="1400" smtClean="0">
-                <a:solidFill>
-                  <a:srgbClr val="7F0055"/>
-                </a:solidFill>
-                <a:latin typeface="Menlo" charset="0"/>
-              </a:rPr>
-              <a:t>new</a:t>
-            </a:r>
-            <a:r>
-              <a:rPr lang="en-US" sz="1400" smtClean="0">
-                <a:solidFill>
-                  <a:srgbClr val="000000"/>
-                </a:solidFill>
-                <a:latin typeface="Menlo" charset="0"/>
-              </a:rPr>
-              <a:t> CarBuilder();</a:t>
-            </a:r>
-            <a:endParaRPr lang="de-DE" sz="1400" smtClean="0">
-              <a:solidFill>
-                <a:srgbClr val="000000"/>
-              </a:solidFill>
-              <a:latin typeface="Menlo" charset="0"/>
-            </a:endParaRPr>
-          </a:p>
-          <a:p>
-            <a:pPr marL="457200" lvl="1" indent="0">
-              <a:buNone/>
-            </a:pPr>
-            <a:r>
-              <a:rPr lang="de-DE" sz="1400" smtClean="0">
-                <a:solidFill>
-                  <a:srgbClr val="000000"/>
-                </a:solidFill>
-                <a:latin typeface="Menlo" charset="0"/>
-              </a:rPr>
-              <a:t>Car </a:t>
-            </a:r>
-            <a:r>
-              <a:rPr lang="de-DE" sz="1400" smtClean="0">
-                <a:solidFill>
-                  <a:srgbClr val="6A3E3E"/>
-                </a:solidFill>
-                <a:latin typeface="Menlo" charset="0"/>
-              </a:rPr>
-              <a:t>carWithSummerTyres</a:t>
-            </a:r>
-            <a:r>
-              <a:rPr lang="de-DE" sz="1400" smtClean="0">
-                <a:solidFill>
-                  <a:srgbClr val="000000"/>
-                </a:solidFill>
-                <a:latin typeface="Menlo" charset="0"/>
-              </a:rPr>
-              <a:t> = </a:t>
-            </a:r>
-            <a:r>
-              <a:rPr lang="de-DE" sz="1400" smtClean="0">
-                <a:solidFill>
-                  <a:srgbClr val="6A3E3E"/>
-                </a:solidFill>
-                <a:latin typeface="Menlo" charset="0"/>
-              </a:rPr>
-              <a:t>buildCar</a:t>
-            </a:r>
-          </a:p>
-          <a:p>
-            <a:pPr marL="457200" lvl="1" indent="0">
-              <a:buNone/>
-            </a:pPr>
-            <a:r>
-              <a:rPr lang="de-DE" sz="1400" smtClean="0">
-                <a:solidFill>
-                  <a:srgbClr val="000000"/>
-                </a:solidFill>
-                <a:latin typeface="Menlo" charset="0"/>
-              </a:rPr>
-              <a:t>                        .ofBrandVolvo()</a:t>
-            </a:r>
-          </a:p>
-          <a:p>
-            <a:pPr marL="457200" lvl="1" indent="0">
-              <a:buNone/>
-            </a:pPr>
-            <a:r>
-              <a:rPr lang="de-DE" sz="1400" smtClean="0">
-                <a:solidFill>
-                  <a:srgbClr val="000000"/>
-                </a:solidFill>
-                <a:latin typeface="Menlo" charset="0"/>
-              </a:rPr>
-              <a:t>                        .</a:t>
-            </a:r>
-            <a:r>
-              <a:rPr lang="de-DE" sz="1400" smtClean="0">
-                <a:solidFill>
-                  <a:srgbClr val="000000"/>
-                </a:solidFill>
-                <a:highlight>
-                  <a:srgbClr val="D4D4D4"/>
-                </a:highlight>
-                <a:latin typeface="Menlo" charset="0"/>
-              </a:rPr>
-              <a:t>ofModelV70()</a:t>
-            </a:r>
-          </a:p>
-          <a:p>
-            <a:pPr marL="457200" lvl="1" indent="0">
-              <a:buNone/>
-            </a:pPr>
-            <a:r>
-              <a:rPr lang="en-US" sz="1400" smtClean="0">
-                <a:solidFill>
-                  <a:srgbClr val="000000"/>
-                </a:solidFill>
-                <a:latin typeface="Menlo" charset="0"/>
-              </a:rPr>
-              <a:t>                        .with180Engine()</a:t>
-            </a:r>
-          </a:p>
-          <a:p>
-            <a:pPr marL="457200" lvl="1" indent="0">
-              <a:buNone/>
-            </a:pPr>
-            <a:r>
-              <a:rPr lang="en-US" sz="1400" smtClean="0">
-                <a:solidFill>
-                  <a:srgbClr val="000000"/>
-                </a:solidFill>
-                <a:latin typeface="Menlo" charset="0"/>
-              </a:rPr>
-              <a:t>                        .withSummerTyres()</a:t>
-            </a:r>
-          </a:p>
-          <a:p>
-            <a:pPr marL="457200" lvl="1" indent="0">
-              <a:buNone/>
-            </a:pPr>
-            <a:r>
-              <a:rPr lang="en-US" sz="1400" smtClean="0">
-                <a:solidFill>
-                  <a:srgbClr val="000000"/>
-                </a:solidFill>
-                <a:latin typeface="Menlo" charset="0"/>
-              </a:rPr>
-              <a:t>                        .build();</a:t>
-            </a:r>
-            <a:endParaRPr lang="en-US" sz="1400" dirty="0"/>
-          </a:p>
         </p:txBody>
       </p:sp>
     </p:spTree>
     <p:extLst>
       <p:ext uri="{BB962C8B-B14F-4D97-AF65-F5344CB8AC3E}">
-        <p14:creationId xmlns:p14="http://schemas.microsoft.com/office/powerpoint/2010/main" val="623582824"/>
+        <p14:creationId xmlns:p14="http://schemas.microsoft.com/office/powerpoint/2010/main" val="1069716348"/>
       </p:ext>
     </p:extLst>
   </p:cSld>
@@ -5371,89 +5092,429 @@
             <p:ph idx="1"/>
           </p:nvPr>
         </p:nvSpPr>
-        <p:spPr/>
+        <p:spPr>
+          <a:xfrm>
+            <a:off x="838200" y="1825625"/>
+            <a:ext cx="10515600" cy="4817222"/>
+          </a:xfrm>
+        </p:spPr>
         <p:txBody>
           <a:bodyPr>
             <a:normAutofit/>
           </a:bodyPr>
           <a:lstStyle/>
           <a:p>
-            <a:pPr marL="571500" indent="-342900">
-              <a:lnSpc>
-                <a:spcPct val="150000"/>
-              </a:lnSpc>
+            <a:pPr marL="0" indent="0">
+              <a:lnSpc>
+                <a:spcPct val="150000"/>
+              </a:lnSpc>
+              <a:buNone/>
+            </a:pPr>
+            <a:r>
+              <a:rPr lang="en-US" sz="2400">
+                <a:solidFill>
+                  <a:srgbClr val="000000"/>
+                </a:solidFill>
+              </a:rPr>
+              <a:t>Fabriksmetod</a:t>
+            </a:r>
+            <a:endParaRPr lang="en-US" sz="2000">
+              <a:solidFill>
+                <a:srgbClr val="000000"/>
+              </a:solidFill>
+            </a:endParaRPr>
+          </a:p>
+          <a:p>
+            <a:pPr marL="457200" lvl="1" indent="0">
+              <a:lnSpc>
+                <a:spcPct val="150000"/>
+              </a:lnSpc>
+              <a:buNone/>
+            </a:pPr>
+            <a:r>
+              <a:rPr lang="en-US" sz="1400" smtClean="0">
+                <a:solidFill>
+                  <a:srgbClr val="7F0055"/>
+                </a:solidFill>
+                <a:latin typeface="Menlo" charset="0"/>
+              </a:rPr>
+              <a:t>public</a:t>
+            </a:r>
+            <a:r>
+              <a:rPr lang="en-US" sz="1400" smtClean="0">
+                <a:solidFill>
+                  <a:srgbClr val="000000"/>
+                </a:solidFill>
+                <a:latin typeface="Menlo" charset="0"/>
+              </a:rPr>
+              <a:t> </a:t>
+            </a:r>
+            <a:r>
+              <a:rPr lang="en-US" sz="1400" smtClean="0">
+                <a:solidFill>
+                  <a:srgbClr val="7F0055"/>
+                </a:solidFill>
+                <a:latin typeface="Menlo" charset="0"/>
+              </a:rPr>
+              <a:t>static</a:t>
+            </a:r>
+            <a:r>
+              <a:rPr lang="en-US" sz="1400" smtClean="0">
+                <a:solidFill>
+                  <a:srgbClr val="000000"/>
+                </a:solidFill>
+                <a:latin typeface="Menlo" charset="0"/>
+              </a:rPr>
+              <a:t> Car aCarWithSnowTyres() {</a:t>
+            </a:r>
+          </a:p>
+          <a:p>
+            <a:pPr marL="457200" lvl="1" indent="0">
+              <a:lnSpc>
+                <a:spcPct val="150000"/>
+              </a:lnSpc>
+              <a:buNone/>
+            </a:pPr>
+            <a:r>
+              <a:rPr lang="en-US" sz="1400" smtClean="0">
+                <a:solidFill>
+                  <a:srgbClr val="000000"/>
+                </a:solidFill>
+                <a:latin typeface="Menlo" charset="0"/>
+              </a:rPr>
+              <a:t>        </a:t>
+            </a:r>
+            <a:r>
+              <a:rPr lang="en-US" sz="1400" smtClean="0">
+                <a:solidFill>
+                  <a:srgbClr val="7F0055"/>
+                </a:solidFill>
+                <a:latin typeface="Menlo" charset="0"/>
+              </a:rPr>
+              <a:t>return</a:t>
+            </a:r>
+            <a:r>
+              <a:rPr lang="en-US" sz="1400" smtClean="0">
+                <a:solidFill>
+                  <a:srgbClr val="000000"/>
+                </a:solidFill>
+                <a:latin typeface="Menlo" charset="0"/>
+              </a:rPr>
+              <a:t> </a:t>
+            </a:r>
+            <a:r>
+              <a:rPr lang="en-US" sz="1400" smtClean="0">
+                <a:solidFill>
+                  <a:srgbClr val="7F0055"/>
+                </a:solidFill>
+                <a:latin typeface="Menlo" charset="0"/>
+              </a:rPr>
+              <a:t>new</a:t>
+            </a:r>
+            <a:r>
+              <a:rPr lang="en-US" sz="1400" smtClean="0">
+                <a:solidFill>
+                  <a:srgbClr val="000000"/>
+                </a:solidFill>
+                <a:latin typeface="Menlo" charset="0"/>
+              </a:rPr>
+              <a:t> Car(</a:t>
+            </a:r>
+            <a:r>
+              <a:rPr lang="en-US" sz="1400" smtClean="0">
+                <a:solidFill>
+                  <a:srgbClr val="2A00FF"/>
+                </a:solidFill>
+                <a:latin typeface="Menlo" charset="0"/>
+              </a:rPr>
+              <a:t>"Volvo"</a:t>
+            </a:r>
+            <a:r>
+              <a:rPr lang="en-US" sz="1400" smtClean="0">
+                <a:solidFill>
+                  <a:srgbClr val="000000"/>
+                </a:solidFill>
+                <a:latin typeface="Menlo" charset="0"/>
+              </a:rPr>
+              <a:t>, </a:t>
+            </a:r>
+            <a:r>
+              <a:rPr lang="en-US" sz="1400" smtClean="0">
+                <a:solidFill>
+                  <a:srgbClr val="2A00FF"/>
+                </a:solidFill>
+                <a:latin typeface="Menlo" charset="0"/>
+              </a:rPr>
+              <a:t>"V70"</a:t>
+            </a:r>
+            <a:r>
+              <a:rPr lang="en-US" sz="1400" smtClean="0">
+                <a:solidFill>
+                  <a:srgbClr val="000000"/>
+                </a:solidFill>
+                <a:latin typeface="Menlo" charset="0"/>
+              </a:rPr>
+              <a:t>, </a:t>
+            </a:r>
+            <a:r>
+              <a:rPr lang="en-US" sz="1400" smtClean="0">
+                <a:solidFill>
+                  <a:srgbClr val="7F0055"/>
+                </a:solidFill>
+                <a:latin typeface="Menlo" charset="0"/>
+              </a:rPr>
+              <a:t>new</a:t>
+            </a:r>
+            <a:r>
+              <a:rPr lang="en-US" sz="1400" smtClean="0">
+                <a:solidFill>
+                  <a:srgbClr val="000000"/>
+                </a:solidFill>
+                <a:latin typeface="Menlo" charset="0"/>
+              </a:rPr>
+              <a:t> Engine(180), </a:t>
+            </a:r>
+            <a:r>
+              <a:rPr lang="en-US" sz="1400" smtClean="0">
+                <a:solidFill>
+                  <a:srgbClr val="7F0055"/>
+                </a:solidFill>
+                <a:latin typeface="Menlo" charset="0"/>
+              </a:rPr>
+              <a:t>new</a:t>
+            </a:r>
+            <a:r>
+              <a:rPr lang="en-US" sz="1400" smtClean="0">
+                <a:solidFill>
+                  <a:srgbClr val="000000"/>
+                </a:solidFill>
+                <a:latin typeface="Menlo" charset="0"/>
+              </a:rPr>
+              <a:t> Tyres(Type.</a:t>
+            </a:r>
+            <a:r>
+              <a:rPr lang="en-US" sz="1400" i="1" smtClean="0">
+                <a:solidFill>
+                  <a:srgbClr val="0000C0"/>
+                </a:solidFill>
+                <a:latin typeface="Menlo" charset="0"/>
+              </a:rPr>
+              <a:t>SNOW</a:t>
+            </a:r>
+            <a:r>
+              <a:rPr lang="en-US" sz="1400" i="1" smtClean="0">
+                <a:solidFill>
+                  <a:srgbClr val="000000"/>
+                </a:solidFill>
+                <a:latin typeface="Menlo" charset="0"/>
+              </a:rPr>
+              <a:t>));</a:t>
+            </a:r>
+          </a:p>
+          <a:p>
+            <a:pPr marL="457200" lvl="1" indent="0">
+              <a:lnSpc>
+                <a:spcPct val="150000"/>
+              </a:lnSpc>
+              <a:buNone/>
+            </a:pPr>
+            <a:r>
+              <a:rPr lang="de-DE" sz="1400" smtClean="0">
+                <a:solidFill>
+                  <a:srgbClr val="000000"/>
+                </a:solidFill>
+                <a:latin typeface="Menlo" charset="0"/>
+              </a:rPr>
+              <a:t>    }</a:t>
+            </a:r>
+          </a:p>
+          <a:p>
+            <a:pPr marL="0" indent="0">
+              <a:lnSpc>
+                <a:spcPct val="150000"/>
+              </a:lnSpc>
+              <a:buNone/>
             </a:pPr>
             <a:r>
               <a:rPr lang="en-US" sz="2400" dirty="0"/>
-              <a:t>Bra ramverk för läsbar testkod:</a:t>
-            </a:r>
-          </a:p>
-          <a:p>
-            <a:pPr marL="228600" lvl="1" indent="0">
-              <a:lnSpc>
-                <a:spcPct val="150000"/>
-              </a:lnSpc>
-              <a:spcBef>
-                <a:spcPts val="1000"/>
-              </a:spcBef>
-              <a:buNone/>
-            </a:pPr>
-            <a:r>
-              <a:rPr lang="en-US" sz="2400" dirty="0"/>
-              <a:t>	</a:t>
-            </a:r>
-            <a:r>
-              <a:rPr lang="sv-SE" dirty="0" err="1"/>
-              <a:t>Mockito</a:t>
-            </a:r>
-            <a:r>
-              <a:rPr lang="sv-SE" dirty="0"/>
-              <a:t> </a:t>
-            </a:r>
-            <a:r>
-              <a:rPr lang="sv-SE" dirty="0">
-                <a:hlinkClick r:id="rId2"/>
-              </a:rPr>
-              <a:t>https://code.google.com/p/mockito/</a:t>
-            </a:r>
-            <a:endParaRPr lang="en-US" sz="2400" dirty="0"/>
-          </a:p>
-          <a:p>
-            <a:pPr marL="228600" lvl="1" indent="0">
-              <a:lnSpc>
-                <a:spcPct val="150000"/>
-              </a:lnSpc>
-              <a:spcBef>
-                <a:spcPts val="1000"/>
-              </a:spcBef>
-              <a:buNone/>
-            </a:pPr>
-            <a:r>
-              <a:rPr lang="en-US" sz="2400" dirty="0"/>
-              <a:t>	</a:t>
-            </a:r>
-            <a:r>
-              <a:rPr lang="sv-SE" dirty="0" err="1"/>
-              <a:t>Hamcrest</a:t>
-            </a:r>
-            <a:r>
-              <a:rPr lang="sv-SE" dirty="0"/>
-              <a:t> matchers </a:t>
-            </a:r>
-            <a:r>
-              <a:rPr lang="sv-SE" dirty="0">
-                <a:hlinkClick r:id="rId3"/>
-              </a:rPr>
-              <a:t>https://code.google.com/p/hamcrest/</a:t>
-            </a:r>
-            <a:endParaRPr lang="sv-SE" dirty="0"/>
+              <a:t>Builder</a:t>
+            </a:r>
+            <a:endParaRPr lang="en-US" dirty="0"/>
+          </a:p>
+          <a:p>
+            <a:pPr marL="457200" lvl="1" indent="0">
+              <a:buNone/>
+            </a:pPr>
+            <a:r>
+              <a:rPr lang="en-US" sz="1400" smtClean="0">
+                <a:solidFill>
+                  <a:srgbClr val="000000"/>
+                </a:solidFill>
+                <a:latin typeface="Menlo" charset="0"/>
+              </a:rPr>
+              <a:t>CarBuilder </a:t>
+            </a:r>
+            <a:r>
+              <a:rPr lang="en-US" sz="1400" smtClean="0">
+                <a:solidFill>
+                  <a:srgbClr val="6A3E3E"/>
+                </a:solidFill>
+                <a:latin typeface="Menlo" charset="0"/>
+              </a:rPr>
+              <a:t>buildCar</a:t>
+            </a:r>
+            <a:r>
+              <a:rPr lang="en-US" sz="1400" smtClean="0">
+                <a:solidFill>
+                  <a:srgbClr val="000000"/>
+                </a:solidFill>
+                <a:latin typeface="Menlo" charset="0"/>
+              </a:rPr>
+              <a:t> = </a:t>
+            </a:r>
+            <a:r>
+              <a:rPr lang="en-US" sz="1400" smtClean="0">
+                <a:solidFill>
+                  <a:srgbClr val="7F0055"/>
+                </a:solidFill>
+                <a:latin typeface="Menlo" charset="0"/>
+              </a:rPr>
+              <a:t>new</a:t>
+            </a:r>
+            <a:r>
+              <a:rPr lang="en-US" sz="1400" smtClean="0">
+                <a:solidFill>
+                  <a:srgbClr val="000000"/>
+                </a:solidFill>
+                <a:latin typeface="Menlo" charset="0"/>
+              </a:rPr>
+              <a:t> CarBuilder();</a:t>
+            </a:r>
+            <a:endParaRPr lang="de-DE" sz="1400" smtClean="0">
+              <a:solidFill>
+                <a:srgbClr val="000000"/>
+              </a:solidFill>
+              <a:latin typeface="Menlo" charset="0"/>
+            </a:endParaRPr>
+          </a:p>
+          <a:p>
+            <a:pPr marL="457200" lvl="1" indent="0">
+              <a:buNone/>
+            </a:pPr>
+            <a:r>
+              <a:rPr lang="de-DE" sz="1400" smtClean="0">
+                <a:solidFill>
+                  <a:srgbClr val="000000"/>
+                </a:solidFill>
+                <a:latin typeface="Menlo" charset="0"/>
+              </a:rPr>
+              <a:t>Car </a:t>
+            </a:r>
+            <a:r>
+              <a:rPr lang="de-DE" sz="1400" smtClean="0">
+                <a:solidFill>
+                  <a:srgbClr val="6A3E3E"/>
+                </a:solidFill>
+                <a:latin typeface="Menlo" charset="0"/>
+              </a:rPr>
+              <a:t>carWithSummerTyres</a:t>
+            </a:r>
+            <a:r>
+              <a:rPr lang="de-DE" sz="1400" smtClean="0">
+                <a:solidFill>
+                  <a:srgbClr val="000000"/>
+                </a:solidFill>
+                <a:latin typeface="Menlo" charset="0"/>
+              </a:rPr>
+              <a:t> = </a:t>
+            </a:r>
+            <a:r>
+              <a:rPr lang="de-DE" sz="1400" smtClean="0">
+                <a:solidFill>
+                  <a:srgbClr val="6A3E3E"/>
+                </a:solidFill>
+                <a:latin typeface="Menlo" charset="0"/>
+              </a:rPr>
+              <a:t>buildCar</a:t>
+            </a:r>
+          </a:p>
+          <a:p>
+            <a:pPr marL="457200" lvl="1" indent="0">
+              <a:buNone/>
+            </a:pPr>
+            <a:r>
+              <a:rPr lang="de-DE" sz="1400" smtClean="0">
+                <a:solidFill>
+                  <a:srgbClr val="000000"/>
+                </a:solidFill>
+                <a:latin typeface="Menlo" charset="0"/>
+              </a:rPr>
+              <a:t>                        .ofBrandVolvo()</a:t>
+            </a:r>
+          </a:p>
+          <a:p>
+            <a:pPr marL="457200" lvl="1" indent="0">
+              <a:buNone/>
+            </a:pPr>
+            <a:r>
+              <a:rPr lang="de-DE" sz="1400" smtClean="0">
+                <a:solidFill>
+                  <a:srgbClr val="000000"/>
+                </a:solidFill>
+                <a:latin typeface="Menlo" charset="0"/>
+              </a:rPr>
+              <a:t>                        .ofModelV70()</a:t>
+            </a:r>
+          </a:p>
+          <a:p>
+            <a:pPr marL="457200" lvl="1" indent="0">
+              <a:buNone/>
+            </a:pPr>
+            <a:r>
+              <a:rPr lang="en-US" sz="1400" smtClean="0">
+                <a:solidFill>
+                  <a:srgbClr val="000000"/>
+                </a:solidFill>
+                <a:latin typeface="Menlo" charset="0"/>
+              </a:rPr>
+              <a:t>                        .with180Engine()</a:t>
+            </a:r>
+          </a:p>
+          <a:p>
+            <a:pPr marL="457200" lvl="1" indent="0">
+              <a:buNone/>
+            </a:pPr>
+            <a:r>
+              <a:rPr lang="en-US" sz="1400" smtClean="0">
+                <a:solidFill>
+                  <a:srgbClr val="000000"/>
+                </a:solidFill>
+                <a:latin typeface="Menlo" charset="0"/>
+              </a:rPr>
+              <a:t>                        .withSummerTyres()</a:t>
+            </a:r>
+          </a:p>
+          <a:p>
+            <a:pPr marL="457200" lvl="1" indent="0">
+              <a:buNone/>
+            </a:pPr>
+            <a:r>
+              <a:rPr lang="en-US" sz="1400" smtClean="0">
+                <a:solidFill>
+                  <a:srgbClr val="000000"/>
+                </a:solidFill>
+                <a:latin typeface="Menlo" charset="0"/>
+              </a:rPr>
+              <a:t>                        .build();</a:t>
+            </a:r>
+            <a:endParaRPr lang="en-US" sz="1400" dirty="0"/>
           </a:p>
         </p:txBody>
       </p:sp>
     </p:spTree>
     <p:extLst>
       <p:ext uri="{BB962C8B-B14F-4D97-AF65-F5344CB8AC3E}">
-        <p14:creationId xmlns:p14="http://schemas.microsoft.com/office/powerpoint/2010/main" val="1691861249"/>
+        <p14:creationId xmlns:p14="http://schemas.microsoft.com/office/powerpoint/2010/main" val="623582824"/>
       </p:ext>
     </p:extLst>
   </p:cSld>
@@ -5718,7 +5779,7 @@
           <a:p>
             <a:r>
               <a:rPr lang="en-US"/>
-              <a:t>Test</a:t>
+              <a:t>Test, tips</a:t>
             </a:r>
           </a:p>
         </p:txBody>
@@ -5740,89 +5801,82 @@
           </a:bodyPr>
           <a:lstStyle/>
           <a:p>
-            <a:pPr>
-              <a:lnSpc>
-                <a:spcPct val="150000"/>
-              </a:lnSpc>
-            </a:pPr>
-            <a:r>
-              <a:rPr lang="en-US" sz="2000"/>
-              <a:t>En metod per sak man vill testa</a:t>
-            </a:r>
-          </a:p>
-          <a:p>
-            <a:pPr>
-              <a:lnSpc>
-                <a:spcPct val="150000"/>
-              </a:lnSpc>
-            </a:pPr>
-            <a:r>
-              <a:rPr lang="en-US" sz="2000"/>
-              <a:t>Namnge testmetoder efter use-case</a:t>
-            </a:r>
-          </a:p>
-          <a:p>
-            <a:pPr marL="0" indent="0">
-              <a:lnSpc>
-                <a:spcPct val="150000"/>
-              </a:lnSpc>
-              <a:buNone/>
-            </a:pPr>
-            <a:r>
-              <a:rPr lang="en-US" sz="1800"/>
-              <a:t>	Typ assertButtonFlashesGreenWhenPressed(...)</a:t>
-            </a:r>
-          </a:p>
-          <a:p>
-            <a:pPr>
-              <a:lnSpc>
-                <a:spcPct val="150000"/>
-              </a:lnSpc>
-            </a:pPr>
-            <a:r>
-              <a:rPr lang="en-US" sz="2000"/>
-              <a:t>Testa funktion – inte kod</a:t>
-            </a:r>
-          </a:p>
-          <a:p>
-            <a:pPr>
-              <a:lnSpc>
-                <a:spcPct val="150000"/>
-              </a:lnSpc>
-            </a:pPr>
-            <a:r>
-              <a:rPr lang="en-US" sz="2000"/>
-              <a:t>Undvik gärna ”testklass per klass”</a:t>
-            </a:r>
-          </a:p>
-          <a:p>
-            <a:pPr>
-              <a:lnSpc>
-                <a:spcPct val="150000"/>
-              </a:lnSpc>
-            </a:pPr>
-            <a:r>
-              <a:rPr lang="en-US" sz="2000"/>
-              <a:t>Undvik definitivt ”testmetod per metod”</a:t>
-            </a:r>
-          </a:p>
-          <a:p>
-            <a:pPr>
-              <a:lnSpc>
-                <a:spcPct val="150000"/>
-              </a:lnSpc>
-            </a:pPr>
-            <a:r>
-              <a:rPr lang="en-US" sz="2000"/>
-              <a:t>Undvik att testa mot databaser i enhetstester – försök köra så mycket in-memory som möjligt.</a:t>
-            </a:r>
+            <a:pPr marL="571500" indent="-342900">
+              <a:lnSpc>
+                <a:spcPct val="150000"/>
+              </a:lnSpc>
+            </a:pPr>
+            <a:r>
+              <a:rPr lang="en-US" sz="2400" dirty="0"/>
+              <a:t>Bra ramverk för läsbar testkod:</a:t>
+            </a:r>
+          </a:p>
+          <a:p>
+            <a:pPr marL="228600" lvl="1" indent="0">
+              <a:lnSpc>
+                <a:spcPct val="150000"/>
+              </a:lnSpc>
+              <a:spcBef>
+                <a:spcPts val="1000"/>
+              </a:spcBef>
+              <a:buNone/>
+            </a:pPr>
+            <a:r>
+              <a:rPr lang="en-US" sz="2400" dirty="0"/>
+              <a:t>	</a:t>
+            </a:r>
+            <a:r>
+              <a:rPr lang="sv-SE" dirty="0" err="1"/>
+              <a:t>Mockito</a:t>
+            </a:r>
+            <a:r>
+              <a:rPr lang="sv-SE" dirty="0"/>
+              <a:t> </a:t>
+            </a:r>
+            <a:r>
+              <a:rPr lang="sv-SE" dirty="0">
+                <a:hlinkClick r:id="rId2"/>
+              </a:rPr>
+              <a:t>https://code.google.com/p/mockito/</a:t>
+            </a:r>
+            <a:endParaRPr lang="en-US" sz="2400" dirty="0"/>
+          </a:p>
+          <a:p>
+            <a:pPr marL="228600" lvl="1" indent="0">
+              <a:lnSpc>
+                <a:spcPct val="150000"/>
+              </a:lnSpc>
+              <a:spcBef>
+                <a:spcPts val="1000"/>
+              </a:spcBef>
+              <a:buNone/>
+            </a:pPr>
+            <a:r>
+              <a:rPr lang="en-US" sz="2400" dirty="0"/>
+              <a:t>	</a:t>
+            </a:r>
+            <a:r>
+              <a:rPr lang="sv-SE" dirty="0" err="1"/>
+              <a:t>Hamcrest</a:t>
+            </a:r>
+            <a:r>
+              <a:rPr lang="sv-SE" dirty="0"/>
+              <a:t> matchers </a:t>
+            </a:r>
+            <a:r>
+              <a:rPr lang="sv-SE" dirty="0">
+                <a:hlinkClick r:id="rId3"/>
+              </a:rPr>
+              <a:t>https://code.google.com/p/hamcrest/</a:t>
+            </a:r>
+            <a:endParaRPr lang="sv-SE" dirty="0"/>
           </a:p>
         </p:txBody>
       </p:sp>
     </p:spTree>
     <p:extLst>
       <p:ext uri="{BB962C8B-B14F-4D97-AF65-F5344CB8AC3E}">
-        <p14:creationId xmlns:p14="http://schemas.microsoft.com/office/powerpoint/2010/main" val="1156623159"/>
+        <p14:creationId xmlns:p14="http://schemas.microsoft.com/office/powerpoint/2010/main" val="1691861249"/>
       </p:ext>
     </p:extLst>
   </p:cSld>
@@ -5864,7 +5918,10 @@
           <a:bodyPr/>
           <a:lstStyle/>
           <a:p>
-            <a:endParaRPr lang="en-US"/>
+            <a:r>
+              <a:rPr lang="en-US"/>
+              <a:t>Test</a:t>
+            </a:r>
           </a:p>
         </p:txBody>
       </p:sp>
@@ -5885,44 +5942,31 @@
           </a:bodyPr>
           <a:lstStyle/>
           <a:p>
-            <a:pPr indent="0" algn="ctr">
-              <a:lnSpc>
-                <a:spcPct val="150000"/>
-              </a:lnSpc>
-              <a:buNone/>
-            </a:pPr>
-            <a:endParaRPr lang="en-US" sz="2400" dirty="0"/>
-          </a:p>
-          <a:p>
-            <a:pPr indent="0" algn="ctr">
-              <a:lnSpc>
-                <a:spcPct val="150000"/>
-              </a:lnSpc>
-              <a:buNone/>
-            </a:pPr>
-            <a:endParaRPr lang="en-US" sz="2400" dirty="0"/>
-          </a:p>
-          <a:p>
-            <a:pPr indent="0" algn="ctr">
-              <a:lnSpc>
-                <a:spcPct val="150000"/>
-              </a:lnSpc>
-              <a:buNone/>
-            </a:pPr>
-            <a:r>
-              <a:rPr lang="en-US" sz="4000" dirty="0"/>
-              <a:t>Övning 3</a:t>
-            </a:r>
-            <a:endParaRPr lang="en-US" sz="3200" dirty="0">
-              <a:sym typeface="Wingdings"/>
-            </a:endParaRPr>
+            <a:pPr>
+              <a:lnSpc>
+                <a:spcPct val="150000"/>
+              </a:lnSpc>
+            </a:pPr>
+            <a:r>
+              <a:rPr lang="en-US" sz="2000"/>
+              <a:t>En metod per sak man vill testa</a:t>
+            </a:r>
+          </a:p>
+          <a:p>
+            <a:pPr marL="0" indent="0">
+              <a:lnSpc>
+                <a:spcPct val="150000"/>
+              </a:lnSpc>
+              <a:buNone/>
+            </a:pPr>
+            <a:endParaRPr lang="en-US" sz="2000"/>
           </a:p>
         </p:txBody>
       </p:sp>
     </p:spTree>
     <p:extLst>
       <p:ext uri="{BB962C8B-B14F-4D97-AF65-F5344CB8AC3E}">
-        <p14:creationId xmlns:p14="http://schemas.microsoft.com/office/powerpoint/2010/main" val="1068330269"/>
+        <p14:creationId xmlns:p14="http://schemas.microsoft.com/office/powerpoint/2010/main" val="1156623159"/>
       </p:ext>
     </p:extLst>
   </p:cSld>
@@ -5966,13 +6010,8 @@
           <a:p>
             <a:r>
               <a:rPr lang="en-US"/>
-              <a:t>Fundera över</a:t>
-            </a:r>
-            <a:r>
-              <a:rPr lang="is-IS"/>
-              <a:t>…</a:t>
-            </a:r>
-            <a:endParaRPr lang="en-US"/>
+              <a:t>Test</a:t>
+            </a:r>
           </a:p>
         </p:txBody>
       </p:sp>
@@ -5993,38 +6032,37 @@
           </a:bodyPr>
           <a:lstStyle/>
           <a:p>
-            <a:pPr marL="571500" indent="-342900">
-              <a:lnSpc>
-                <a:spcPct val="150000"/>
-              </a:lnSpc>
-            </a:pPr>
-            <a:r>
-              <a:rPr lang="en-US" sz="2400" dirty="0"/>
-              <a:t>Hur förhåller sig de här principerna till övningen?</a:t>
-            </a:r>
-          </a:p>
-          <a:p>
-            <a:pPr indent="0">
-              <a:lnSpc>
-                <a:spcPct val="150000"/>
-              </a:lnSpc>
-              <a:buNone/>
-            </a:pPr>
-            <a:r>
-              <a:rPr lang="en-US" sz="2400" dirty="0"/>
-              <a:t>	KISS – Keep It Simple and Stupid</a:t>
-            </a:r>
-          </a:p>
-          <a:p>
-            <a:pPr indent="0">
-              <a:lnSpc>
-                <a:spcPct val="150000"/>
-              </a:lnSpc>
-              <a:buNone/>
-            </a:pPr>
-            <a:r>
-              <a:rPr lang="en-US" sz="2400" dirty="0"/>
-              <a:t>	YAGNI – You Aren’t Gonna Need It</a:t>
+            <a:pPr>
+              <a:lnSpc>
+                <a:spcPct val="150000"/>
+              </a:lnSpc>
+            </a:pPr>
+            <a:r>
+              <a:rPr lang="en-US" sz="2000"/>
+              <a:t>En metod per sak man vill testa</a:t>
+            </a:r>
+          </a:p>
+          <a:p>
+            <a:pPr>
+              <a:lnSpc>
+                <a:spcPct val="150000"/>
+              </a:lnSpc>
+            </a:pPr>
+            <a:r>
+              <a:rPr lang="en-US" sz="2000"/>
+              <a:t>Namnge testmetoder efter use-case</a:t>
+            </a:r>
+          </a:p>
+          <a:p>
+            <a:pPr marL="0" indent="0">
+              <a:lnSpc>
+                <a:spcPct val="150000"/>
+              </a:lnSpc>
+              <a:buNone/>
+            </a:pPr>
+            <a:r>
+              <a:rPr lang="en-US" sz="1800"/>
+              <a:t>	Typ assertButtonFlashesGreenWhenPressed(...)</a:t>
             </a:r>
           </a:p>
         </p:txBody>
@@ -6032,7 +6070,7 @@
     </p:spTree>
     <p:extLst>
       <p:ext uri="{BB962C8B-B14F-4D97-AF65-F5344CB8AC3E}">
-        <p14:creationId xmlns:p14="http://schemas.microsoft.com/office/powerpoint/2010/main" val="343460669"/>
+        <p14:creationId xmlns:p14="http://schemas.microsoft.com/office/powerpoint/2010/main" val="1243521920"/>
       </p:ext>
     </p:extLst>
   </p:cSld>
@@ -6074,7 +6112,10 @@
           <a:bodyPr/>
           <a:lstStyle/>
           <a:p>
-            <a:endParaRPr lang="en-US"/>
+            <a:r>
+              <a:rPr lang="en-US"/>
+              <a:t>Test</a:t>
+            </a:r>
           </a:p>
         </p:txBody>
       </p:sp>
@@ -6095,44 +6136,56 @@
           </a:bodyPr>
           <a:lstStyle/>
           <a:p>
-            <a:pPr indent="0" algn="ctr">
-              <a:lnSpc>
-                <a:spcPct val="150000"/>
-              </a:lnSpc>
-              <a:buNone/>
-            </a:pPr>
-            <a:endParaRPr lang="en-US" sz="2400" dirty="0"/>
-          </a:p>
-          <a:p>
-            <a:pPr indent="0" algn="ctr">
-              <a:lnSpc>
-                <a:spcPct val="150000"/>
-              </a:lnSpc>
-              <a:buNone/>
-            </a:pPr>
-            <a:endParaRPr lang="en-US" sz="2400" dirty="0"/>
-          </a:p>
-          <a:p>
-            <a:pPr indent="0" algn="ctr">
-              <a:lnSpc>
-                <a:spcPct val="150000"/>
-              </a:lnSpc>
-              <a:buNone/>
-            </a:pPr>
-            <a:r>
-              <a:rPr lang="en-US" sz="4000" dirty="0"/>
-              <a:t>Övning 4</a:t>
-            </a:r>
-            <a:endParaRPr lang="en-US" sz="3200" dirty="0">
-              <a:sym typeface="Wingdings"/>
-            </a:endParaRPr>
+            <a:pPr>
+              <a:lnSpc>
+                <a:spcPct val="150000"/>
+              </a:lnSpc>
+            </a:pPr>
+            <a:r>
+              <a:rPr lang="en-US" sz="2000"/>
+              <a:t>En metod per sak man vill testa</a:t>
+            </a:r>
+          </a:p>
+          <a:p>
+            <a:pPr>
+              <a:lnSpc>
+                <a:spcPct val="150000"/>
+              </a:lnSpc>
+            </a:pPr>
+            <a:r>
+              <a:rPr lang="en-US" sz="2000"/>
+              <a:t>Namnge testmetoder efter use-case</a:t>
+            </a:r>
+          </a:p>
+          <a:p>
+            <a:pPr marL="0" indent="0">
+              <a:lnSpc>
+                <a:spcPct val="150000"/>
+              </a:lnSpc>
+              <a:buNone/>
+            </a:pPr>
+            <a:r>
+              <a:rPr lang="en-US" sz="1800"/>
+              <a:t>	Typ assertButtonFlashesGreenWhenPressed(...)</a:t>
+            </a:r>
+          </a:p>
+          <a:p>
+            <a:pPr>
+              <a:lnSpc>
+                <a:spcPct val="150000"/>
+              </a:lnSpc>
+            </a:pPr>
+            <a:r>
+              <a:rPr lang="en-US" sz="2000"/>
+              <a:t>Testa funktion – inte kod</a:t>
+            </a:r>
           </a:p>
         </p:txBody>
       </p:sp>
     </p:spTree>
     <p:extLst>
       <p:ext uri="{BB962C8B-B14F-4D97-AF65-F5344CB8AC3E}">
-        <p14:creationId xmlns:p14="http://schemas.microsoft.com/office/powerpoint/2010/main" val="1494645088"/>
+        <p14:creationId xmlns:p14="http://schemas.microsoft.com/office/powerpoint/2010/main" val="1856163146"/>
       </p:ext>
     </p:extLst>
   </p:cSld>
@@ -6176,13 +6229,8 @@
           <a:p>
             <a:r>
               <a:rPr lang="en-US"/>
-              <a:t>Tänk på</a:t>
-            </a:r>
-            <a:r>
-              <a:rPr lang="is-IS"/>
-              <a:t>…</a:t>
-            </a:r>
-            <a:endParaRPr lang="en-US"/>
+              <a:t>Test</a:t>
+            </a:r>
           </a:p>
         </p:txBody>
       </p:sp>
@@ -6203,68 +6251,87 @@
           </a:bodyPr>
           <a:lstStyle/>
           <a:p>
-            <a:pPr marL="571500" indent="-342900">
-              <a:lnSpc>
-                <a:spcPct val="150000"/>
-              </a:lnSpc>
-            </a:pPr>
-            <a:r>
-              <a:rPr lang="en-US" sz="2400" dirty="0"/>
-              <a:t>State vs. stateless objekt</a:t>
-            </a:r>
-          </a:p>
-          <a:p>
-            <a:pPr indent="0">
-              <a:lnSpc>
-                <a:spcPct val="150000"/>
-              </a:lnSpc>
-              <a:buNone/>
-            </a:pPr>
-            <a:r>
-              <a:rPr lang="en-US" sz="2000" dirty="0"/>
-              <a:t>	När vill man använda objekt med state resp. utan?</a:t>
-            </a:r>
-          </a:p>
-          <a:p>
-            <a:pPr marL="571500" indent="-342900">
-              <a:lnSpc>
-                <a:spcPct val="150000"/>
-              </a:lnSpc>
-            </a:pPr>
-            <a:r>
-              <a:rPr lang="en-US" sz="2400" dirty="0"/>
-              <a:t>Trådsäkerhet</a:t>
-            </a:r>
-          </a:p>
-          <a:p>
-            <a:pPr marL="571500" indent="-342900">
-              <a:lnSpc>
-                <a:spcPct val="150000"/>
-              </a:lnSpc>
-            </a:pPr>
-            <a:r>
-              <a:rPr lang="en-US" sz="2400" dirty="0"/>
-              <a:t>Databasaccess och transationer</a:t>
-            </a:r>
-          </a:p>
-          <a:p>
-            <a:pPr lvl="1" indent="0">
-              <a:lnSpc>
-                <a:spcPct val="150000"/>
-              </a:lnSpc>
-              <a:buNone/>
-            </a:pPr>
-            <a:r>
-              <a:rPr lang="en-US" sz="2000" dirty="0"/>
-              <a:t>Vad måste man tänka på när flera trådar kan komma åt samma databas?</a:t>
-            </a:r>
+            <a:pPr>
+              <a:lnSpc>
+                <a:spcPct val="150000"/>
+              </a:lnSpc>
+            </a:pPr>
+            <a:r>
+              <a:rPr lang="en-US" sz="2000"/>
+              <a:t>En metod per sak man vill testa</a:t>
+            </a:r>
+          </a:p>
+          <a:p>
+            <a:pPr>
+              <a:lnSpc>
+                <a:spcPct val="150000"/>
+              </a:lnSpc>
+            </a:pPr>
+            <a:r>
+              <a:rPr lang="en-US" sz="2000"/>
+              <a:t>Namnge testmetoder efter use-case</a:t>
+            </a:r>
+          </a:p>
+          <a:p>
+            <a:pPr marL="0" indent="0">
+              <a:lnSpc>
+                <a:spcPct val="150000"/>
+              </a:lnSpc>
+              <a:buNone/>
+            </a:pPr>
+            <a:r>
+              <a:rPr lang="en-US" sz="1800"/>
+              <a:t>	Typ assertButtonFlashesGreenWhenPressed(...)</a:t>
+            </a:r>
+          </a:p>
+          <a:p>
+            <a:pPr>
+              <a:lnSpc>
+                <a:spcPct val="150000"/>
+              </a:lnSpc>
+            </a:pPr>
+            <a:r>
+              <a:rPr lang="en-US" sz="2000"/>
+              <a:t>Testa funktion – inte kod</a:t>
+            </a:r>
+          </a:p>
+          <a:p>
+            <a:pPr>
+              <a:lnSpc>
+                <a:spcPct val="150000"/>
+              </a:lnSpc>
+            </a:pPr>
+            <a:r>
+              <a:rPr lang="en-US" sz="2000"/>
+              <a:t>Undvik gärna ”testklass per klass”</a:t>
+            </a:r>
+          </a:p>
+          <a:p>
+            <a:pPr>
+              <a:lnSpc>
+                <a:spcPct val="150000"/>
+              </a:lnSpc>
+            </a:pPr>
+            <a:r>
+              <a:rPr lang="en-US" sz="2000"/>
+              <a:t>Undvik definitivt ”testmetod per metod”</a:t>
+            </a:r>
+          </a:p>
+          <a:p>
+            <a:pPr marL="0" indent="0">
+              <a:lnSpc>
+                <a:spcPct val="150000"/>
+              </a:lnSpc>
+              <a:buNone/>
+            </a:pPr>
+            <a:endParaRPr lang="en-US" sz="2000"/>
           </a:p>
         </p:txBody>
       </p:sp>
     </p:spTree>
     <p:extLst>
       <p:ext uri="{BB962C8B-B14F-4D97-AF65-F5344CB8AC3E}">
-        <p14:creationId xmlns:p14="http://schemas.microsoft.com/office/powerpoint/2010/main" val="107420747"/>
+        <p14:creationId xmlns:p14="http://schemas.microsoft.com/office/powerpoint/2010/main" val="1412402036"/>
       </p:ext>
     </p:extLst>
   </p:cSld>
@@ -6306,7 +6373,10 @@
           <a:bodyPr/>
           <a:lstStyle/>
           <a:p>
-            <a:endParaRPr lang="en-US"/>
+            <a:r>
+              <a:rPr lang="en-US"/>
+              <a:t>Test</a:t>
+            </a:r>
           </a:p>
         </p:txBody>
       </p:sp>
@@ -6327,35 +6397,89 @@
           </a:bodyPr>
           <a:lstStyle/>
           <a:p>
-            <a:pPr indent="0" algn="ctr">
-              <a:lnSpc>
-                <a:spcPct val="150000"/>
-              </a:lnSpc>
-              <a:buNone/>
-            </a:pPr>
-            <a:endParaRPr lang="en-US" sz="2400" dirty="0"/>
-          </a:p>
-          <a:p>
-            <a:pPr indent="0" algn="ctr">
-              <a:lnSpc>
-                <a:spcPct val="150000"/>
-              </a:lnSpc>
-              <a:buNone/>
-            </a:pPr>
-            <a:r>
-              <a:rPr lang="en-US" sz="4000" dirty="0"/>
-              <a:t>Vanligt misstag #1: Klasser innehåller onödigt föränderligt tillstånd</a:t>
-            </a:r>
-            <a:endParaRPr lang="en-US" sz="3200" dirty="0">
-              <a:sym typeface="Wingdings"/>
-            </a:endParaRPr>
+            <a:pPr>
+              <a:lnSpc>
+                <a:spcPct val="150000"/>
+              </a:lnSpc>
+            </a:pPr>
+            <a:r>
+              <a:rPr lang="en-US" sz="2000"/>
+              <a:t>En metod per sak man vill testa</a:t>
+            </a:r>
+          </a:p>
+          <a:p>
+            <a:pPr>
+              <a:lnSpc>
+                <a:spcPct val="150000"/>
+              </a:lnSpc>
+            </a:pPr>
+            <a:r>
+              <a:rPr lang="en-US" sz="2000"/>
+              <a:t>Namnge testmetoder efter use-case</a:t>
+            </a:r>
+          </a:p>
+          <a:p>
+            <a:pPr marL="0" indent="0">
+              <a:lnSpc>
+                <a:spcPct val="150000"/>
+              </a:lnSpc>
+              <a:buNone/>
+            </a:pPr>
+            <a:r>
+              <a:rPr lang="en-US" sz="1800"/>
+              <a:t>	Typ assertButtonFlashesGreenWhenPressed(...)</a:t>
+            </a:r>
+          </a:p>
+          <a:p>
+            <a:pPr>
+              <a:lnSpc>
+                <a:spcPct val="150000"/>
+              </a:lnSpc>
+            </a:pPr>
+            <a:r>
+              <a:rPr lang="en-US" sz="2000"/>
+              <a:t>Testa funktion – inte kod</a:t>
+            </a:r>
+          </a:p>
+          <a:p>
+            <a:pPr>
+              <a:lnSpc>
+                <a:spcPct val="150000"/>
+              </a:lnSpc>
+            </a:pPr>
+            <a:r>
+              <a:rPr lang="en-US" sz="2000"/>
+              <a:t>Undvik gärna ”testklass per klass”</a:t>
+            </a:r>
+          </a:p>
+          <a:p>
+            <a:pPr>
+              <a:lnSpc>
+                <a:spcPct val="150000"/>
+              </a:lnSpc>
+            </a:pPr>
+            <a:r>
+              <a:rPr lang="en-US" sz="2000"/>
+              <a:t>Undvik definitivt ”testmetod per metod”</a:t>
+            </a:r>
+          </a:p>
+          <a:p>
+            <a:pPr>
+              <a:lnSpc>
+                <a:spcPct val="150000"/>
+              </a:lnSpc>
+            </a:pPr>
+            <a:r>
+              <a:rPr lang="en-US" sz="2000"/>
+              <a:t>Undvik att testa mot databaser i enhetstester – försök köra så mycket in-memory som möjligt.</a:t>
+            </a:r>
           </a:p>
         </p:txBody>
       </p:sp>
     </p:spTree>
     <p:extLst>
       <p:ext uri="{BB962C8B-B14F-4D97-AF65-F5344CB8AC3E}">
-        <p14:creationId xmlns:p14="http://schemas.microsoft.com/office/powerpoint/2010/main" val="1208717311"/>
+        <p14:creationId xmlns:p14="http://schemas.microsoft.com/office/powerpoint/2010/main" val="396804198"/>
       </p:ext>
     </p:extLst>
   </p:cSld>
@@ -6397,10 +6521,7 @@
           <a:bodyPr/>
           <a:lstStyle/>
           <a:p>
-            <a:r>
-              <a:rPr lang="en-US"/>
-              <a:t>Övning 4</a:t>
-            </a:r>
+            <a:endParaRPr lang="en-US"/>
           </a:p>
         </p:txBody>
       </p:sp>
@@ -6421,58 +6542,44 @@
           </a:bodyPr>
           <a:lstStyle/>
           <a:p>
-            <a:pPr marL="571500" indent="-342900">
-              <a:lnSpc>
-                <a:spcPct val="150000"/>
-              </a:lnSpc>
-            </a:pPr>
-            <a:r>
-              <a:rPr lang="en-US" sz="2400" dirty="0"/>
-              <a:t>Problem eftersom:</a:t>
-            </a:r>
-          </a:p>
-          <a:p>
-            <a:pPr indent="0">
-              <a:lnSpc>
-                <a:spcPct val="150000"/>
-              </a:lnSpc>
-              <a:buNone/>
-            </a:pPr>
-            <a:r>
-              <a:rPr lang="en-US" sz="2400" dirty="0"/>
-              <a:t>	Tillstånd kan bli inkonsekvent</a:t>
-            </a:r>
-          </a:p>
-          <a:p>
-            <a:pPr indent="0">
-              <a:lnSpc>
-                <a:spcPct val="150000"/>
-              </a:lnSpc>
-              <a:buNone/>
-            </a:pPr>
-            <a:r>
-              <a:rPr lang="en-US" sz="2400" dirty="0"/>
-              <a:t>	Tillståndet kan ändras oväntat</a:t>
-            </a:r>
-          </a:p>
-          <a:p>
-            <a:pPr indent="0">
-              <a:lnSpc>
-                <a:spcPct val="150000"/>
-              </a:lnSpc>
-              <a:buNone/>
-            </a:pPr>
-            <a:r>
-              <a:rPr lang="en-US" sz="2400" dirty="0"/>
-              <a:t>	Trådsäkerheten kan bli dyr och problematisk</a:t>
-            </a:r>
+            <a:pPr indent="0" algn="ctr">
+              <a:lnSpc>
+                <a:spcPct val="150000"/>
+              </a:lnSpc>
+              <a:buNone/>
+            </a:pPr>
+            <a:endParaRPr lang="en-US" sz="2400" dirty="0"/>
+          </a:p>
+          <a:p>
+            <a:pPr indent="0" algn="ctr">
+              <a:lnSpc>
+                <a:spcPct val="150000"/>
+              </a:lnSpc>
+              <a:buNone/>
+            </a:pPr>
+            <a:endParaRPr lang="en-US" sz="2400" dirty="0"/>
+          </a:p>
+          <a:p>
+            <a:pPr indent="0" algn="ctr">
+              <a:lnSpc>
+                <a:spcPct val="150000"/>
+              </a:lnSpc>
+              <a:buNone/>
+            </a:pPr>
+            <a:r>
+              <a:rPr lang="en-US" sz="4000" dirty="0"/>
+              <a:t>Övning 3</a:t>
+            </a:r>
+            <a:endParaRPr lang="en-US" sz="3200" dirty="0">
+              <a:sym typeface="Wingdings"/>
+            </a:endParaRPr>
           </a:p>
         </p:txBody>
       </p:sp>
     </p:spTree>
     <p:extLst>
       <p:ext uri="{BB962C8B-B14F-4D97-AF65-F5344CB8AC3E}">
-        <p14:creationId xmlns:p14="http://schemas.microsoft.com/office/powerpoint/2010/main" val="1534231349"/>
+        <p14:creationId xmlns:p14="http://schemas.microsoft.com/office/powerpoint/2010/main" val="1068330269"/>
       </p:ext>
     </p:extLst>
   </p:cSld>
@@ -6514,6 +6621,14 @@
           <a:bodyPr/>
           <a:lstStyle/>
           <a:p>
+            <a:r>
+              <a:rPr lang="en-US"/>
+              <a:t>Fundera över</a:t>
+            </a:r>
+            <a:r>
+              <a:rPr lang="is-IS"/>
+              <a:t>…</a:t>
+            </a:r>
             <a:endParaRPr lang="en-US"/>
           </a:p>
         </p:txBody>
@@ -6535,44 +6650,46 @@
           </a:bodyPr>
           <a:lstStyle/>
           <a:p>
-            <a:pPr indent="0" algn="ctr">
-              <a:lnSpc>
-                <a:spcPct val="150000"/>
-              </a:lnSpc>
-              <a:buNone/>
-            </a:pPr>
-            <a:endParaRPr lang="en-US" sz="2400" dirty="0"/>
-          </a:p>
-          <a:p>
-            <a:pPr indent="0" algn="ctr">
-              <a:lnSpc>
-                <a:spcPct val="150000"/>
-              </a:lnSpc>
-              <a:buNone/>
-            </a:pPr>
-            <a:endParaRPr lang="en-US" sz="2400" dirty="0"/>
-          </a:p>
-          <a:p>
-            <a:pPr indent="0" algn="ctr">
-              <a:lnSpc>
-                <a:spcPct val="150000"/>
-              </a:lnSpc>
-              <a:buNone/>
-            </a:pPr>
-            <a:r>
-              <a:rPr lang="en-US" sz="4000" dirty="0"/>
-              <a:t>Övning 5</a:t>
-            </a:r>
-            <a:endParaRPr lang="en-US" sz="3200" dirty="0">
-              <a:sym typeface="Wingdings"/>
-            </a:endParaRPr>
+            <a:pPr marL="571500" indent="-342900">
+              <a:lnSpc>
+                <a:spcPct val="150000"/>
+              </a:lnSpc>
+            </a:pPr>
+            <a:r>
+              <a:rPr lang="en-US" sz="2400" dirty="0"/>
+              <a:t>Hur förhåller sig de här principerna till övningen?</a:t>
+            </a:r>
+          </a:p>
+          <a:p>
+            <a:pPr indent="0">
+              <a:lnSpc>
+                <a:spcPct val="150000"/>
+              </a:lnSpc>
+              <a:buNone/>
+            </a:pPr>
+            <a:r>
+              <a:rPr lang="en-US" sz="2400" dirty="0"/>
+              <a:t>	KISS – Keep It Simple and Stupid</a:t>
+            </a:r>
+          </a:p>
+          <a:p>
+            <a:pPr indent="0">
+              <a:lnSpc>
+                <a:spcPct val="150000"/>
+              </a:lnSpc>
+              <a:buNone/>
+            </a:pPr>
+            <a:r>
+              <a:rPr lang="en-US" sz="2400" dirty="0"/>
+              <a:t>	YAGNI – You Aren’t Gonna Need It</a:t>
+            </a:r>
           </a:p>
         </p:txBody>
       </p:sp>
     </p:spTree>
     <p:extLst>
       <p:ext uri="{BB962C8B-B14F-4D97-AF65-F5344CB8AC3E}">
-        <p14:creationId xmlns:p14="http://schemas.microsoft.com/office/powerpoint/2010/main" val="96904823"/>
+        <p14:creationId xmlns:p14="http://schemas.microsoft.com/office/powerpoint/2010/main" val="343460669"/>
       </p:ext>
     </p:extLst>
   </p:cSld>
@@ -6614,14 +6731,6 @@
           <a:bodyPr/>
           <a:lstStyle/>
           <a:p>
-            <a:r>
-              <a:rPr lang="en-US"/>
-              <a:t>Tänk på</a:t>
-            </a:r>
-            <a:r>
-              <a:rPr lang="is-IS"/>
-              <a:t>…</a:t>
-            </a:r>
             <a:endParaRPr lang="en-US"/>
           </a:p>
         </p:txBody>
@@ -6643,33 +6752,44 @@
           </a:bodyPr>
           <a:lstStyle/>
           <a:p>
-            <a:pPr marL="571500" indent="-342900">
-              <a:lnSpc>
-                <a:spcPct val="150000"/>
-              </a:lnSpc>
-            </a:pPr>
-            <a:r>
-              <a:rPr lang="en-US" sz="2400" dirty="0"/>
-              <a:t>Moduluppdelning, single responsibility principle</a:t>
-            </a:r>
-          </a:p>
-          <a:p>
-            <a:pPr marL="571500" indent="-342900">
-              <a:lnSpc>
-                <a:spcPct val="150000"/>
-              </a:lnSpc>
-            </a:pPr>
-            <a:r>
-              <a:rPr lang="en-US" sz="2400" dirty="0"/>
-              <a:t>Felhantering</a:t>
-            </a:r>
+            <a:pPr indent="0" algn="ctr">
+              <a:lnSpc>
+                <a:spcPct val="150000"/>
+              </a:lnSpc>
+              <a:buNone/>
+            </a:pPr>
+            <a:endParaRPr lang="en-US" sz="2400" dirty="0"/>
+          </a:p>
+          <a:p>
+            <a:pPr indent="0" algn="ctr">
+              <a:lnSpc>
+                <a:spcPct val="150000"/>
+              </a:lnSpc>
+              <a:buNone/>
+            </a:pPr>
+            <a:endParaRPr lang="en-US" sz="2400" dirty="0"/>
+          </a:p>
+          <a:p>
+            <a:pPr indent="0" algn="ctr">
+              <a:lnSpc>
+                <a:spcPct val="150000"/>
+              </a:lnSpc>
+              <a:buNone/>
+            </a:pPr>
+            <a:r>
+              <a:rPr lang="en-US" sz="4000" dirty="0"/>
+              <a:t>Övning 4</a:t>
+            </a:r>
+            <a:endParaRPr lang="en-US" sz="3200" dirty="0">
+              <a:sym typeface="Wingdings"/>
+            </a:endParaRPr>
           </a:p>
         </p:txBody>
       </p:sp>
     </p:spTree>
     <p:extLst>
       <p:ext uri="{BB962C8B-B14F-4D97-AF65-F5344CB8AC3E}">
-        <p14:creationId xmlns:p14="http://schemas.microsoft.com/office/powerpoint/2010/main" val="990133114"/>
+        <p14:creationId xmlns:p14="http://schemas.microsoft.com/office/powerpoint/2010/main" val="1494645088"/>
       </p:ext>
     </p:extLst>
   </p:cSld>
@@ -6711,6 +6831,14 @@
           <a:bodyPr/>
           <a:lstStyle/>
           <a:p>
+            <a:r>
+              <a:rPr lang="en-US"/>
+              <a:t>Tänk på</a:t>
+            </a:r>
+            <a:r>
+              <a:rPr lang="is-IS"/>
+              <a:t>…</a:t>
+            </a:r>
             <a:endParaRPr lang="en-US"/>
           </a:p>
         </p:txBody>
@@ -6732,43 +6860,68 @@
           </a:bodyPr>
           <a:lstStyle/>
           <a:p>
-            <a:pPr indent="0" algn="ctr">
-              <a:lnSpc>
-                <a:spcPct val="150000"/>
-              </a:lnSpc>
-              <a:buNone/>
-            </a:pPr>
-            <a:endParaRPr lang="en-US" sz="2400" dirty="0"/>
-          </a:p>
-          <a:p>
-            <a:pPr indent="0" algn="ctr">
-              <a:lnSpc>
-                <a:spcPct val="150000"/>
-              </a:lnSpc>
-              <a:buNone/>
-            </a:pPr>
-            <a:r>
-              <a:rPr lang="en-US" sz="4000" dirty="0"/>
-              <a:t>Single Responsibility Principle – Varje modul har </a:t>
-            </a:r>
-            <a:r>
-              <a:rPr lang="en-US" sz="4000" i="1" dirty="0"/>
-              <a:t>ett enda </a:t>
-            </a:r>
-            <a:r>
-              <a:rPr lang="en-US" sz="4000" dirty="0"/>
-              <a:t>ansvar</a:t>
-            </a:r>
-            <a:endParaRPr lang="en-US" sz="3200" dirty="0">
-              <a:sym typeface="Wingdings"/>
-            </a:endParaRPr>
+            <a:pPr marL="571500" indent="-342900">
+              <a:lnSpc>
+                <a:spcPct val="150000"/>
+              </a:lnSpc>
+            </a:pPr>
+            <a:r>
+              <a:rPr lang="en-US" sz="2400" dirty="0"/>
+              <a:t>State vs. stateless objekt</a:t>
+            </a:r>
+          </a:p>
+          <a:p>
+            <a:pPr indent="0">
+              <a:lnSpc>
+                <a:spcPct val="150000"/>
+              </a:lnSpc>
+              <a:buNone/>
+            </a:pPr>
+            <a:r>
+              <a:rPr lang="en-US" sz="2000" dirty="0"/>
+              <a:t>	När vill man använda objekt med state resp. utan?</a:t>
+            </a:r>
+          </a:p>
+          <a:p>
+            <a:pPr marL="571500" indent="-342900">
+              <a:lnSpc>
+                <a:spcPct val="150000"/>
+              </a:lnSpc>
+            </a:pPr>
+            <a:r>
+              <a:rPr lang="en-US" sz="2400" dirty="0"/>
+              <a:t>Trådsäkerhet</a:t>
+            </a:r>
+          </a:p>
+          <a:p>
+            <a:pPr marL="571500" indent="-342900">
+              <a:lnSpc>
+                <a:spcPct val="150000"/>
+              </a:lnSpc>
+            </a:pPr>
+            <a:r>
+              <a:rPr lang="en-US" sz="2400" dirty="0"/>
+              <a:t>Databasaccess och transationer</a:t>
+            </a:r>
+          </a:p>
+          <a:p>
+            <a:pPr lvl="1" indent="0">
+              <a:lnSpc>
+                <a:spcPct val="150000"/>
+              </a:lnSpc>
+              <a:buNone/>
+            </a:pPr>
+            <a:r>
+              <a:rPr lang="en-US" sz="2000" dirty="0"/>
+              <a:t>Vad måste man tänka på när flera trådar kan komma åt samma databas?</a:t>
+            </a:r>
           </a:p>
         </p:txBody>
       </p:sp>
     </p:spTree>
     <p:extLst>
       <p:ext uri="{BB962C8B-B14F-4D97-AF65-F5344CB8AC3E}">
-        <p14:creationId xmlns:p14="http://schemas.microsoft.com/office/powerpoint/2010/main" val="900011648"/>
+        <p14:creationId xmlns:p14="http://schemas.microsoft.com/office/powerpoint/2010/main" val="107420747"/>
       </p:ext>
     </p:extLst>
   </p:cSld>
@@ -6949,10 +7102,6 @@
           <a:bodyPr/>
           <a:lstStyle/>
           <a:p>
-            <a:r>
-              <a:rPr lang="sv-SE"/>
-              <a:t>Felhantering</a:t>
-            </a:r>
             <a:endParaRPr lang="en-US"/>
           </a:p>
         </p:txBody>
@@ -6974,82 +7123,35 @@
           </a:bodyPr>
           <a:lstStyle/>
           <a:p>
-            <a:pPr marL="571500" indent="-342900">
-              <a:lnSpc>
-                <a:spcPct val="150000"/>
-              </a:lnSpc>
-            </a:pPr>
-            <a:r>
-              <a:rPr lang="en-US" sz="2400" dirty="0"/>
-              <a:t>Viktigt att förutse vilka fel (Exceptions) som kan dyka upp under normal körning</a:t>
-            </a:r>
-          </a:p>
-          <a:p>
-            <a:pPr marL="571500" indent="-342900">
-              <a:lnSpc>
-                <a:spcPct val="150000"/>
-              </a:lnSpc>
-            </a:pPr>
-            <a:r>
-              <a:rPr lang="en-US" sz="2400" dirty="0"/>
-              <a:t>Minst lika viktigt att komma överens om hur de ska hanteras!</a:t>
-            </a:r>
-          </a:p>
-          <a:p>
-            <a:pPr lvl="1" indent="0">
-              <a:lnSpc>
-                <a:spcPct val="150000"/>
-              </a:lnSpc>
-              <a:buNone/>
-            </a:pPr>
-            <a:r>
-              <a:rPr lang="en-US" sz="2000" dirty="0"/>
-              <a:t>Vilka fel ska användaren meddelas om?</a:t>
-            </a:r>
-          </a:p>
-          <a:p>
-            <a:pPr lvl="1" indent="0">
-              <a:lnSpc>
-                <a:spcPct val="150000"/>
-              </a:lnSpc>
-              <a:buNone/>
-            </a:pPr>
-            <a:r>
-              <a:rPr lang="en-US" sz="2000" dirty="0"/>
-              <a:t>Vilka fel ska krascha applikationen?</a:t>
-            </a:r>
-          </a:p>
-          <a:p>
-            <a:pPr lvl="1" indent="0">
-              <a:lnSpc>
-                <a:spcPct val="150000"/>
-              </a:lnSpc>
-              <a:buNone/>
-            </a:pPr>
-            <a:r>
-              <a:rPr lang="en-US" sz="2000" dirty="0"/>
-              <a:t>Vilka fel kan vi leva med, men fortsätta exekveringen?</a:t>
-            </a:r>
-          </a:p>
-          <a:p>
-            <a:pPr lvl="1" indent="0">
-              <a:lnSpc>
-                <a:spcPct val="150000"/>
-              </a:lnSpc>
-              <a:buNone/>
-            </a:pPr>
-            <a:r>
-              <a:rPr lang="is-IS" sz="2000" dirty="0"/>
-              <a:t>... Etc</a:t>
-            </a:r>
-            <a:endParaRPr lang="en-US" sz="2000" dirty="0"/>
+            <a:pPr indent="0" algn="ctr">
+              <a:lnSpc>
+                <a:spcPct val="150000"/>
+              </a:lnSpc>
+              <a:buNone/>
+            </a:pPr>
+            <a:endParaRPr lang="en-US" sz="2400" dirty="0"/>
+          </a:p>
+          <a:p>
+            <a:pPr indent="0" algn="ctr">
+              <a:lnSpc>
+                <a:spcPct val="150000"/>
+              </a:lnSpc>
+              <a:buNone/>
+            </a:pPr>
+            <a:r>
+              <a:rPr lang="en-US" sz="4000" dirty="0"/>
+              <a:t>Vanligt misstag #1: Klasser innehåller onödigt föränderligt tillstånd</a:t>
+            </a:r>
+            <a:endParaRPr lang="en-US" sz="3200" dirty="0">
+              <a:sym typeface="Wingdings"/>
+            </a:endParaRPr>
           </a:p>
         </p:txBody>
       </p:sp>
     </p:spTree>
     <p:extLst>
       <p:ext uri="{BB962C8B-B14F-4D97-AF65-F5344CB8AC3E}">
-        <p14:creationId xmlns:p14="http://schemas.microsoft.com/office/powerpoint/2010/main" val="689333628"/>
+        <p14:creationId xmlns:p14="http://schemas.microsoft.com/office/powerpoint/2010/main" val="1208717311"/>
       </p:ext>
     </p:extLst>
   </p:cSld>
@@ -7091,7 +7193,10 @@
           <a:bodyPr/>
           <a:lstStyle/>
           <a:p>
-            <a:endParaRPr lang="en-US"/>
+            <a:r>
+              <a:rPr lang="en-US"/>
+              <a:t>Övning 4</a:t>
+            </a:r>
           </a:p>
         </p:txBody>
       </p:sp>
@@ -7112,44 +7217,58 @@
           </a:bodyPr>
           <a:lstStyle/>
           <a:p>
-            <a:pPr indent="0" algn="ctr">
-              <a:lnSpc>
-                <a:spcPct val="150000"/>
-              </a:lnSpc>
-              <a:buNone/>
-            </a:pPr>
-            <a:endParaRPr lang="en-US" sz="2400" dirty="0"/>
-          </a:p>
-          <a:p>
-            <a:pPr indent="0" algn="ctr">
-              <a:lnSpc>
-                <a:spcPct val="150000"/>
-              </a:lnSpc>
-              <a:buNone/>
-            </a:pPr>
-            <a:endParaRPr lang="en-US" sz="2400" dirty="0"/>
-          </a:p>
-          <a:p>
-            <a:pPr indent="0" algn="ctr">
-              <a:lnSpc>
-                <a:spcPct val="150000"/>
-              </a:lnSpc>
-              <a:buNone/>
-            </a:pPr>
-            <a:r>
-              <a:rPr lang="en-US" sz="4000" dirty="0"/>
-              <a:t>Övning 6</a:t>
-            </a:r>
-            <a:endParaRPr lang="en-US" sz="3200" dirty="0">
-              <a:sym typeface="Wingdings"/>
-            </a:endParaRPr>
+            <a:pPr marL="571500" indent="-342900">
+              <a:lnSpc>
+                <a:spcPct val="150000"/>
+              </a:lnSpc>
+            </a:pPr>
+            <a:r>
+              <a:rPr lang="en-US" sz="2400" dirty="0"/>
+              <a:t>Problem eftersom:</a:t>
+            </a:r>
+          </a:p>
+          <a:p>
+            <a:pPr indent="0">
+              <a:lnSpc>
+                <a:spcPct val="150000"/>
+              </a:lnSpc>
+              <a:buNone/>
+            </a:pPr>
+            <a:r>
+              <a:rPr lang="en-US" sz="2400" dirty="0"/>
+              <a:t>	Tillstånd kan bli inkonsekvent</a:t>
+            </a:r>
+          </a:p>
+          <a:p>
+            <a:pPr indent="0">
+              <a:lnSpc>
+                <a:spcPct val="150000"/>
+              </a:lnSpc>
+              <a:buNone/>
+            </a:pPr>
+            <a:r>
+              <a:rPr lang="en-US" sz="2400" dirty="0"/>
+              <a:t>	Tillståndet kan ändras oväntat</a:t>
+            </a:r>
+          </a:p>
+          <a:p>
+            <a:pPr indent="0">
+              <a:lnSpc>
+                <a:spcPct val="150000"/>
+              </a:lnSpc>
+              <a:buNone/>
+            </a:pPr>
+            <a:r>
+              <a:rPr lang="en-US" sz="2400" dirty="0"/>
+              <a:t>	Trådsäkerheten kan bli dyr och problematisk</a:t>
+            </a:r>
           </a:p>
         </p:txBody>
       </p:sp>
     </p:spTree>
     <p:extLst>
       <p:ext uri="{BB962C8B-B14F-4D97-AF65-F5344CB8AC3E}">
-        <p14:creationId xmlns:p14="http://schemas.microsoft.com/office/powerpoint/2010/main" val="599319601"/>
+        <p14:creationId xmlns:p14="http://schemas.microsoft.com/office/powerpoint/2010/main" val="1534231349"/>
       </p:ext>
     </p:extLst>
   </p:cSld>
@@ -7191,14 +7310,6 @@
           <a:bodyPr/>
           <a:lstStyle/>
           <a:p>
-            <a:r>
-              <a:rPr lang="sv-SE"/>
-              <a:t>Tänk på</a:t>
-            </a:r>
-            <a:r>
-              <a:rPr lang="is-IS"/>
-              <a:t>…</a:t>
-            </a:r>
             <a:endParaRPr lang="en-US"/>
           </a:p>
         </p:txBody>
@@ -7220,48 +7331,44 @@
           </a:bodyPr>
           <a:lstStyle/>
           <a:p>
-            <a:pPr indent="0">
-              <a:lnSpc>
-                <a:spcPct val="150000"/>
-              </a:lnSpc>
-              <a:buNone/>
-            </a:pPr>
-            <a:r>
-              <a:rPr lang="en-US" sz="2400" dirty="0"/>
-              <a:t>Composition vs. Inheritance</a:t>
-            </a:r>
-          </a:p>
-          <a:p>
-            <a:pPr lvl="1" indent="0">
-              <a:lnSpc>
-                <a:spcPct val="150000"/>
-              </a:lnSpc>
-              <a:buNone/>
-            </a:pPr>
-            <a:r>
-              <a:rPr lang="sv-SE" sz="1800" dirty="0"/>
-              <a:t>Vad är vad? När vill man använda den ena men inte den andra?</a:t>
-            </a:r>
-          </a:p>
-          <a:p>
-            <a:pPr lvl="1" indent="0">
-              <a:lnSpc>
-                <a:spcPct val="150000"/>
-              </a:lnSpc>
-              <a:buNone/>
-            </a:pPr>
-            <a:r>
-              <a:rPr lang="sv-SE" sz="1800" dirty="0"/>
-              <a:t>Hur skulle klasserna kunna se ut om man vill använda respektive?</a:t>
-            </a:r>
-            <a:endParaRPr lang="en-US" sz="1800" dirty="0"/>
+            <a:pPr indent="0" algn="ctr">
+              <a:lnSpc>
+                <a:spcPct val="150000"/>
+              </a:lnSpc>
+              <a:buNone/>
+            </a:pPr>
+            <a:endParaRPr lang="en-US" sz="2400" dirty="0"/>
+          </a:p>
+          <a:p>
+            <a:pPr indent="0" algn="ctr">
+              <a:lnSpc>
+                <a:spcPct val="150000"/>
+              </a:lnSpc>
+              <a:buNone/>
+            </a:pPr>
+            <a:endParaRPr lang="en-US" sz="2400" dirty="0"/>
+          </a:p>
+          <a:p>
+            <a:pPr indent="0" algn="ctr">
+              <a:lnSpc>
+                <a:spcPct val="150000"/>
+              </a:lnSpc>
+              <a:buNone/>
+            </a:pPr>
+            <a:r>
+              <a:rPr lang="en-US" sz="4000" dirty="0"/>
+              <a:t>Övning 5</a:t>
+            </a:r>
+            <a:endParaRPr lang="en-US" sz="3200" dirty="0">
+              <a:sym typeface="Wingdings"/>
+            </a:endParaRPr>
           </a:p>
         </p:txBody>
       </p:sp>
     </p:spTree>
     <p:extLst>
       <p:ext uri="{BB962C8B-B14F-4D97-AF65-F5344CB8AC3E}">
-        <p14:creationId xmlns:p14="http://schemas.microsoft.com/office/powerpoint/2010/main" val="325845274"/>
+        <p14:creationId xmlns:p14="http://schemas.microsoft.com/office/powerpoint/2010/main" val="96904823"/>
       </p:ext>
     </p:extLst>
   </p:cSld>
@@ -7303,6 +7410,14 @@
           <a:bodyPr/>
           <a:lstStyle/>
           <a:p>
+            <a:r>
+              <a:rPr lang="en-US"/>
+              <a:t>Tänk på</a:t>
+            </a:r>
+            <a:r>
+              <a:rPr lang="is-IS"/>
+              <a:t>…</a:t>
+            </a:r>
             <a:endParaRPr lang="en-US"/>
           </a:p>
         </p:txBody>
@@ -7324,35 +7439,33 @@
           </a:bodyPr>
           <a:lstStyle/>
           <a:p>
-            <a:pPr indent="0" algn="ctr">
-              <a:lnSpc>
-                <a:spcPct val="150000"/>
-              </a:lnSpc>
-              <a:buNone/>
-            </a:pPr>
-            <a:endParaRPr lang="en-US" sz="2400" dirty="0"/>
-          </a:p>
-          <a:p>
-            <a:pPr indent="0" algn="ctr">
-              <a:lnSpc>
-                <a:spcPct val="150000"/>
-              </a:lnSpc>
-              <a:buNone/>
-            </a:pPr>
-            <a:r>
-              <a:rPr lang="en-US" sz="4000" dirty="0"/>
-              <a:t>Vanlig miss #2: Arv används istället för delegering</a:t>
-            </a:r>
-            <a:endParaRPr lang="en-US" sz="3200" dirty="0">
-              <a:sym typeface="Wingdings"/>
-            </a:endParaRPr>
+            <a:pPr marL="571500" indent="-342900">
+              <a:lnSpc>
+                <a:spcPct val="150000"/>
+              </a:lnSpc>
+            </a:pPr>
+            <a:r>
+              <a:rPr lang="en-US" sz="2400" dirty="0"/>
+              <a:t>Moduluppdelning, single responsibility principle</a:t>
+            </a:r>
+          </a:p>
+          <a:p>
+            <a:pPr marL="571500" indent="-342900">
+              <a:lnSpc>
+                <a:spcPct val="150000"/>
+              </a:lnSpc>
+            </a:pPr>
+            <a:r>
+              <a:rPr lang="en-US" sz="2400" dirty="0"/>
+              <a:t>Felhantering</a:t>
+            </a:r>
           </a:p>
         </p:txBody>
       </p:sp>
     </p:spTree>
     <p:extLst>
       <p:ext uri="{BB962C8B-B14F-4D97-AF65-F5344CB8AC3E}">
-        <p14:creationId xmlns:p14="http://schemas.microsoft.com/office/powerpoint/2010/main" val="1879993866"/>
+        <p14:creationId xmlns:p14="http://schemas.microsoft.com/office/powerpoint/2010/main" val="990133114"/>
       </p:ext>
     </p:extLst>
   </p:cSld>
@@ -7394,14 +7507,6 @@
           <a:bodyPr/>
           <a:lstStyle/>
           <a:p>
-            <a:r>
-              <a:rPr lang="sv-SE"/>
-              <a:t>Och</a:t>
-            </a:r>
-            <a:r>
-              <a:rPr lang="is-IS"/>
-              <a:t>…?</a:t>
-            </a:r>
             <a:endParaRPr lang="en-US"/>
           </a:p>
         </p:txBody>
@@ -7423,48 +7528,52 @@
           </a:bodyPr>
           <a:lstStyle/>
           <a:p>
-            <a:pPr indent="0">
-              <a:lnSpc>
-                <a:spcPct val="150000"/>
-              </a:lnSpc>
-              <a:buNone/>
-            </a:pPr>
-            <a:r>
-              <a:rPr lang="sv-SE" sz="2400" dirty="0"/>
-              <a:t>Problem eftersom</a:t>
-            </a:r>
-          </a:p>
-          <a:p>
-            <a:pPr lvl="1" indent="0">
-              <a:lnSpc>
-                <a:spcPct val="150000"/>
-              </a:lnSpc>
-              <a:buNone/>
-            </a:pPr>
-            <a:r>
-              <a:rPr lang="sv-SE" sz="1800" dirty="0"/>
-              <a:t>Designen blir mindre flexibel</a:t>
-            </a:r>
-          </a:p>
-          <a:p>
-            <a:pPr lvl="1" indent="0">
-              <a:lnSpc>
-                <a:spcPct val="150000"/>
-              </a:lnSpc>
-              <a:buNone/>
-            </a:pPr>
-            <a:r>
-              <a:rPr lang="sv-SE" sz="1800" dirty="0"/>
-              <a:t>Svårare att återanvända funktionalitet</a:t>
-            </a:r>
-            <a:endParaRPr lang="en-US" sz="1800" dirty="0"/>
+            <a:pPr indent="0" algn="ctr">
+              <a:lnSpc>
+                <a:spcPct val="150000"/>
+              </a:lnSpc>
+              <a:buNone/>
+            </a:pPr>
+            <a:endParaRPr lang="en-US" sz="2400" dirty="0"/>
+          </a:p>
+          <a:p>
+            <a:pPr indent="0" algn="ctr">
+              <a:lnSpc>
+                <a:spcPct val="150000"/>
+              </a:lnSpc>
+              <a:buNone/>
+            </a:pPr>
+            <a:endParaRPr lang="en-US" dirty="0"/>
+          </a:p>
+          <a:p>
+            <a:pPr indent="0" algn="ctr">
+              <a:lnSpc>
+                <a:spcPct val="150000"/>
+              </a:lnSpc>
+              <a:buNone/>
+            </a:pPr>
+            <a:r>
+              <a:rPr lang="en-US" dirty="0"/>
+              <a:t>Single Responsibility Principle – Varje modul har </a:t>
+            </a:r>
+            <a:r>
+              <a:rPr lang="en-US" i="1" dirty="0"/>
+              <a:t>ett enda </a:t>
+            </a:r>
+            <a:r>
+              <a:rPr lang="en-US" dirty="0"/>
+              <a:t>ansvar</a:t>
+            </a:r>
+            <a:endParaRPr lang="en-US" sz="2000" dirty="0">
+              <a:sym typeface="Wingdings"/>
+            </a:endParaRPr>
           </a:p>
         </p:txBody>
       </p:sp>
     </p:spTree>
     <p:extLst>
       <p:ext uri="{BB962C8B-B14F-4D97-AF65-F5344CB8AC3E}">
-        <p14:creationId xmlns:p14="http://schemas.microsoft.com/office/powerpoint/2010/main" val="1758840933"/>
+        <p14:creationId xmlns:p14="http://schemas.microsoft.com/office/powerpoint/2010/main" val="900011648"/>
       </p:ext>
     </p:extLst>
   </p:cSld>
@@ -7506,6 +7615,10 @@
           <a:bodyPr/>
           <a:lstStyle/>
           <a:p>
+            <a:r>
+              <a:rPr lang="sv-SE"/>
+              <a:t>Felhantering</a:t>
+            </a:r>
             <a:endParaRPr lang="en-US"/>
           </a:p>
         </p:txBody>
@@ -7527,35 +7640,22 @@
           </a:bodyPr>
           <a:lstStyle/>
           <a:p>
-            <a:pPr indent="0" algn="ctr">
-              <a:lnSpc>
-                <a:spcPct val="150000"/>
-              </a:lnSpc>
-              <a:buNone/>
-            </a:pPr>
-            <a:endParaRPr lang="en-US" sz="2400" dirty="0"/>
-          </a:p>
-          <a:p>
-            <a:pPr indent="0" algn="ctr">
-              <a:lnSpc>
-                <a:spcPct val="150000"/>
-              </a:lnSpc>
-              <a:buNone/>
-            </a:pPr>
-            <a:r>
-              <a:rPr lang="en-US" sz="4000" dirty="0"/>
-              <a:t>Favor composition over inheritance</a:t>
-            </a:r>
-            <a:endParaRPr lang="en-US" sz="3200" dirty="0">
-              <a:sym typeface="Wingdings"/>
-            </a:endParaRPr>
+            <a:pPr marL="571500" indent="-342900">
+              <a:lnSpc>
+                <a:spcPct val="150000"/>
+              </a:lnSpc>
+            </a:pPr>
+            <a:r>
+              <a:rPr lang="en-US" sz="2400" dirty="0"/>
+              <a:t>Viktigt att förutse vilka fel (Exceptions) som kan dyka upp under normal körning</a:t>
+            </a:r>
           </a:p>
         </p:txBody>
       </p:sp>
     </p:spTree>
     <p:extLst>
       <p:ext uri="{BB962C8B-B14F-4D97-AF65-F5344CB8AC3E}">
-        <p14:creationId xmlns:p14="http://schemas.microsoft.com/office/powerpoint/2010/main" val="38069203"/>
+        <p14:creationId xmlns:p14="http://schemas.microsoft.com/office/powerpoint/2010/main" val="689333628"/>
       </p:ext>
     </p:extLst>
   </p:cSld>
@@ -7597,6 +7697,10 @@
           <a:bodyPr/>
           <a:lstStyle/>
           <a:p>
+            <a:r>
+              <a:rPr lang="sv-SE"/>
+              <a:t>Felhantering</a:t>
+            </a:r>
             <a:endParaRPr lang="en-US"/>
           </a:p>
         </p:txBody>
@@ -7618,35 +7722,33 @@
           </a:bodyPr>
           <a:lstStyle/>
           <a:p>
-            <a:pPr indent="0" algn="ctr">
-              <a:lnSpc>
-                <a:spcPct val="150000"/>
-              </a:lnSpc>
-              <a:buNone/>
-            </a:pPr>
-            <a:endParaRPr lang="en-US" sz="2400" dirty="0"/>
-          </a:p>
-          <a:p>
-            <a:pPr indent="0" algn="ctr">
-              <a:lnSpc>
-                <a:spcPct val="150000"/>
-              </a:lnSpc>
-              <a:buNone/>
-            </a:pPr>
-            <a:r>
-              <a:rPr lang="en-US" sz="4000" dirty="0"/>
-              <a:t>Open/Closed principle – Klasser ska vara möjliga att utöka, inte ändras</a:t>
-            </a:r>
-            <a:endParaRPr lang="en-US" sz="3200" dirty="0">
-              <a:sym typeface="Wingdings"/>
-            </a:endParaRPr>
+            <a:pPr marL="571500" indent="-342900">
+              <a:lnSpc>
+                <a:spcPct val="150000"/>
+              </a:lnSpc>
+            </a:pPr>
+            <a:r>
+              <a:rPr lang="en-US" sz="2400" dirty="0"/>
+              <a:t>Viktigt att förutse vilka fel (Exceptions) som kan dyka upp under normal körning</a:t>
+            </a:r>
+          </a:p>
+          <a:p>
+            <a:pPr marL="571500" indent="-342900">
+              <a:lnSpc>
+                <a:spcPct val="150000"/>
+              </a:lnSpc>
+            </a:pPr>
+            <a:r>
+              <a:rPr lang="en-US" sz="2400" dirty="0"/>
+              <a:t>Minst lika viktigt att komma överens om hur de ska hanteras!</a:t>
+            </a:r>
           </a:p>
         </p:txBody>
       </p:sp>
     </p:spTree>
     <p:extLst>
       <p:ext uri="{BB962C8B-B14F-4D97-AF65-F5344CB8AC3E}">
-        <p14:creationId xmlns:p14="http://schemas.microsoft.com/office/powerpoint/2010/main" val="651962234"/>
+        <p14:creationId xmlns:p14="http://schemas.microsoft.com/office/powerpoint/2010/main" val="1425091873"/>
       </p:ext>
     </p:extLst>
   </p:cSld>
@@ -7690,7 +7792,7 @@
           <a:p>
             <a:r>
               <a:rPr lang="sv-SE"/>
-              <a:t>Allmänt</a:t>
+              <a:t>Felhantering</a:t>
             </a:r>
             <a:endParaRPr lang="en-US"/>
           </a:p>
@@ -7713,78 +7815,82 @@
           </a:bodyPr>
           <a:lstStyle/>
           <a:p>
-            <a:pPr marL="0" indent="0">
-              <a:lnSpc>
-                <a:spcPct val="150000"/>
-              </a:lnSpc>
-              <a:buNone/>
-            </a:pPr>
-            <a:r>
-              <a:rPr lang="en-US" sz="2400"/>
-              <a:t>Övriga tips:</a:t>
-            </a:r>
-          </a:p>
-          <a:p>
-            <a:pPr marL="457200" lvl="1" indent="0">
-              <a:lnSpc>
-                <a:spcPct val="150000"/>
-              </a:lnSpc>
-              <a:buNone/>
-            </a:pPr>
-            <a:r>
-              <a:rPr lang="en-US" sz="2000"/>
-              <a:t>Enhetlig kodstil i varje projekt – Dvs enas om whitespace, if/else-struktur, try-catch, exceptionhantering osv</a:t>
-            </a:r>
-          </a:p>
-          <a:p>
-            <a:pPr marL="457200" lvl="1" indent="0">
-              <a:lnSpc>
-                <a:spcPct val="150000"/>
-              </a:lnSpc>
-              <a:buNone/>
-            </a:pPr>
-            <a:endParaRPr lang="en-US" sz="2400"/>
-          </a:p>
-          <a:p>
-            <a:pPr marL="457200" lvl="1" indent="0">
-              <a:lnSpc>
-                <a:spcPct val="150000"/>
-              </a:lnSpc>
-              <a:buNone/>
-            </a:pPr>
-            <a:r>
-              <a:rPr lang="en-US" sz="2000"/>
-              <a:t>Lär er ert IDE. Kortkommandon ska sitta i muskelminnet – Optimalt sett ska ni inte röra musen!</a:t>
-            </a:r>
-            <a:endParaRPr lang="en-US" sz="2400"/>
-          </a:p>
-          <a:p>
-            <a:pPr marL="457200" lvl="1" indent="0">
-              <a:lnSpc>
-                <a:spcPct val="150000"/>
-              </a:lnSpc>
-              <a:buNone/>
-            </a:pPr>
-            <a:endParaRPr lang="en-US" sz="2000"/>
-          </a:p>
-          <a:p>
-            <a:pPr marL="457200" lvl="1" indent="0">
-              <a:lnSpc>
-                <a:spcPct val="150000"/>
-              </a:lnSpc>
-              <a:buNone/>
-            </a:pPr>
-            <a:r>
-              <a:rPr lang="en-US" sz="2000"/>
-              <a:t>Dokumentera publika metoder – Även parametrarna! Kan de vara null? Kan metoden returnera null?</a:t>
-            </a:r>
+            <a:pPr marL="571500" indent="-342900">
+              <a:lnSpc>
+                <a:spcPct val="150000"/>
+              </a:lnSpc>
+            </a:pPr>
+            <a:r>
+              <a:rPr lang="en-US" sz="2400" dirty="0"/>
+              <a:t>Viktigt att förutse vilka fel (Exceptions) som kan dyka upp under normal körning</a:t>
+            </a:r>
+          </a:p>
+          <a:p>
+            <a:pPr marL="571500" indent="-342900">
+              <a:lnSpc>
+                <a:spcPct val="150000"/>
+              </a:lnSpc>
+            </a:pPr>
+            <a:r>
+              <a:rPr lang="en-US" sz="2400" dirty="0"/>
+              <a:t>Minst lika viktigt att komma överens om hur de ska hanteras!</a:t>
+            </a:r>
+          </a:p>
+          <a:p>
+            <a:pPr lvl="1" indent="0">
+              <a:lnSpc>
+                <a:spcPct val="150000"/>
+              </a:lnSpc>
+              <a:buNone/>
+            </a:pPr>
+            <a:r>
+              <a:rPr lang="en-US" sz="2000" dirty="0"/>
+              <a:t>Vilka fel ska användaren meddelas om?</a:t>
+            </a:r>
+          </a:p>
+          <a:p>
+            <a:pPr lvl="1" indent="0">
+              <a:lnSpc>
+                <a:spcPct val="150000"/>
+              </a:lnSpc>
+              <a:buNone/>
+            </a:pPr>
+            <a:r>
+              <a:rPr lang="en-US" sz="2000" dirty="0"/>
+              <a:t>Vilka fel ska krascha applikationen?</a:t>
+            </a:r>
+          </a:p>
+          <a:p>
+            <a:pPr lvl="1" indent="0">
+              <a:lnSpc>
+                <a:spcPct val="150000"/>
+              </a:lnSpc>
+              <a:buNone/>
+            </a:pPr>
+            <a:r>
+              <a:rPr lang="en-US" sz="2000" dirty="0"/>
+              <a:t>Vilka fel kan vi leva med, men fortsätta exekveringen?</a:t>
+            </a:r>
+          </a:p>
+          <a:p>
+            <a:pPr lvl="1" indent="0">
+              <a:lnSpc>
+                <a:spcPct val="150000"/>
+              </a:lnSpc>
+              <a:buNone/>
+            </a:pPr>
+            <a:r>
+              <a:rPr lang="is-IS" sz="2000" dirty="0"/>
+              <a:t>... Etc</a:t>
+            </a:r>
+            <a:endParaRPr lang="en-US" sz="2000" dirty="0"/>
           </a:p>
         </p:txBody>
       </p:sp>
     </p:spTree>
     <p:extLst>
       <p:ext uri="{BB962C8B-B14F-4D97-AF65-F5344CB8AC3E}">
-        <p14:creationId xmlns:p14="http://schemas.microsoft.com/office/powerpoint/2010/main" val="1294123271"/>
+        <p14:creationId xmlns:p14="http://schemas.microsoft.com/office/powerpoint/2010/main" val="1879524873"/>
       </p:ext>
     </p:extLst>
   </p:cSld>
@@ -7826,10 +7932,6 @@
           <a:bodyPr/>
           <a:lstStyle/>
           <a:p>
-            <a:r>
-              <a:rPr lang="sv-SE"/>
-              <a:t>Allmänt</a:t>
-            </a:r>
             <a:endParaRPr lang="en-US"/>
           </a:p>
         </p:txBody>
@@ -7851,120 +7953,44 @@
           </a:bodyPr>
           <a:lstStyle/>
           <a:p>
-            <a:pPr marL="0" indent="0">
-              <a:lnSpc>
-                <a:spcPct val="150000"/>
-              </a:lnSpc>
-              <a:buNone/>
-            </a:pPr>
-            <a:r>
-              <a:rPr lang="en-US" sz="2400"/>
-              <a:t>Övriga tips:</a:t>
-            </a:r>
-          </a:p>
-          <a:p>
-            <a:pPr marL="457200" lvl="1" indent="0">
-              <a:lnSpc>
-                <a:spcPct val="150000"/>
-              </a:lnSpc>
-              <a:buNone/>
-            </a:pPr>
-            <a:r>
-              <a:rPr lang="en-US"/>
-              <a:t>Korta men tydliga variabel/metodnamn. Vanligt problem att variabelnamn är för långa. </a:t>
-            </a:r>
-          </a:p>
-          <a:p>
-            <a:pPr marL="457200" lvl="1" indent="0">
-              <a:lnSpc>
-                <a:spcPct val="150000"/>
-              </a:lnSpc>
-              <a:buNone/>
-            </a:pPr>
-            <a:r>
-              <a:rPr lang="en-US"/>
-              <a:t>Jämför (Copy-pastat från produktionskod!):</a:t>
-            </a:r>
-          </a:p>
-          <a:p>
-            <a:pPr marL="457200" lvl="1" indent="0">
-              <a:lnSpc>
-                <a:spcPct val="150000"/>
-              </a:lnSpc>
-              <a:buNone/>
-            </a:pPr>
-            <a:r>
-              <a:rPr lang="en-US" sz="1400">
-                <a:latin typeface="Menlo" charset="0"/>
-                <a:ea typeface="Menlo" charset="0"/>
-                <a:cs typeface="Menlo" charset="0"/>
-              </a:rPr>
-              <a:t>persistComponentDeliveryInDatabaseIfNotAlreadyExistsInDatabase(componentDelivery);</a:t>
-            </a:r>
-          </a:p>
-          <a:p>
-            <a:pPr marL="457200" lvl="1" indent="0">
-              <a:lnSpc>
-                <a:spcPct val="150000"/>
-              </a:lnSpc>
-              <a:buNone/>
-            </a:pPr>
-            <a:r>
-              <a:rPr lang="de-DE"/>
-              <a:t>     Med:</a:t>
-            </a:r>
-          </a:p>
-          <a:p>
-            <a:pPr marL="457200" lvl="1" indent="0">
-              <a:lnSpc>
-                <a:spcPct val="150000"/>
-              </a:lnSpc>
-              <a:buNone/>
-            </a:pPr>
-            <a:r>
-              <a:rPr lang="de-DE" sz="1400">
-                <a:latin typeface="Menlo" charset="0"/>
-                <a:ea typeface="Menlo" charset="0"/>
-                <a:cs typeface="Menlo" charset="0"/>
-              </a:rPr>
-              <a:t>persistIfNotExists(componentDelivery);</a:t>
-            </a:r>
-            <a:endParaRPr lang="sv-SE" sz="1400">
-              <a:latin typeface="Menlo" charset="0"/>
-              <a:ea typeface="Menlo" charset="0"/>
-              <a:cs typeface="Menlo" charset="0"/>
+            <a:pPr indent="0" algn="ctr">
+              <a:lnSpc>
+                <a:spcPct val="150000"/>
+              </a:lnSpc>
+              <a:buNone/>
+            </a:pPr>
+            <a:endParaRPr lang="en-US" sz="2400" dirty="0"/>
+          </a:p>
+          <a:p>
+            <a:pPr indent="0" algn="ctr">
+              <a:lnSpc>
+                <a:spcPct val="150000"/>
+              </a:lnSpc>
+              <a:buNone/>
+            </a:pPr>
+            <a:endParaRPr lang="en-US" sz="2400" dirty="0"/>
+          </a:p>
+          <a:p>
+            <a:pPr indent="0" algn="ctr">
+              <a:lnSpc>
+                <a:spcPct val="150000"/>
+              </a:lnSpc>
+              <a:buNone/>
+            </a:pPr>
+            <a:r>
+              <a:rPr lang="en-US" sz="4000" dirty="0"/>
+              <a:t>Övning 6</a:t>
+            </a:r>
+            <a:endParaRPr lang="en-US" sz="3200" dirty="0">
+              <a:sym typeface="Wingdings"/>
             </a:endParaRPr>
-          </a:p>
-          <a:p>
-            <a:pPr marL="350838" lvl="1" indent="0">
-              <a:buNone/>
-            </a:pPr>
-            <a:r>
-              <a:rPr lang="en-US" sz="1400" b="1" smtClean="0">
-                <a:solidFill>
-                  <a:schemeClr val="bg1"/>
-                </a:solidFill>
-                <a:latin typeface="Consolas"/>
-              </a:rPr>
-              <a:t>persistIfNotExists(componentDelivery);</a:t>
-            </a:r>
-            <a:endParaRPr lang="sv-SE" sz="1400" smtClean="0"/>
-          </a:p>
-          <a:p>
-            <a:pPr marL="0" indent="0">
-              <a:lnSpc>
-                <a:spcPct val="150000"/>
-              </a:lnSpc>
-              <a:buNone/>
-            </a:pPr>
-            <a:endParaRPr lang="en-US" sz="2400"/>
           </a:p>
         </p:txBody>
       </p:sp>
     </p:spTree>
     <p:extLst>
       <p:ext uri="{BB962C8B-B14F-4D97-AF65-F5344CB8AC3E}">
-        <p14:creationId xmlns:p14="http://schemas.microsoft.com/office/powerpoint/2010/main" val="651599885"/>
+        <p14:creationId xmlns:p14="http://schemas.microsoft.com/office/powerpoint/2010/main" val="599319601"/>
       </p:ext>
     </p:extLst>
   </p:cSld>
@@ -8008,7 +8034,11 @@
           <a:p>
             <a:r>
               <a:rPr lang="sv-SE"/>
-              <a:t>Allmänt</a:t>
+              <a:t>Tänk på</a:t>
+            </a:r>
+            <a:r>
+              <a:rPr lang="is-IS"/>
+              <a:t>…</a:t>
             </a:r>
             <a:endParaRPr lang="en-US"/>
           </a:p>
@@ -8031,39 +8061,48 @@
           </a:bodyPr>
           <a:lstStyle/>
           <a:p>
-            <a:pPr marL="0" indent="0">
-              <a:lnSpc>
-                <a:spcPct val="150000"/>
-              </a:lnSpc>
-              <a:buNone/>
-            </a:pPr>
-            <a:r>
-              <a:rPr lang="en-US" sz="2400"/>
-              <a:t>Övriga tips:</a:t>
-            </a:r>
-          </a:p>
-          <a:p>
-            <a:pPr marL="457200" lvl="1" indent="0">
-              <a:lnSpc>
-                <a:spcPct val="150000"/>
-              </a:lnSpc>
-              <a:buNone/>
-            </a:pPr>
-            <a:r>
-              <a:rPr lang="sv-SE" sz="2000" i="1" smtClean="0"/>
-              <a:t>Debugging – </a:t>
-            </a:r>
-            <a:r>
-              <a:rPr lang="sv-SE" sz="2000" smtClean="0"/>
-              <a:t>Lär er att debugga ordentligt! Många problem är fullständigt olösliga utan att kunna stega igenom koden rad för rad</a:t>
-            </a:r>
+            <a:pPr indent="0">
+              <a:lnSpc>
+                <a:spcPct val="150000"/>
+              </a:lnSpc>
+              <a:buNone/>
+            </a:pPr>
+            <a:r>
+              <a:rPr lang="en-US" sz="2400" dirty="0"/>
+              <a:t>Composition vs. Inheritance</a:t>
+            </a:r>
+          </a:p>
+          <a:p>
+            <a:pPr lvl="1" indent="0">
+              <a:lnSpc>
+                <a:spcPct val="150000"/>
+              </a:lnSpc>
+              <a:buNone/>
+            </a:pPr>
+            <a:r>
+              <a:rPr lang="sv-SE" sz="1800" dirty="0"/>
+              <a:t>Vad är vad? När vill man använda den ena men inte den andra?</a:t>
+            </a:r>
+          </a:p>
+          <a:p>
+            <a:pPr lvl="1" indent="0">
+              <a:lnSpc>
+                <a:spcPct val="150000"/>
+              </a:lnSpc>
+              <a:buNone/>
+            </a:pPr>
+            <a:r>
+              <a:rPr lang="sv-SE" sz="1800" dirty="0"/>
+              <a:t>Hur skulle klasserna kunna se ut om man vill använda respektive?</a:t>
+            </a:r>
+            <a:endParaRPr lang="en-US" sz="1800" dirty="0"/>
           </a:p>
         </p:txBody>
       </p:sp>
     </p:spTree>
     <p:extLst>
       <p:ext uri="{BB962C8B-B14F-4D97-AF65-F5344CB8AC3E}">
-        <p14:creationId xmlns:p14="http://schemas.microsoft.com/office/powerpoint/2010/main" val="918974345"/>
+        <p14:creationId xmlns:p14="http://schemas.microsoft.com/office/powerpoint/2010/main" val="325845274"/>
       </p:ext>
     </p:extLst>
   </p:cSld>
@@ -8176,10 +8215,6 @@
           <a:bodyPr/>
           <a:lstStyle/>
           <a:p>
-            <a:r>
-              <a:rPr lang="sv-SE"/>
-              <a:t>Bra böcker</a:t>
-            </a:r>
             <a:endParaRPr lang="en-US"/>
           </a:p>
         </p:txBody>
@@ -8201,6 +8236,989 @@
           </a:bodyPr>
           <a:lstStyle/>
           <a:p>
+            <a:pPr indent="0" algn="ctr">
+              <a:lnSpc>
+                <a:spcPct val="150000"/>
+              </a:lnSpc>
+              <a:buNone/>
+            </a:pPr>
+            <a:endParaRPr lang="en-US" sz="2400" dirty="0"/>
+          </a:p>
+          <a:p>
+            <a:pPr indent="0" algn="ctr">
+              <a:lnSpc>
+                <a:spcPct val="150000"/>
+              </a:lnSpc>
+              <a:buNone/>
+            </a:pPr>
+            <a:endParaRPr lang="en-US" dirty="0"/>
+          </a:p>
+          <a:p>
+            <a:pPr indent="0" algn="ctr">
+              <a:lnSpc>
+                <a:spcPct val="150000"/>
+              </a:lnSpc>
+              <a:buNone/>
+            </a:pPr>
+            <a:r>
+              <a:rPr lang="en-US" dirty="0"/>
+              <a:t>Favor composition over inheritance</a:t>
+            </a:r>
+            <a:endParaRPr lang="en-US" sz="2000" dirty="0">
+              <a:sym typeface="Wingdings"/>
+            </a:endParaRPr>
+          </a:p>
+        </p:txBody>
+      </p:sp>
+    </p:spTree>
+    <p:extLst>
+      <p:ext uri="{BB962C8B-B14F-4D97-AF65-F5344CB8AC3E}">
+        <p14:creationId xmlns:p14="http://schemas.microsoft.com/office/powerpoint/2010/main" val="38069203"/>
+      </p:ext>
+    </p:extLst>
+  </p:cSld>
+  <p:clrMapOvr>
+    <a:masterClrMapping/>
+  </p:clrMapOvr>
+</p:sld>
+</file>
+
+<file path=ppt/slides/slide41.xml><?xml version="1.0" encoding="utf-8"?>
+<p:sld xmlns:a="http://schemas.openxmlformats.org/drawingml/2006/main" xmlns:r="http://schemas.openxmlformats.org/officeDocument/2006/relationships" xmlns:p="http://schemas.openxmlformats.org/presentationml/2006/main">
+  <p:cSld>
+    <p:spTree>
+      <p:nvGrpSpPr>
+        <p:cNvPr id="1" name=""/>
+        <p:cNvGrpSpPr/>
+        <p:nvPr/>
+      </p:nvGrpSpPr>
+      <p:grpSpPr>
+        <a:xfrm>
+          <a:off x="0" y="0"/>
+          <a:ext cx="0" cy="0"/>
+          <a:chOff x="0" y="0"/>
+          <a:chExt cx="0" cy="0"/>
+        </a:xfrm>
+      </p:grpSpPr>
+      <p:sp>
+        <p:nvSpPr>
+          <p:cNvPr id="2" name="Title 1"/>
+          <p:cNvSpPr>
+            <a:spLocks noGrp="1"/>
+          </p:cNvSpPr>
+          <p:nvPr>
+            <p:ph type="title"/>
+          </p:nvPr>
+        </p:nvSpPr>
+        <p:spPr/>
+        <p:txBody>
+          <a:bodyPr/>
+          <a:lstStyle/>
+          <a:p>
+            <a:endParaRPr lang="en-US"/>
+          </a:p>
+        </p:txBody>
+      </p:sp>
+      <p:sp>
+        <p:nvSpPr>
+          <p:cNvPr id="3" name="Content Placeholder 2"/>
+          <p:cNvSpPr>
+            <a:spLocks noGrp="1"/>
+          </p:cNvSpPr>
+          <p:nvPr>
+            <p:ph idx="1"/>
+          </p:nvPr>
+        </p:nvSpPr>
+        <p:spPr/>
+        <p:txBody>
+          <a:bodyPr>
+            <a:normAutofit/>
+          </a:bodyPr>
+          <a:lstStyle/>
+          <a:p>
+            <a:pPr indent="0" algn="ctr">
+              <a:lnSpc>
+                <a:spcPct val="150000"/>
+              </a:lnSpc>
+              <a:buNone/>
+            </a:pPr>
+            <a:endParaRPr lang="en-US" sz="2400" dirty="0"/>
+          </a:p>
+          <a:p>
+            <a:pPr indent="0" algn="ctr">
+              <a:lnSpc>
+                <a:spcPct val="150000"/>
+              </a:lnSpc>
+              <a:buNone/>
+            </a:pPr>
+            <a:endParaRPr lang="en-US" dirty="0"/>
+          </a:p>
+          <a:p>
+            <a:pPr indent="0" algn="ctr">
+              <a:lnSpc>
+                <a:spcPct val="150000"/>
+              </a:lnSpc>
+              <a:buNone/>
+            </a:pPr>
+            <a:r>
+              <a:rPr lang="en-US" dirty="0"/>
+              <a:t>Open/Closed principle – Klasser ska vara möjliga att utöka, inte ändras</a:t>
+            </a:r>
+            <a:endParaRPr lang="en-US" sz="2000" dirty="0">
+              <a:sym typeface="Wingdings"/>
+            </a:endParaRPr>
+          </a:p>
+        </p:txBody>
+      </p:sp>
+    </p:spTree>
+    <p:extLst>
+      <p:ext uri="{BB962C8B-B14F-4D97-AF65-F5344CB8AC3E}">
+        <p14:creationId xmlns:p14="http://schemas.microsoft.com/office/powerpoint/2010/main" val="651962234"/>
+      </p:ext>
+    </p:extLst>
+  </p:cSld>
+  <p:clrMapOvr>
+    <a:masterClrMapping/>
+  </p:clrMapOvr>
+</p:sld>
+</file>
+
+<file path=ppt/slides/slide42.xml><?xml version="1.0" encoding="utf-8"?>
+<p:sld xmlns:a="http://schemas.openxmlformats.org/drawingml/2006/main" xmlns:r="http://schemas.openxmlformats.org/officeDocument/2006/relationships" xmlns:p="http://schemas.openxmlformats.org/presentationml/2006/main">
+  <p:cSld>
+    <p:spTree>
+      <p:nvGrpSpPr>
+        <p:cNvPr id="1" name=""/>
+        <p:cNvGrpSpPr/>
+        <p:nvPr/>
+      </p:nvGrpSpPr>
+      <p:grpSpPr>
+        <a:xfrm>
+          <a:off x="0" y="0"/>
+          <a:ext cx="0" cy="0"/>
+          <a:chOff x="0" y="0"/>
+          <a:chExt cx="0" cy="0"/>
+        </a:xfrm>
+      </p:grpSpPr>
+      <p:sp>
+        <p:nvSpPr>
+          <p:cNvPr id="2" name="Title 1"/>
+          <p:cNvSpPr>
+            <a:spLocks noGrp="1"/>
+          </p:cNvSpPr>
+          <p:nvPr>
+            <p:ph type="title"/>
+          </p:nvPr>
+        </p:nvSpPr>
+        <p:spPr/>
+        <p:txBody>
+          <a:bodyPr/>
+          <a:lstStyle/>
+          <a:p>
+            <a:r>
+              <a:rPr lang="sv-SE"/>
+              <a:t>Allmänt</a:t>
+            </a:r>
+            <a:endParaRPr lang="en-US"/>
+          </a:p>
+        </p:txBody>
+      </p:sp>
+      <p:sp>
+        <p:nvSpPr>
+          <p:cNvPr id="3" name="Content Placeholder 2"/>
+          <p:cNvSpPr>
+            <a:spLocks noGrp="1"/>
+          </p:cNvSpPr>
+          <p:nvPr>
+            <p:ph idx="1"/>
+          </p:nvPr>
+        </p:nvSpPr>
+        <p:spPr/>
+        <p:txBody>
+          <a:bodyPr>
+            <a:normAutofit/>
+          </a:bodyPr>
+          <a:lstStyle/>
+          <a:p>
+            <a:pPr marL="0" indent="0">
+              <a:lnSpc>
+                <a:spcPct val="150000"/>
+              </a:lnSpc>
+              <a:buNone/>
+            </a:pPr>
+            <a:r>
+              <a:rPr lang="en-US" sz="2400"/>
+              <a:t>Övriga tips:</a:t>
+            </a:r>
+          </a:p>
+          <a:p>
+            <a:pPr marL="457200" lvl="1" indent="0">
+              <a:lnSpc>
+                <a:spcPct val="150000"/>
+              </a:lnSpc>
+              <a:buNone/>
+            </a:pPr>
+            <a:r>
+              <a:rPr lang="en-US" sz="2000"/>
+              <a:t>Enhetlig kodstil i varje projekt – Dvs enas om whitespace, if/else-struktur, try-catch, exceptionhantering osv</a:t>
+            </a:r>
+          </a:p>
+          <a:p>
+            <a:pPr marL="457200" lvl="1" indent="0">
+              <a:lnSpc>
+                <a:spcPct val="150000"/>
+              </a:lnSpc>
+              <a:buNone/>
+            </a:pPr>
+            <a:endParaRPr lang="en-US" sz="2400"/>
+          </a:p>
+        </p:txBody>
+      </p:sp>
+    </p:spTree>
+    <p:extLst>
+      <p:ext uri="{BB962C8B-B14F-4D97-AF65-F5344CB8AC3E}">
+        <p14:creationId xmlns:p14="http://schemas.microsoft.com/office/powerpoint/2010/main" val="1294123271"/>
+      </p:ext>
+    </p:extLst>
+  </p:cSld>
+  <p:clrMapOvr>
+    <a:masterClrMapping/>
+  </p:clrMapOvr>
+</p:sld>
+</file>
+
+<file path=ppt/slides/slide43.xml><?xml version="1.0" encoding="utf-8"?>
+<p:sld xmlns:a="http://schemas.openxmlformats.org/drawingml/2006/main" xmlns:r="http://schemas.openxmlformats.org/officeDocument/2006/relationships" xmlns:p="http://schemas.openxmlformats.org/presentationml/2006/main">
+  <p:cSld>
+    <p:spTree>
+      <p:nvGrpSpPr>
+        <p:cNvPr id="1" name=""/>
+        <p:cNvGrpSpPr/>
+        <p:nvPr/>
+      </p:nvGrpSpPr>
+      <p:grpSpPr>
+        <a:xfrm>
+          <a:off x="0" y="0"/>
+          <a:ext cx="0" cy="0"/>
+          <a:chOff x="0" y="0"/>
+          <a:chExt cx="0" cy="0"/>
+        </a:xfrm>
+      </p:grpSpPr>
+      <p:sp>
+        <p:nvSpPr>
+          <p:cNvPr id="2" name="Title 1"/>
+          <p:cNvSpPr>
+            <a:spLocks noGrp="1"/>
+          </p:cNvSpPr>
+          <p:nvPr>
+            <p:ph type="title"/>
+          </p:nvPr>
+        </p:nvSpPr>
+        <p:spPr/>
+        <p:txBody>
+          <a:bodyPr/>
+          <a:lstStyle/>
+          <a:p>
+            <a:r>
+              <a:rPr lang="sv-SE"/>
+              <a:t>Allmänt</a:t>
+            </a:r>
+            <a:endParaRPr lang="en-US"/>
+          </a:p>
+        </p:txBody>
+      </p:sp>
+      <p:sp>
+        <p:nvSpPr>
+          <p:cNvPr id="3" name="Content Placeholder 2"/>
+          <p:cNvSpPr>
+            <a:spLocks noGrp="1"/>
+          </p:cNvSpPr>
+          <p:nvPr>
+            <p:ph idx="1"/>
+          </p:nvPr>
+        </p:nvSpPr>
+        <p:spPr/>
+        <p:txBody>
+          <a:bodyPr>
+            <a:normAutofit/>
+          </a:bodyPr>
+          <a:lstStyle/>
+          <a:p>
+            <a:pPr marL="0" indent="0">
+              <a:lnSpc>
+                <a:spcPct val="150000"/>
+              </a:lnSpc>
+              <a:buNone/>
+            </a:pPr>
+            <a:r>
+              <a:rPr lang="en-US" sz="2400"/>
+              <a:t>Övriga tips:</a:t>
+            </a:r>
+          </a:p>
+          <a:p>
+            <a:pPr marL="457200" lvl="1" indent="0">
+              <a:lnSpc>
+                <a:spcPct val="150000"/>
+              </a:lnSpc>
+              <a:buNone/>
+            </a:pPr>
+            <a:r>
+              <a:rPr lang="en-US" sz="2000"/>
+              <a:t>Enhetlig kodstil i varje projekt – Dvs enas om whitespace, if/else-struktur, try-catch, exceptionhantering osv</a:t>
+            </a:r>
+          </a:p>
+          <a:p>
+            <a:pPr marL="457200" lvl="1" indent="0">
+              <a:lnSpc>
+                <a:spcPct val="150000"/>
+              </a:lnSpc>
+              <a:buNone/>
+            </a:pPr>
+            <a:endParaRPr lang="en-US" sz="2400"/>
+          </a:p>
+          <a:p>
+            <a:pPr marL="457200" lvl="1" indent="0">
+              <a:lnSpc>
+                <a:spcPct val="150000"/>
+              </a:lnSpc>
+              <a:buNone/>
+            </a:pPr>
+            <a:r>
+              <a:rPr lang="en-US" sz="2000"/>
+              <a:t>Lär er ert IDE. Kortkommandon ska sitta i muskelminnet – Optimalt sett ska ni inte röra musen!</a:t>
+            </a:r>
+            <a:endParaRPr lang="en-US" sz="2400"/>
+          </a:p>
+          <a:p>
+            <a:pPr marL="457200" lvl="1" indent="0">
+              <a:lnSpc>
+                <a:spcPct val="150000"/>
+              </a:lnSpc>
+              <a:buNone/>
+            </a:pPr>
+            <a:endParaRPr lang="en-US" sz="2000"/>
+          </a:p>
+        </p:txBody>
+      </p:sp>
+    </p:spTree>
+    <p:extLst>
+      <p:ext uri="{BB962C8B-B14F-4D97-AF65-F5344CB8AC3E}">
+        <p14:creationId xmlns:p14="http://schemas.microsoft.com/office/powerpoint/2010/main" val="1590595167"/>
+      </p:ext>
+    </p:extLst>
+  </p:cSld>
+  <p:clrMapOvr>
+    <a:masterClrMapping/>
+  </p:clrMapOvr>
+</p:sld>
+</file>
+
+<file path=ppt/slides/slide44.xml><?xml version="1.0" encoding="utf-8"?>
+<p:sld xmlns:a="http://schemas.openxmlformats.org/drawingml/2006/main" xmlns:r="http://schemas.openxmlformats.org/officeDocument/2006/relationships" xmlns:p="http://schemas.openxmlformats.org/presentationml/2006/main">
+  <p:cSld>
+    <p:spTree>
+      <p:nvGrpSpPr>
+        <p:cNvPr id="1" name=""/>
+        <p:cNvGrpSpPr/>
+        <p:nvPr/>
+      </p:nvGrpSpPr>
+      <p:grpSpPr>
+        <a:xfrm>
+          <a:off x="0" y="0"/>
+          <a:ext cx="0" cy="0"/>
+          <a:chOff x="0" y="0"/>
+          <a:chExt cx="0" cy="0"/>
+        </a:xfrm>
+      </p:grpSpPr>
+      <p:sp>
+        <p:nvSpPr>
+          <p:cNvPr id="2" name="Title 1"/>
+          <p:cNvSpPr>
+            <a:spLocks noGrp="1"/>
+          </p:cNvSpPr>
+          <p:nvPr>
+            <p:ph type="title"/>
+          </p:nvPr>
+        </p:nvSpPr>
+        <p:spPr/>
+        <p:txBody>
+          <a:bodyPr/>
+          <a:lstStyle/>
+          <a:p>
+            <a:r>
+              <a:rPr lang="sv-SE"/>
+              <a:t>Allmänt</a:t>
+            </a:r>
+            <a:endParaRPr lang="en-US"/>
+          </a:p>
+        </p:txBody>
+      </p:sp>
+      <p:sp>
+        <p:nvSpPr>
+          <p:cNvPr id="3" name="Content Placeholder 2"/>
+          <p:cNvSpPr>
+            <a:spLocks noGrp="1"/>
+          </p:cNvSpPr>
+          <p:nvPr>
+            <p:ph idx="1"/>
+          </p:nvPr>
+        </p:nvSpPr>
+        <p:spPr/>
+        <p:txBody>
+          <a:bodyPr>
+            <a:normAutofit/>
+          </a:bodyPr>
+          <a:lstStyle/>
+          <a:p>
+            <a:pPr marL="0" indent="0">
+              <a:lnSpc>
+                <a:spcPct val="150000"/>
+              </a:lnSpc>
+              <a:buNone/>
+            </a:pPr>
+            <a:r>
+              <a:rPr lang="en-US" sz="2400"/>
+              <a:t>Övriga tips:</a:t>
+            </a:r>
+          </a:p>
+          <a:p>
+            <a:pPr marL="457200" lvl="1" indent="0">
+              <a:lnSpc>
+                <a:spcPct val="150000"/>
+              </a:lnSpc>
+              <a:buNone/>
+            </a:pPr>
+            <a:r>
+              <a:rPr lang="en-US" sz="2000"/>
+              <a:t>Enhetlig kodstil i varje projekt – Dvs enas om whitespace, if/else-struktur, try-catch, exceptionhantering osv</a:t>
+            </a:r>
+          </a:p>
+          <a:p>
+            <a:pPr marL="457200" lvl="1" indent="0">
+              <a:lnSpc>
+                <a:spcPct val="150000"/>
+              </a:lnSpc>
+              <a:buNone/>
+            </a:pPr>
+            <a:endParaRPr lang="en-US" sz="2400"/>
+          </a:p>
+          <a:p>
+            <a:pPr marL="457200" lvl="1" indent="0">
+              <a:lnSpc>
+                <a:spcPct val="150000"/>
+              </a:lnSpc>
+              <a:buNone/>
+            </a:pPr>
+            <a:r>
+              <a:rPr lang="en-US" sz="2000"/>
+              <a:t>Lär er ert IDE. Kortkommandon ska sitta i muskelminnet – Optimalt sett ska ni inte röra musen!</a:t>
+            </a:r>
+            <a:endParaRPr lang="en-US" sz="2400"/>
+          </a:p>
+          <a:p>
+            <a:pPr marL="457200" lvl="1" indent="0">
+              <a:lnSpc>
+                <a:spcPct val="150000"/>
+              </a:lnSpc>
+              <a:buNone/>
+            </a:pPr>
+            <a:endParaRPr lang="en-US" sz="2000"/>
+          </a:p>
+          <a:p>
+            <a:pPr marL="457200" lvl="1" indent="0">
+              <a:lnSpc>
+                <a:spcPct val="150000"/>
+              </a:lnSpc>
+              <a:buNone/>
+            </a:pPr>
+            <a:r>
+              <a:rPr lang="en-US" sz="2000"/>
+              <a:t>Dokumentera publika metoder – Även parametrarna! Kan de vara null? Kan metoden returnera null?</a:t>
+            </a:r>
+          </a:p>
+        </p:txBody>
+      </p:sp>
+    </p:spTree>
+    <p:extLst>
+      <p:ext uri="{BB962C8B-B14F-4D97-AF65-F5344CB8AC3E}">
+        <p14:creationId xmlns:p14="http://schemas.microsoft.com/office/powerpoint/2010/main" val="211291193"/>
+      </p:ext>
+    </p:extLst>
+  </p:cSld>
+  <p:clrMapOvr>
+    <a:masterClrMapping/>
+  </p:clrMapOvr>
+</p:sld>
+</file>
+
+<file path=ppt/slides/slide45.xml><?xml version="1.0" encoding="utf-8"?>
+<p:sld xmlns:a="http://schemas.openxmlformats.org/drawingml/2006/main" xmlns:r="http://schemas.openxmlformats.org/officeDocument/2006/relationships" xmlns:p="http://schemas.openxmlformats.org/presentationml/2006/main">
+  <p:cSld>
+    <p:spTree>
+      <p:nvGrpSpPr>
+        <p:cNvPr id="1" name=""/>
+        <p:cNvGrpSpPr/>
+        <p:nvPr/>
+      </p:nvGrpSpPr>
+      <p:grpSpPr>
+        <a:xfrm>
+          <a:off x="0" y="0"/>
+          <a:ext cx="0" cy="0"/>
+          <a:chOff x="0" y="0"/>
+          <a:chExt cx="0" cy="0"/>
+        </a:xfrm>
+      </p:grpSpPr>
+      <p:sp>
+        <p:nvSpPr>
+          <p:cNvPr id="2" name="Title 1"/>
+          <p:cNvSpPr>
+            <a:spLocks noGrp="1"/>
+          </p:cNvSpPr>
+          <p:nvPr>
+            <p:ph type="title"/>
+          </p:nvPr>
+        </p:nvSpPr>
+        <p:spPr/>
+        <p:txBody>
+          <a:bodyPr/>
+          <a:lstStyle/>
+          <a:p>
+            <a:r>
+              <a:rPr lang="sv-SE"/>
+              <a:t>Allmänt</a:t>
+            </a:r>
+            <a:endParaRPr lang="en-US"/>
+          </a:p>
+        </p:txBody>
+      </p:sp>
+      <p:sp>
+        <p:nvSpPr>
+          <p:cNvPr id="3" name="Content Placeholder 2"/>
+          <p:cNvSpPr>
+            <a:spLocks noGrp="1"/>
+          </p:cNvSpPr>
+          <p:nvPr>
+            <p:ph idx="1"/>
+          </p:nvPr>
+        </p:nvSpPr>
+        <p:spPr/>
+        <p:txBody>
+          <a:bodyPr>
+            <a:normAutofit/>
+          </a:bodyPr>
+          <a:lstStyle/>
+          <a:p>
+            <a:pPr marL="0" indent="0">
+              <a:lnSpc>
+                <a:spcPct val="150000"/>
+              </a:lnSpc>
+              <a:buNone/>
+            </a:pPr>
+            <a:r>
+              <a:rPr lang="en-US" sz="2400"/>
+              <a:t>Övriga tips:</a:t>
+            </a:r>
+          </a:p>
+          <a:p>
+            <a:pPr marL="457200" lvl="1" indent="0">
+              <a:lnSpc>
+                <a:spcPct val="150000"/>
+              </a:lnSpc>
+              <a:buNone/>
+            </a:pPr>
+            <a:r>
+              <a:rPr lang="en-US" sz="2000"/>
+              <a:t>Korta men tydliga variabel/metodnamn. Vanligt problem att variabelnamn är för långa. </a:t>
+            </a:r>
+          </a:p>
+          <a:p>
+            <a:pPr marL="350838" lvl="1" indent="0">
+              <a:buNone/>
+            </a:pPr>
+            <a:r>
+              <a:rPr lang="en-US" sz="1400" b="1" smtClean="0">
+                <a:solidFill>
+                  <a:schemeClr val="bg1"/>
+                </a:solidFill>
+                <a:latin typeface="Consolas"/>
+              </a:rPr>
+              <a:t>persistIfNotExists(componentDelivery);</a:t>
+            </a:r>
+            <a:endParaRPr lang="sv-SE" sz="1400" smtClean="0"/>
+          </a:p>
+          <a:p>
+            <a:pPr marL="0" indent="0">
+              <a:lnSpc>
+                <a:spcPct val="150000"/>
+              </a:lnSpc>
+              <a:buNone/>
+            </a:pPr>
+            <a:endParaRPr lang="en-US" sz="2400"/>
+          </a:p>
+        </p:txBody>
+      </p:sp>
+    </p:spTree>
+    <p:extLst>
+      <p:ext uri="{BB962C8B-B14F-4D97-AF65-F5344CB8AC3E}">
+        <p14:creationId xmlns:p14="http://schemas.microsoft.com/office/powerpoint/2010/main" val="651599885"/>
+      </p:ext>
+    </p:extLst>
+  </p:cSld>
+  <p:clrMapOvr>
+    <a:masterClrMapping/>
+  </p:clrMapOvr>
+</p:sld>
+</file>
+
+<file path=ppt/slides/slide46.xml><?xml version="1.0" encoding="utf-8"?>
+<p:sld xmlns:a="http://schemas.openxmlformats.org/drawingml/2006/main" xmlns:r="http://schemas.openxmlformats.org/officeDocument/2006/relationships" xmlns:p="http://schemas.openxmlformats.org/presentationml/2006/main">
+  <p:cSld>
+    <p:spTree>
+      <p:nvGrpSpPr>
+        <p:cNvPr id="1" name=""/>
+        <p:cNvGrpSpPr/>
+        <p:nvPr/>
+      </p:nvGrpSpPr>
+      <p:grpSpPr>
+        <a:xfrm>
+          <a:off x="0" y="0"/>
+          <a:ext cx="0" cy="0"/>
+          <a:chOff x="0" y="0"/>
+          <a:chExt cx="0" cy="0"/>
+        </a:xfrm>
+      </p:grpSpPr>
+      <p:sp>
+        <p:nvSpPr>
+          <p:cNvPr id="2" name="Title 1"/>
+          <p:cNvSpPr>
+            <a:spLocks noGrp="1"/>
+          </p:cNvSpPr>
+          <p:nvPr>
+            <p:ph type="title"/>
+          </p:nvPr>
+        </p:nvSpPr>
+        <p:spPr/>
+        <p:txBody>
+          <a:bodyPr/>
+          <a:lstStyle/>
+          <a:p>
+            <a:r>
+              <a:rPr lang="sv-SE"/>
+              <a:t>Allmänt</a:t>
+            </a:r>
+            <a:endParaRPr lang="en-US"/>
+          </a:p>
+        </p:txBody>
+      </p:sp>
+      <p:sp>
+        <p:nvSpPr>
+          <p:cNvPr id="3" name="Content Placeholder 2"/>
+          <p:cNvSpPr>
+            <a:spLocks noGrp="1"/>
+          </p:cNvSpPr>
+          <p:nvPr>
+            <p:ph idx="1"/>
+          </p:nvPr>
+        </p:nvSpPr>
+        <p:spPr/>
+        <p:txBody>
+          <a:bodyPr>
+            <a:normAutofit/>
+          </a:bodyPr>
+          <a:lstStyle/>
+          <a:p>
+            <a:pPr marL="0" indent="0">
+              <a:lnSpc>
+                <a:spcPct val="150000"/>
+              </a:lnSpc>
+              <a:buNone/>
+            </a:pPr>
+            <a:r>
+              <a:rPr lang="en-US" sz="2400"/>
+              <a:t>Övriga tips:</a:t>
+            </a:r>
+          </a:p>
+          <a:p>
+            <a:pPr marL="457200" lvl="1" indent="0">
+              <a:lnSpc>
+                <a:spcPct val="150000"/>
+              </a:lnSpc>
+              <a:buNone/>
+            </a:pPr>
+            <a:r>
+              <a:rPr lang="en-US" sz="2000"/>
+              <a:t>Korta men tydliga variabel/metodnamn. Vanligt problem att variabelnamn är för långa. </a:t>
+            </a:r>
+          </a:p>
+          <a:p>
+            <a:pPr marL="457200" lvl="1" indent="0">
+              <a:lnSpc>
+                <a:spcPct val="150000"/>
+              </a:lnSpc>
+              <a:buNone/>
+            </a:pPr>
+            <a:r>
+              <a:rPr lang="en-US" sz="2000"/>
+              <a:t>Jämför (Copy-pastat från produktionskod!):</a:t>
+            </a:r>
+          </a:p>
+          <a:p>
+            <a:pPr marL="457200" lvl="1" indent="0">
+              <a:lnSpc>
+                <a:spcPct val="150000"/>
+              </a:lnSpc>
+              <a:buNone/>
+            </a:pPr>
+            <a:r>
+              <a:rPr lang="en-US" sz="1400">
+                <a:latin typeface="Menlo" charset="0"/>
+                <a:ea typeface="Menlo" charset="0"/>
+                <a:cs typeface="Menlo" charset="0"/>
+              </a:rPr>
+              <a:t>persistComponentDeliveryInDatabaseIfNotAlreadyExistsInDatabase(componentDelivery);</a:t>
+            </a:r>
+          </a:p>
+          <a:p>
+            <a:pPr marL="457200" lvl="1" indent="0">
+              <a:lnSpc>
+                <a:spcPct val="150000"/>
+              </a:lnSpc>
+              <a:buNone/>
+            </a:pPr>
+            <a:endParaRPr lang="de-DE" sz="2000"/>
+          </a:p>
+          <a:p>
+            <a:pPr marL="457200" lvl="1" indent="0">
+              <a:lnSpc>
+                <a:spcPct val="150000"/>
+              </a:lnSpc>
+              <a:buNone/>
+            </a:pPr>
+            <a:r>
+              <a:rPr lang="de-DE" sz="2000"/>
+              <a:t>Med</a:t>
+            </a:r>
+            <a:r>
+              <a:rPr lang="de-DE"/>
+              <a:t>:</a:t>
+            </a:r>
+          </a:p>
+          <a:p>
+            <a:pPr marL="457200" lvl="1" indent="0">
+              <a:lnSpc>
+                <a:spcPct val="150000"/>
+              </a:lnSpc>
+              <a:buNone/>
+            </a:pPr>
+            <a:r>
+              <a:rPr lang="de-DE" sz="1400">
+                <a:latin typeface="Menlo" charset="0"/>
+                <a:ea typeface="Menlo" charset="0"/>
+                <a:cs typeface="Menlo" charset="0"/>
+              </a:rPr>
+              <a:t>persistIfNotExists(componentDelivery);</a:t>
+            </a:r>
+            <a:endParaRPr lang="sv-SE" sz="1400">
+              <a:latin typeface="Menlo" charset="0"/>
+              <a:ea typeface="Menlo" charset="0"/>
+              <a:cs typeface="Menlo" charset="0"/>
+            </a:endParaRPr>
+          </a:p>
+          <a:p>
+            <a:pPr marL="350838" lvl="1" indent="0">
+              <a:buNone/>
+            </a:pPr>
+            <a:r>
+              <a:rPr lang="en-US" sz="1400" b="1" smtClean="0">
+                <a:solidFill>
+                  <a:schemeClr val="bg1"/>
+                </a:solidFill>
+                <a:latin typeface="Consolas"/>
+              </a:rPr>
+              <a:t>persistIfNotExists(componentDelivery);</a:t>
+            </a:r>
+            <a:endParaRPr lang="sv-SE" sz="1400" smtClean="0"/>
+          </a:p>
+          <a:p>
+            <a:pPr marL="0" indent="0">
+              <a:lnSpc>
+                <a:spcPct val="150000"/>
+              </a:lnSpc>
+              <a:buNone/>
+            </a:pPr>
+            <a:endParaRPr lang="en-US" sz="2400"/>
+          </a:p>
+        </p:txBody>
+      </p:sp>
+    </p:spTree>
+    <p:extLst>
+      <p:ext uri="{BB962C8B-B14F-4D97-AF65-F5344CB8AC3E}">
+        <p14:creationId xmlns:p14="http://schemas.microsoft.com/office/powerpoint/2010/main" val="1598686682"/>
+      </p:ext>
+    </p:extLst>
+  </p:cSld>
+  <p:clrMapOvr>
+    <a:masterClrMapping/>
+  </p:clrMapOvr>
+</p:sld>
+</file>
+
+<file path=ppt/slides/slide47.xml><?xml version="1.0" encoding="utf-8"?>
+<p:sld xmlns:a="http://schemas.openxmlformats.org/drawingml/2006/main" xmlns:r="http://schemas.openxmlformats.org/officeDocument/2006/relationships" xmlns:p="http://schemas.openxmlformats.org/presentationml/2006/main">
+  <p:cSld>
+    <p:spTree>
+      <p:nvGrpSpPr>
+        <p:cNvPr id="1" name=""/>
+        <p:cNvGrpSpPr/>
+        <p:nvPr/>
+      </p:nvGrpSpPr>
+      <p:grpSpPr>
+        <a:xfrm>
+          <a:off x="0" y="0"/>
+          <a:ext cx="0" cy="0"/>
+          <a:chOff x="0" y="0"/>
+          <a:chExt cx="0" cy="0"/>
+        </a:xfrm>
+      </p:grpSpPr>
+      <p:sp>
+        <p:nvSpPr>
+          <p:cNvPr id="2" name="Title 1"/>
+          <p:cNvSpPr>
+            <a:spLocks noGrp="1"/>
+          </p:cNvSpPr>
+          <p:nvPr>
+            <p:ph type="title"/>
+          </p:nvPr>
+        </p:nvSpPr>
+        <p:spPr/>
+        <p:txBody>
+          <a:bodyPr/>
+          <a:lstStyle/>
+          <a:p>
+            <a:r>
+              <a:rPr lang="sv-SE"/>
+              <a:t>Allmänt</a:t>
+            </a:r>
+            <a:endParaRPr lang="en-US"/>
+          </a:p>
+        </p:txBody>
+      </p:sp>
+      <p:sp>
+        <p:nvSpPr>
+          <p:cNvPr id="3" name="Content Placeholder 2"/>
+          <p:cNvSpPr>
+            <a:spLocks noGrp="1"/>
+          </p:cNvSpPr>
+          <p:nvPr>
+            <p:ph idx="1"/>
+          </p:nvPr>
+        </p:nvSpPr>
+        <p:spPr/>
+        <p:txBody>
+          <a:bodyPr>
+            <a:normAutofit/>
+          </a:bodyPr>
+          <a:lstStyle/>
+          <a:p>
+            <a:pPr marL="0" indent="0">
+              <a:lnSpc>
+                <a:spcPct val="150000"/>
+              </a:lnSpc>
+              <a:buNone/>
+            </a:pPr>
+            <a:r>
+              <a:rPr lang="en-US" sz="2400"/>
+              <a:t>Övriga tips:</a:t>
+            </a:r>
+          </a:p>
+          <a:p>
+            <a:pPr marL="457200" lvl="1" indent="0">
+              <a:lnSpc>
+                <a:spcPct val="150000"/>
+              </a:lnSpc>
+              <a:buNone/>
+            </a:pPr>
+            <a:r>
+              <a:rPr lang="sv-SE" sz="2000" i="1" smtClean="0"/>
+              <a:t>Debugging – </a:t>
+            </a:r>
+            <a:r>
+              <a:rPr lang="sv-SE" sz="2000" smtClean="0"/>
+              <a:t>Lär er att debugga ordentligt! Många problem är fullständigt olösliga utan att kunna stega igenom koden rad för rad</a:t>
+            </a:r>
+          </a:p>
+        </p:txBody>
+      </p:sp>
+    </p:spTree>
+    <p:extLst>
+      <p:ext uri="{BB962C8B-B14F-4D97-AF65-F5344CB8AC3E}">
+        <p14:creationId xmlns:p14="http://schemas.microsoft.com/office/powerpoint/2010/main" val="918974345"/>
+      </p:ext>
+    </p:extLst>
+  </p:cSld>
+  <p:clrMapOvr>
+    <a:masterClrMapping/>
+  </p:clrMapOvr>
+</p:sld>
+</file>
+
+<file path=ppt/slides/slide48.xml><?xml version="1.0" encoding="utf-8"?>
+<p:sld xmlns:a="http://schemas.openxmlformats.org/drawingml/2006/main" xmlns:r="http://schemas.openxmlformats.org/officeDocument/2006/relationships" xmlns:p="http://schemas.openxmlformats.org/presentationml/2006/main">
+  <p:cSld>
+    <p:spTree>
+      <p:nvGrpSpPr>
+        <p:cNvPr id="1" name=""/>
+        <p:cNvGrpSpPr/>
+        <p:nvPr/>
+      </p:nvGrpSpPr>
+      <p:grpSpPr>
+        <a:xfrm>
+          <a:off x="0" y="0"/>
+          <a:ext cx="0" cy="0"/>
+          <a:chOff x="0" y="0"/>
+          <a:chExt cx="0" cy="0"/>
+        </a:xfrm>
+      </p:grpSpPr>
+      <p:sp>
+        <p:nvSpPr>
+          <p:cNvPr id="2" name="Title 1"/>
+          <p:cNvSpPr>
+            <a:spLocks noGrp="1"/>
+          </p:cNvSpPr>
+          <p:nvPr>
+            <p:ph type="title"/>
+          </p:nvPr>
+        </p:nvSpPr>
+        <p:spPr/>
+        <p:txBody>
+          <a:bodyPr/>
+          <a:lstStyle/>
+          <a:p>
+            <a:r>
+              <a:rPr lang="sv-SE"/>
+              <a:t>Bra böcker</a:t>
+            </a:r>
+            <a:endParaRPr lang="en-US"/>
+          </a:p>
+        </p:txBody>
+      </p:sp>
+      <p:sp>
+        <p:nvSpPr>
+          <p:cNvPr id="3" name="Content Placeholder 2"/>
+          <p:cNvSpPr>
+            <a:spLocks noGrp="1"/>
+          </p:cNvSpPr>
+          <p:nvPr>
+            <p:ph idx="1"/>
+          </p:nvPr>
+        </p:nvSpPr>
+        <p:spPr/>
+        <p:txBody>
+          <a:bodyPr>
+            <a:normAutofit/>
+          </a:bodyPr>
+          <a:lstStyle/>
+          <a:p>
             <a:pPr marL="0" indent="0">
               <a:lnSpc>
                 <a:spcPct val="150000"/>
@@ -8245,7 +9263,7 @@
             </a:r>
             <a:r>
               <a:rPr lang="en-US" sz="2400"/>
-              <a:t>, Robert C Martin</a:t>
+              <a:t>, Robert C Martin (“Uncle Bob”)</a:t>
             </a:r>
           </a:p>
         </p:txBody>
@@ -8453,15 +9471,6 @@
               </a:lnSpc>
               <a:buNone/>
             </a:pPr>
-            <a:endParaRPr lang="en-US" sz="2400"/>
-          </a:p>
-          <a:p>
-            <a:pPr indent="0" algn="ctr">
-              <a:lnSpc>
-                <a:spcPct val="150000"/>
-              </a:lnSpc>
-              <a:buNone/>
-            </a:pPr>
             <a:r>
               <a:rPr lang="en-US" sz="3200"/>
               <a:t>DRY – Don’t repeat yourself</a:t>
@@ -9158,14 +10167,6 @@
               <a:sym typeface="Wingdings"/>
             </a:endParaRPr>
           </a:p>
-          <a:p>
-            <a:r>
-              <a:rPr lang="en-US" sz="2000" dirty="0">
-                <a:sym typeface="Wingdings"/>
-              </a:rPr>
-              <a:t>“XOR-swap” – Värdet på a och b byts ut utan en mellanliggande variabel</a:t>
-            </a:r>
-          </a:p>
         </p:txBody>
       </p:sp>
     </p:spTree>
@@ -9213,7 +10214,10 @@
           <a:bodyPr/>
           <a:lstStyle/>
           <a:p>
-            <a:endParaRPr lang="en-US"/>
+            <a:r>
+              <a:rPr lang="en-US"/>
+              <a:t>Miniövning!</a:t>
+            </a:r>
           </a:p>
         </p:txBody>
       </p:sp>
@@ -9234,31 +10238,481 @@
           </a:bodyPr>
           <a:lstStyle/>
           <a:p>
-            <a:pPr indent="0">
-              <a:lnSpc>
-                <a:spcPct val="150000"/>
-              </a:lnSpc>
-              <a:buNone/>
-            </a:pPr>
-            <a:r>
-              <a:rPr lang="en-US" i="1" dirty="0">
+            <a:pPr marL="571500" indent="-342900">
+              <a:lnSpc>
+                <a:spcPct val="150000"/>
+              </a:lnSpc>
+            </a:pPr>
+            <a:r>
+              <a:rPr lang="en-US" sz="2400" dirty="0">
                 <a:sym typeface="Wingdings"/>
               </a:rPr>
-              <a:t>Premature optimization is the root of all evil</a:t>
-            </a:r>
-          </a:p>
-          <a:p>
-            <a:pPr indent="0">
-              <a:lnSpc>
-                <a:spcPct val="150000"/>
-              </a:lnSpc>
-              <a:buNone/>
-            </a:pPr>
-            <a:r>
-              <a:rPr lang="en-US" dirty="0">
+              <a:t>Vad kommer att skrivas ut? Vad är det som händer?</a:t>
+            </a:r>
+          </a:p>
+          <a:p>
+            <a:pPr marL="0" indent="0">
+              <a:buNone/>
+            </a:pPr>
+            <a:r>
+              <a:rPr lang="hu-HU" sz="1400" smtClean="0">
+                <a:solidFill>
+                  <a:srgbClr val="7F0055"/>
+                </a:solidFill>
+                <a:latin typeface="Menlo" charset="0"/>
+              </a:rPr>
+              <a:t>        int</a:t>
+            </a:r>
+            <a:r>
+              <a:rPr lang="hu-HU" sz="1400" smtClean="0">
+                <a:solidFill>
+                  <a:srgbClr val="000000"/>
+                </a:solidFill>
+                <a:latin typeface="Menlo" charset="0"/>
+              </a:rPr>
+              <a:t> </a:t>
+            </a:r>
+            <a:r>
+              <a:rPr lang="hu-HU" sz="1400" smtClean="0">
+                <a:solidFill>
+                  <a:srgbClr val="6A3E3E"/>
+                </a:solidFill>
+                <a:latin typeface="Menlo" charset="0"/>
+              </a:rPr>
+              <a:t>a</a:t>
+            </a:r>
+            <a:r>
+              <a:rPr lang="hu-HU" sz="1400" smtClean="0">
+                <a:solidFill>
+                  <a:srgbClr val="000000"/>
+                </a:solidFill>
+                <a:latin typeface="Menlo" charset="0"/>
+              </a:rPr>
+              <a:t> = 5; </a:t>
+            </a:r>
+          </a:p>
+          <a:p>
+            <a:pPr marL="0" indent="0">
+              <a:buNone/>
+            </a:pPr>
+            <a:r>
+              <a:rPr lang="en-US" sz="1400" smtClean="0">
+                <a:solidFill>
+                  <a:srgbClr val="000000"/>
+                </a:solidFill>
+                <a:latin typeface="Menlo" charset="0"/>
+              </a:rPr>
+              <a:t>        </a:t>
+            </a:r>
+            <a:r>
+              <a:rPr lang="en-US" sz="1400" smtClean="0">
+                <a:solidFill>
+                  <a:srgbClr val="7F0055"/>
+                </a:solidFill>
+                <a:latin typeface="Menlo" charset="0"/>
+              </a:rPr>
+              <a:t>int</a:t>
+            </a:r>
+            <a:r>
+              <a:rPr lang="en-US" sz="1400" smtClean="0">
+                <a:solidFill>
+                  <a:srgbClr val="000000"/>
+                </a:solidFill>
+                <a:latin typeface="Menlo" charset="0"/>
+              </a:rPr>
+              <a:t> </a:t>
+            </a:r>
+            <a:r>
+              <a:rPr lang="en-US" sz="1400" smtClean="0">
+                <a:solidFill>
+                  <a:srgbClr val="6A3E3E"/>
+                </a:solidFill>
+                <a:latin typeface="Menlo" charset="0"/>
+              </a:rPr>
+              <a:t>b</a:t>
+            </a:r>
+            <a:r>
+              <a:rPr lang="en-US" sz="1400" smtClean="0">
+                <a:solidFill>
+                  <a:srgbClr val="000000"/>
+                </a:solidFill>
+                <a:latin typeface="Menlo" charset="0"/>
+              </a:rPr>
+              <a:t> = 10;</a:t>
+            </a:r>
+          </a:p>
+          <a:p>
+            <a:pPr marL="0" indent="0">
+              <a:buNone/>
+            </a:pPr>
+            <a:r>
+              <a:rPr lang="ro-RO" sz="1400" smtClean="0">
+                <a:solidFill>
+                  <a:srgbClr val="000000"/>
+                </a:solidFill>
+                <a:latin typeface="Menlo" charset="0"/>
+              </a:rPr>
+              <a:t>        </a:t>
+            </a:r>
+            <a:r>
+              <a:rPr lang="ro-RO" sz="1400" smtClean="0">
+                <a:solidFill>
+                  <a:srgbClr val="6A3E3E"/>
+                </a:solidFill>
+                <a:latin typeface="Menlo" charset="0"/>
+              </a:rPr>
+              <a:t>a</a:t>
+            </a:r>
+            <a:r>
+              <a:rPr lang="ro-RO" sz="1400" smtClean="0">
+                <a:solidFill>
+                  <a:srgbClr val="000000"/>
+                </a:solidFill>
+                <a:latin typeface="Menlo" charset="0"/>
+              </a:rPr>
+              <a:t> = </a:t>
+            </a:r>
+            <a:r>
+              <a:rPr lang="ro-RO" sz="1400" smtClean="0">
+                <a:solidFill>
+                  <a:srgbClr val="6A3E3E"/>
+                </a:solidFill>
+                <a:latin typeface="Menlo" charset="0"/>
+              </a:rPr>
+              <a:t>a</a:t>
+            </a:r>
+            <a:r>
+              <a:rPr lang="ro-RO" sz="1400" smtClean="0">
+                <a:solidFill>
+                  <a:srgbClr val="000000"/>
+                </a:solidFill>
+                <a:latin typeface="Menlo" charset="0"/>
+              </a:rPr>
+              <a:t> ^ </a:t>
+            </a:r>
+            <a:r>
+              <a:rPr lang="ro-RO" sz="1400" smtClean="0">
+                <a:solidFill>
+                  <a:srgbClr val="6A3E3E"/>
+                </a:solidFill>
+                <a:latin typeface="Menlo" charset="0"/>
+              </a:rPr>
+              <a:t>b</a:t>
+            </a:r>
+            <a:r>
+              <a:rPr lang="ro-RO" sz="1400" smtClean="0">
+                <a:solidFill>
+                  <a:srgbClr val="000000"/>
+                </a:solidFill>
+                <a:latin typeface="Menlo" charset="0"/>
+              </a:rPr>
+              <a:t>;</a:t>
+            </a:r>
+          </a:p>
+          <a:p>
+            <a:pPr marL="0" indent="0">
+              <a:buNone/>
+            </a:pPr>
+            <a:r>
+              <a:rPr lang="de-DE" sz="1400" smtClean="0">
+                <a:solidFill>
+                  <a:srgbClr val="000000"/>
+                </a:solidFill>
+                <a:latin typeface="Menlo" charset="0"/>
+              </a:rPr>
+              <a:t>        </a:t>
+            </a:r>
+            <a:r>
+              <a:rPr lang="de-DE" sz="1400" smtClean="0">
+                <a:solidFill>
+                  <a:srgbClr val="6A3E3E"/>
+                </a:solidFill>
+                <a:latin typeface="Menlo" charset="0"/>
+              </a:rPr>
+              <a:t>b</a:t>
+            </a:r>
+            <a:r>
+              <a:rPr lang="de-DE" sz="1400" smtClean="0">
+                <a:solidFill>
+                  <a:srgbClr val="000000"/>
+                </a:solidFill>
+                <a:latin typeface="Menlo" charset="0"/>
+              </a:rPr>
+              <a:t> = </a:t>
+            </a:r>
+            <a:r>
+              <a:rPr lang="de-DE" sz="1400" smtClean="0">
+                <a:solidFill>
+                  <a:srgbClr val="6A3E3E"/>
+                </a:solidFill>
+                <a:latin typeface="Menlo" charset="0"/>
+              </a:rPr>
+              <a:t>a</a:t>
+            </a:r>
+            <a:r>
+              <a:rPr lang="de-DE" sz="1400" smtClean="0">
+                <a:solidFill>
+                  <a:srgbClr val="000000"/>
+                </a:solidFill>
+                <a:latin typeface="Menlo" charset="0"/>
+              </a:rPr>
+              <a:t> ^ </a:t>
+            </a:r>
+            <a:r>
+              <a:rPr lang="de-DE" sz="1400" smtClean="0">
+                <a:solidFill>
+                  <a:srgbClr val="6A3E3E"/>
+                </a:solidFill>
+                <a:latin typeface="Menlo" charset="0"/>
+              </a:rPr>
+              <a:t>b</a:t>
+            </a:r>
+            <a:r>
+              <a:rPr lang="de-DE" sz="1400" smtClean="0">
+                <a:solidFill>
+                  <a:srgbClr val="000000"/>
+                </a:solidFill>
+                <a:latin typeface="Menlo" charset="0"/>
+              </a:rPr>
+              <a:t>;</a:t>
+            </a:r>
+          </a:p>
+          <a:p>
+            <a:pPr marL="0" indent="0">
+              <a:buNone/>
+            </a:pPr>
+            <a:r>
+              <a:rPr lang="ro-RO" sz="1400" smtClean="0">
+                <a:solidFill>
+                  <a:srgbClr val="000000"/>
+                </a:solidFill>
+                <a:latin typeface="Menlo" charset="0"/>
+              </a:rPr>
+              <a:t>        </a:t>
+            </a:r>
+            <a:r>
+              <a:rPr lang="ro-RO" sz="1400" smtClean="0">
+                <a:solidFill>
+                  <a:srgbClr val="6A3E3E"/>
+                </a:solidFill>
+                <a:latin typeface="Menlo" charset="0"/>
+              </a:rPr>
+              <a:t>a</a:t>
+            </a:r>
+            <a:r>
+              <a:rPr lang="ro-RO" sz="1400" smtClean="0">
+                <a:solidFill>
+                  <a:srgbClr val="000000"/>
+                </a:solidFill>
+                <a:latin typeface="Menlo" charset="0"/>
+              </a:rPr>
+              <a:t> = </a:t>
+            </a:r>
+            <a:r>
+              <a:rPr lang="ro-RO" sz="1400" smtClean="0">
+                <a:solidFill>
+                  <a:srgbClr val="6A3E3E"/>
+                </a:solidFill>
+                <a:latin typeface="Menlo" charset="0"/>
+              </a:rPr>
+              <a:t>a</a:t>
+            </a:r>
+            <a:r>
+              <a:rPr lang="ro-RO" sz="1400" smtClean="0">
+                <a:solidFill>
+                  <a:srgbClr val="000000"/>
+                </a:solidFill>
+                <a:latin typeface="Menlo" charset="0"/>
+              </a:rPr>
+              <a:t> ^ </a:t>
+            </a:r>
+            <a:r>
+              <a:rPr lang="ro-RO" sz="1400" smtClean="0">
+                <a:solidFill>
+                  <a:srgbClr val="6A3E3E"/>
+                </a:solidFill>
+                <a:latin typeface="Menlo" charset="0"/>
+              </a:rPr>
+              <a:t>b</a:t>
+            </a:r>
+            <a:r>
+              <a:rPr lang="ro-RO" sz="1400" smtClean="0">
+                <a:solidFill>
+                  <a:srgbClr val="000000"/>
+                </a:solidFill>
+                <a:latin typeface="Menlo" charset="0"/>
+              </a:rPr>
+              <a:t>;</a:t>
+            </a:r>
+          </a:p>
+          <a:p>
+            <a:pPr marL="0" indent="0">
+              <a:buNone/>
+            </a:pPr>
+            <a:r>
+              <a:rPr lang="de-DE" sz="1400" smtClean="0">
+                <a:solidFill>
+                  <a:srgbClr val="000000"/>
+                </a:solidFill>
+                <a:latin typeface="Menlo" charset="0"/>
+              </a:rPr>
+              <a:t>        </a:t>
+            </a:r>
+          </a:p>
+          <a:p>
+            <a:pPr marL="0" indent="0">
+              <a:buNone/>
+            </a:pPr>
+            <a:r>
+              <a:rPr lang="de-DE" sz="1400" smtClean="0">
+                <a:solidFill>
+                  <a:srgbClr val="000000"/>
+                </a:solidFill>
+                <a:latin typeface="Menlo" charset="0"/>
+              </a:rPr>
+              <a:t>        System.</a:t>
+            </a:r>
+            <a:r>
+              <a:rPr lang="de-DE" sz="1400" i="1" smtClean="0">
+                <a:solidFill>
+                  <a:srgbClr val="0000C0"/>
+                </a:solidFill>
+                <a:latin typeface="Menlo" charset="0"/>
+              </a:rPr>
+              <a:t>out</a:t>
+            </a:r>
+            <a:r>
+              <a:rPr lang="de-DE" sz="1400" i="1" smtClean="0">
+                <a:solidFill>
+                  <a:srgbClr val="000000"/>
+                </a:solidFill>
+                <a:latin typeface="Menlo" charset="0"/>
+              </a:rPr>
+              <a:t>.println(</a:t>
+            </a:r>
+            <a:r>
+              <a:rPr lang="de-DE" sz="1400" i="1" smtClean="0">
+                <a:solidFill>
+                  <a:srgbClr val="2A00FF"/>
+                </a:solidFill>
+                <a:latin typeface="Menlo" charset="0"/>
+              </a:rPr>
+              <a:t>"a = "</a:t>
+            </a:r>
+            <a:r>
+              <a:rPr lang="de-DE" sz="1400" i="1" smtClean="0">
+                <a:solidFill>
+                  <a:srgbClr val="000000"/>
+                </a:solidFill>
+                <a:latin typeface="Menlo" charset="0"/>
+              </a:rPr>
+              <a:t> + </a:t>
+            </a:r>
+            <a:r>
+              <a:rPr lang="de-DE" sz="1400" i="1" smtClean="0">
+                <a:solidFill>
+                  <a:srgbClr val="6A3E3E"/>
+                </a:solidFill>
+                <a:latin typeface="Menlo" charset="0"/>
+              </a:rPr>
+              <a:t>a</a:t>
+            </a:r>
+            <a:r>
+              <a:rPr lang="de-DE" sz="1400" i="1" smtClean="0">
+                <a:solidFill>
+                  <a:srgbClr val="000000"/>
+                </a:solidFill>
+                <a:latin typeface="Menlo" charset="0"/>
+              </a:rPr>
+              <a:t>);</a:t>
+            </a:r>
+          </a:p>
+          <a:p>
+            <a:pPr marL="0" indent="0">
+              <a:buNone/>
+            </a:pPr>
+            <a:r>
+              <a:rPr lang="de-DE" sz="1400" smtClean="0">
+                <a:solidFill>
+                  <a:srgbClr val="000000"/>
+                </a:solidFill>
+                <a:latin typeface="Menlo" charset="0"/>
+              </a:rPr>
+              <a:t>        System.</a:t>
+            </a:r>
+            <a:r>
+              <a:rPr lang="de-DE" sz="1400" i="1" smtClean="0">
+                <a:solidFill>
+                  <a:srgbClr val="0000C0"/>
+                </a:solidFill>
+                <a:latin typeface="Menlo" charset="0"/>
+              </a:rPr>
+              <a:t>out</a:t>
+            </a:r>
+            <a:r>
+              <a:rPr lang="de-DE" sz="1400" i="1" smtClean="0">
+                <a:solidFill>
+                  <a:srgbClr val="000000"/>
+                </a:solidFill>
+                <a:latin typeface="Menlo" charset="0"/>
+              </a:rPr>
+              <a:t>.println(</a:t>
+            </a:r>
+            <a:r>
+              <a:rPr lang="de-DE" sz="1400" i="1" smtClean="0">
+                <a:solidFill>
+                  <a:srgbClr val="2A00FF"/>
+                </a:solidFill>
+                <a:latin typeface="Menlo" charset="0"/>
+              </a:rPr>
+              <a:t>"b = "</a:t>
+            </a:r>
+            <a:r>
+              <a:rPr lang="de-DE" sz="1400" i="1" smtClean="0">
+                <a:solidFill>
+                  <a:srgbClr val="000000"/>
+                </a:solidFill>
+                <a:latin typeface="Menlo" charset="0"/>
+              </a:rPr>
+              <a:t> + </a:t>
+            </a:r>
+            <a:r>
+              <a:rPr lang="de-DE" sz="1400" i="1" smtClean="0">
+                <a:solidFill>
+                  <a:srgbClr val="6A3E3E"/>
+                </a:solidFill>
+                <a:latin typeface="Menlo" charset="0"/>
+              </a:rPr>
+              <a:t>b</a:t>
+            </a:r>
+            <a:r>
+              <a:rPr lang="de-DE" sz="1400" i="1" smtClean="0">
+                <a:solidFill>
+                  <a:srgbClr val="000000"/>
+                </a:solidFill>
+                <a:latin typeface="Menlo" charset="0"/>
+              </a:rPr>
+              <a:t>);</a:t>
+            </a:r>
+          </a:p>
+          <a:p>
+            <a:pPr marL="0" indent="0">
+              <a:buNone/>
+            </a:pPr>
+            <a:endParaRPr lang="de-DE" sz="1400" i="1">
+              <a:solidFill>
+                <a:srgbClr val="000000"/>
+              </a:solidFill>
+              <a:latin typeface="Menlo" charset="0"/>
+              <a:sym typeface="Wingdings"/>
+            </a:endParaRPr>
+          </a:p>
+          <a:p>
+            <a:r>
+              <a:rPr lang="en-US" sz="2000" dirty="0">
                 <a:sym typeface="Wingdings"/>
               </a:rPr>
-              <a:t>	- Donald Knuth</a:t>
+              <a:t>“XOR-swap” – Värdet på a och b byts ut utan en mellanliggande variabel</a:t>
             </a:r>
           </a:p>
         </p:txBody>
@@ -9266,7 +10720,7 @@
     </p:spTree>
     <p:extLst>
       <p:ext uri="{BB962C8B-B14F-4D97-AF65-F5344CB8AC3E}">
-        <p14:creationId xmlns:p14="http://schemas.microsoft.com/office/powerpoint/2010/main" val="874509810"/>
+        <p14:creationId xmlns:p14="http://schemas.microsoft.com/office/powerpoint/2010/main" val="1487999580"/>
       </p:ext>
     </p:extLst>
   </p:cSld>
